--- a/Présentation rattrapage PA.pptx
+++ b/Présentation rattrapage PA.pptx
@@ -5,7 +5,7 @@
     <p:sldMasterId id="2147483815" r:id="rId4"/>
   </p:sldMasterIdLst>
   <p:notesMasterIdLst>
-    <p:notesMasterId r:id="rId16"/>
+    <p:notesMasterId r:id="rId21"/>
   </p:notesMasterIdLst>
   <p:sldIdLst>
     <p:sldId id="256" r:id="rId5"/>
@@ -14,11 +14,16 @@
     <p:sldId id="268" r:id="rId8"/>
     <p:sldId id="263" r:id="rId9"/>
     <p:sldId id="269" r:id="rId10"/>
-    <p:sldId id="272" r:id="rId11"/>
-    <p:sldId id="262" r:id="rId12"/>
+    <p:sldId id="279" r:id="rId11"/>
+    <p:sldId id="272" r:id="rId12"/>
     <p:sldId id="277" r:id="rId13"/>
-    <p:sldId id="278" r:id="rId14"/>
-    <p:sldId id="276" r:id="rId15"/>
+    <p:sldId id="282" r:id="rId14"/>
+    <p:sldId id="283" r:id="rId15"/>
+    <p:sldId id="284" r:id="rId16"/>
+    <p:sldId id="262" r:id="rId17"/>
+    <p:sldId id="278" r:id="rId18"/>
+    <p:sldId id="281" r:id="rId19"/>
+    <p:sldId id="276" r:id="rId20"/>
   </p:sldIdLst>
   <p:sldSz cx="12192000" cy="6858000"/>
   <p:notesSz cx="6858000" cy="9144000"/>
@@ -128,10 +133,15 @@
 <file path=ppt/revisionInfo.xml><?xml version="1.0" encoding="utf-8"?>
 <p1510:revInfo xmlns:a="http://schemas.openxmlformats.org/drawingml/2006/main" xmlns:r="http://schemas.openxmlformats.org/officeDocument/2006/relationships" xmlns:p1510="http://schemas.microsoft.com/office/powerpoint/2015/10/main">
   <p1510:revLst>
+    <p1510:client id="{0332BEDD-6BA4-E744-A614-0F70C1CB4557}" v="171" dt="2021-09-07T03:52:34.338"/>
     <p1510:client id="{2FC6DD5E-9592-468A-B924-F6B1A20E1A5A}" v="1150" vWet="1152" dt="2021-07-27T12:35:06.105"/>
     <p1510:client id="{32A2FD5A-37E6-2924-4DD9-8B26E6F4809D}" v="333" dt="2021-07-27T12:30:37.823"/>
+    <p1510:client id="{3FE01F80-4AAA-F007-FE75-E3784CB60BE1}" v="1" dt="2021-09-07T00:59:02.455"/>
     <p1510:client id="{8336E6B7-F7E5-70FD-3427-AC5951063867}" v="19" dt="2021-07-26T18:40:34.188"/>
-    <p1510:client id="{9F214FC6-9F8E-A70C-38A9-8D95F3E113F0}" v="638" dt="2021-09-05T10:19:29.115"/>
+    <p1510:client id="{8CB952CA-9FA6-921A-5FAB-95F7A5C57170}" v="131" dt="2021-09-07T00:54:31.104"/>
+    <p1510:client id="{9979B327-6A27-22F7-5845-5C8DEA72C172}" v="894" dt="2021-09-06T19:22:15.903"/>
+    <p1510:client id="{9F214FC6-9F8E-A70C-38A9-8D95F3E113F0}" v="646" dt="2021-09-05T10:21:29.398"/>
+    <p1510:client id="{B941C17B-63D1-49E3-29E5-29CE1AA53836}" v="162" dt="2021-09-07T02:41:54.863"/>
     <p1510:client id="{BD0593BE-C6C9-2B57-582B-12A9BB2E0280}" v="2498" dt="2021-07-27T12:35:13.749"/>
     <p1510:client id="{ECB8363F-FB4C-3572-4F47-CF75C36F9D8D}" v="856" dt="2021-07-27T02:08:53.378"/>
     <p1510:client id="{EEAD49C6-61DC-2E00-0255-C885BCCC640C}" v="2" dt="2021-07-27T07:22:01.469"/>
@@ -221,7 +231,7 @@
           <a:p>
             <a:fld id="{60DA1757-DF83-4484-9F54-C7B035228300}" type="datetimeFigureOut">
               <a:rPr lang="en-US" smtClean="0"/>
-              <a:t>9/5/2021</a:t>
+              <a:t>9/6/2021</a:t>
             </a:fld>
             <a:endParaRPr lang="en-US"/>
           </a:p>
@@ -638,7 +648,7 @@
           <a:p>
             <a:fld id="{F8CAF083-96CE-4F4E-9985-DB4FD6CD4407}" type="datetime1">
               <a:rPr lang="en-US" smtClean="0"/>
-              <a:t>9/5/2021</a:t>
+              <a:t>9/6/2021</a:t>
             </a:fld>
             <a:endParaRPr lang="en-US"/>
           </a:p>
@@ -853,7 +863,7 @@
           <a:p>
             <a:fld id="{5A0D43E4-C176-4CD4-BFED-2EF6197B74C6}" type="datetime1">
               <a:rPr lang="en-US" smtClean="0"/>
-              <a:t>9/5/2021</a:t>
+              <a:t>9/6/2021</a:t>
             </a:fld>
             <a:endParaRPr lang="en-US"/>
           </a:p>
@@ -1078,7 +1088,7 @@
           <a:p>
             <a:fld id="{0A6CD3BF-595B-49A4-8F8F-A149C20B96E6}" type="datetime1">
               <a:rPr lang="en-US" smtClean="0"/>
-              <a:t>9/5/2021</a:t>
+              <a:t>9/6/2021</a:t>
             </a:fld>
             <a:endParaRPr lang="en-US"/>
           </a:p>
@@ -1293,7 +1303,7 @@
           <a:p>
             <a:fld id="{0940D937-824F-42D7-B5C3-9F7910AB63C2}" type="datetime1">
               <a:rPr lang="en-US" smtClean="0"/>
-              <a:t>9/5/2021</a:t>
+              <a:t>9/6/2021</a:t>
             </a:fld>
             <a:endParaRPr lang="en-US"/>
           </a:p>
@@ -1584,7 +1594,7 @@
           <a:p>
             <a:fld id="{DE653A0E-E504-40B8-9248-AD70C9628B1F}" type="datetime1">
               <a:rPr lang="en-US" smtClean="0"/>
-              <a:t>9/5/2021</a:t>
+              <a:t>9/6/2021</a:t>
             </a:fld>
             <a:endParaRPr lang="en-US"/>
           </a:p>
@@ -1867,7 +1877,7 @@
           <a:p>
             <a:fld id="{12D5D704-7A36-4D64-90D8-840F00DFC00E}" type="datetime1">
               <a:rPr lang="en-US" smtClean="0"/>
-              <a:t>9/5/2021</a:t>
+              <a:t>9/6/2021</a:t>
             </a:fld>
             <a:endParaRPr lang="en-US"/>
           </a:p>
@@ -2297,7 +2307,7 @@
           <a:p>
             <a:fld id="{7484C941-209C-4080-A895-04B3BFC6FDC0}" type="datetime1">
               <a:rPr lang="en-US" smtClean="0"/>
-              <a:t>9/5/2021</a:t>
+              <a:t>9/6/2021</a:t>
             </a:fld>
             <a:endParaRPr lang="en-US"/>
           </a:p>
@@ -2454,7 +2464,7 @@
           <a:p>
             <a:fld id="{ABBE320F-34AF-4141-80AB-1F9D858250BC}" type="datetime1">
               <a:rPr lang="en-US" smtClean="0"/>
-              <a:t>9/5/2021</a:t>
+              <a:t>9/6/2021</a:t>
             </a:fld>
             <a:endParaRPr lang="en-US"/>
           </a:p>
@@ -2582,7 +2592,7 @@
           <a:p>
             <a:fld id="{BE482D41-8FA0-4777-9B44-1E9E073C7A0B}" type="datetime1">
               <a:rPr lang="en-US" smtClean="0"/>
-              <a:t>9/5/2021</a:t>
+              <a:t>9/6/2021</a:t>
             </a:fld>
             <a:endParaRPr lang="en-US"/>
           </a:p>
@@ -2910,7 +2920,7 @@
           <a:p>
             <a:fld id="{16C68D7A-E645-4DE0-8A50-F5EDAFFDBF45}" type="datetime1">
               <a:rPr lang="en-US" smtClean="0"/>
-              <a:t>9/5/2021</a:t>
+              <a:t>9/6/2021</a:t>
             </a:fld>
             <a:endParaRPr lang="en-US"/>
           </a:p>
@@ -3214,7 +3224,7 @@
           <a:p>
             <a:fld id="{85944ED5-3130-461F-8D92-018BB7D37932}" type="datetime1">
               <a:rPr lang="en-US" smtClean="0"/>
-              <a:t>9/5/2021</a:t>
+              <a:t>9/6/2021</a:t>
             </a:fld>
             <a:endParaRPr lang="en-US"/>
           </a:p>
@@ -3472,7 +3482,7 @@
           <a:p>
             <a:fld id="{36A674EA-1DF5-4ECD-A72B-90A36DCB5DAF}" type="datetime1">
               <a:rPr lang="en-US" smtClean="0"/>
-              <a:t>9/5/2021</a:t>
+              <a:t>9/6/2021</a:t>
             </a:fld>
             <a:endParaRPr lang="en-US"/>
           </a:p>
@@ -4041,7 +4051,7 @@
           <a:lstStyle/>
           <a:p>
             <a:pPr algn="ctr"/>
-            <a:endParaRPr lang="en-US" dirty="0">
+            <a:endParaRPr lang="en-US">
               <a:solidFill>
                 <a:srgbClr val="FFFFFF"/>
               </a:solidFill>
@@ -4084,7 +4094,7 @@
                   <a:srgbClr val="FFFFFF"/>
                 </a:solidFill>
               </a:rPr>
-              <a:t>Prédiction de la classe d'un drapeau parmi 3 classes</a:t>
+              <a:t>Prédiction du type d'un drapeau parmi 3 classes</a:t>
             </a:r>
             <a:endParaRPr lang="fr-FR" sz="5200">
               <a:solidFill>
@@ -4779,13 +4789,13 @@
   <p:clrMapOvr>
     <a:masterClrMapping/>
   </p:clrMapOvr>
-  <mc:AlternateContent xmlns:mc="http://schemas.openxmlformats.org/markup-compatibility/2006">
-    <mc:Choice xmlns:p14="http://schemas.microsoft.com/office/powerpoint/2010/main" Requires="p14">
+  <mc:AlternateContent xmlns:mc="http://schemas.openxmlformats.org/markup-compatibility/2006" xmlns:p14="http://schemas.microsoft.com/office/powerpoint/2010/main">
+    <mc:Choice Requires="p14">
       <p:transition spd="med" p14:dur="700">
         <p:fade/>
       </p:transition>
     </mc:Choice>
-    <mc:Fallback>
+    <mc:Fallback xmlns="">
       <p:transition spd="med">
         <p:fade/>
       </p:transition>
@@ -4795,6 +4805,2743 @@
 </file>
 
 <file path=ppt/slides/slide10.xml><?xml version="1.0" encoding="utf-8"?>
+<p:sld xmlns:a="http://schemas.openxmlformats.org/drawingml/2006/main" xmlns:r="http://schemas.openxmlformats.org/officeDocument/2006/relationships" xmlns:p="http://schemas.openxmlformats.org/presentationml/2006/main">
+  <p:cSld>
+    <p:spTree>
+      <p:nvGrpSpPr>
+        <p:cNvPr id="1" name=""/>
+        <p:cNvGrpSpPr/>
+        <p:nvPr/>
+      </p:nvGrpSpPr>
+      <p:grpSpPr>
+        <a:xfrm>
+          <a:off x="0" y="0"/>
+          <a:ext cx="0" cy="0"/>
+          <a:chOff x="0" y="0"/>
+          <a:chExt cx="0" cy="0"/>
+        </a:xfrm>
+      </p:grpSpPr>
+      <p:sp>
+        <p:nvSpPr>
+          <p:cNvPr id="4" name="Espace réservé du pied de page 3">
+            <a:extLst>
+              <a:ext uri="{FF2B5EF4-FFF2-40B4-BE49-F238E27FC236}">
+                <a16:creationId xmlns:a16="http://schemas.microsoft.com/office/drawing/2014/main" id="{6D538421-A7CB-4766-91AD-92A2F1EBF6C1}"/>
+              </a:ext>
+            </a:extLst>
+          </p:cNvPr>
+          <p:cNvSpPr>
+            <a:spLocks noGrp="1"/>
+          </p:cNvSpPr>
+          <p:nvPr>
+            <p:ph type="ftr" sz="quarter" idx="11"/>
+          </p:nvPr>
+        </p:nvSpPr>
+        <p:spPr>
+          <a:xfrm>
+            <a:off x="4038600" y="6523823"/>
+            <a:ext cx="4114800" cy="365125"/>
+          </a:xfrm>
+        </p:spPr>
+        <p:txBody>
+          <a:bodyPr/>
+          <a:lstStyle/>
+          <a:p>
+            <a:r>
+              <a:rPr lang="en-US" err="1"/>
+              <a:t>Maathess</a:t>
+            </a:r>
+            <a:r>
+              <a:rPr lang="en-US"/>
+              <a:t> Kothandapani</a:t>
+            </a:r>
+            <a:endParaRPr lang="en-US">
+              <a:cs typeface="Calibri"/>
+            </a:endParaRPr>
+          </a:p>
+        </p:txBody>
+      </p:sp>
+      <p:pic>
+        <p:nvPicPr>
+          <p:cNvPr id="2" name="Image 5" descr="Une image contenant texte, extérieur, signe&#10;&#10;Description générée automatiquement">
+            <a:extLst>
+              <a:ext uri="{FF2B5EF4-FFF2-40B4-BE49-F238E27FC236}">
+                <a16:creationId xmlns:a16="http://schemas.microsoft.com/office/drawing/2014/main" id="{A75D09CD-3A7F-43A3-8A32-663DF74C425C}"/>
+              </a:ext>
+            </a:extLst>
+          </p:cNvPr>
+          <p:cNvPicPr>
+            <a:picLocks noChangeAspect="1"/>
+          </p:cNvPicPr>
+          <p:nvPr/>
+        </p:nvPicPr>
+        <p:blipFill>
+          <a:blip r:embed="rId2"/>
+          <a:stretch>
+            <a:fillRect/>
+          </a:stretch>
+        </p:blipFill>
+        <p:spPr>
+          <a:xfrm>
+            <a:off x="10839989" y="10064"/>
+            <a:ext cx="1352550" cy="914400"/>
+          </a:xfrm>
+          <a:prstGeom prst="rect">
+            <a:avLst/>
+          </a:prstGeom>
+        </p:spPr>
+      </p:pic>
+      <p:sp>
+        <p:nvSpPr>
+          <p:cNvPr id="3" name="ZoneTexte 2">
+            <a:extLst>
+              <a:ext uri="{FF2B5EF4-FFF2-40B4-BE49-F238E27FC236}">
+                <a16:creationId xmlns:a16="http://schemas.microsoft.com/office/drawing/2014/main" id="{8626095D-1496-497C-88ED-BC4643B0C598}"/>
+              </a:ext>
+            </a:extLst>
+          </p:cNvPr>
+          <p:cNvSpPr txBox="1"/>
+          <p:nvPr/>
+        </p:nvSpPr>
+        <p:spPr>
+          <a:xfrm>
+            <a:off x="3504" y="7449"/>
+            <a:ext cx="12176234" cy="461665"/>
+          </a:xfrm>
+          <a:prstGeom prst="rect">
+            <a:avLst/>
+          </a:prstGeom>
+          <a:noFill/>
+        </p:spPr>
+        <p:txBody>
+          <a:bodyPr rot="0" spcFirstLastPara="0" vertOverflow="overflow" horzOverflow="overflow" vert="horz" wrap="square" lIns="91440" tIns="45720" rIns="91440" bIns="45720" numCol="1" spcCol="0" rtlCol="0" fromWordArt="0" anchor="t" anchorCtr="0" forceAA="0" compatLnSpc="1">
+            <a:prstTxWarp prst="textNoShape">
+              <a:avLst/>
+            </a:prstTxWarp>
+            <a:spAutoFit/>
+          </a:bodyPr>
+          <a:lstStyle/>
+          <a:p>
+            <a:pPr algn="ctr"/>
+            <a:r>
+              <a:rPr lang="en-US" sz="2400"/>
+              <a:t>PMC avec 1 </a:t>
+            </a:r>
+            <a:r>
+              <a:rPr lang="en-US" sz="2400" err="1"/>
+              <a:t>couche</a:t>
+            </a:r>
+            <a:r>
+              <a:rPr lang="en-US" sz="2400"/>
+              <a:t> </a:t>
+            </a:r>
+            <a:r>
+              <a:rPr lang="en-US" sz="2400" err="1"/>
+              <a:t>cachée</a:t>
+            </a:r>
+            <a:r>
+              <a:rPr lang="en-US" sz="2400"/>
+              <a:t> de 8 </a:t>
+            </a:r>
+            <a:r>
+              <a:rPr lang="en-US" sz="2400" err="1"/>
+              <a:t>neurones</a:t>
+            </a:r>
+            <a:endParaRPr lang="fr-FR" err="1"/>
+          </a:p>
+        </p:txBody>
+      </p:sp>
+      <p:pic>
+        <p:nvPicPr>
+          <p:cNvPr id="5" name="Image 5">
+            <a:extLst>
+              <a:ext uri="{FF2B5EF4-FFF2-40B4-BE49-F238E27FC236}">
+                <a16:creationId xmlns:a16="http://schemas.microsoft.com/office/drawing/2014/main" id="{EC831C44-3A13-4C37-B6E9-97423AC96731}"/>
+              </a:ext>
+            </a:extLst>
+          </p:cNvPr>
+          <p:cNvPicPr>
+            <a:picLocks noChangeAspect="1"/>
+          </p:cNvPicPr>
+          <p:nvPr/>
+        </p:nvPicPr>
+        <p:blipFill>
+          <a:blip r:embed="rId3"/>
+          <a:stretch>
+            <a:fillRect/>
+          </a:stretch>
+        </p:blipFill>
+        <p:spPr>
+          <a:xfrm>
+            <a:off x="1675" y="4111716"/>
+            <a:ext cx="3371222" cy="2746020"/>
+          </a:xfrm>
+          <a:prstGeom prst="rect">
+            <a:avLst/>
+          </a:prstGeom>
+        </p:spPr>
+      </p:pic>
+      <p:pic>
+        <p:nvPicPr>
+          <p:cNvPr id="6" name="Image 6" descr="Une image contenant texte&#10;&#10;Description générée automatiquement">
+            <a:extLst>
+              <a:ext uri="{FF2B5EF4-FFF2-40B4-BE49-F238E27FC236}">
+                <a16:creationId xmlns:a16="http://schemas.microsoft.com/office/drawing/2014/main" id="{9B0F7E85-F9CF-4DE3-B19D-AF7DF9025BD6}"/>
+              </a:ext>
+            </a:extLst>
+          </p:cNvPr>
+          <p:cNvPicPr>
+            <a:picLocks noChangeAspect="1"/>
+          </p:cNvPicPr>
+          <p:nvPr/>
+        </p:nvPicPr>
+        <p:blipFill>
+          <a:blip r:embed="rId4"/>
+          <a:stretch>
+            <a:fillRect/>
+          </a:stretch>
+        </p:blipFill>
+        <p:spPr>
+          <a:xfrm>
+            <a:off x="61024" y="2094086"/>
+            <a:ext cx="1854130" cy="492684"/>
+          </a:xfrm>
+          <a:prstGeom prst="rect">
+            <a:avLst/>
+          </a:prstGeom>
+        </p:spPr>
+      </p:pic>
+      <p:pic>
+        <p:nvPicPr>
+          <p:cNvPr id="7" name="Image 7">
+            <a:extLst>
+              <a:ext uri="{FF2B5EF4-FFF2-40B4-BE49-F238E27FC236}">
+                <a16:creationId xmlns:a16="http://schemas.microsoft.com/office/drawing/2014/main" id="{1AA7CA78-3254-4648-83C3-24074B8E8CBF}"/>
+              </a:ext>
+            </a:extLst>
+          </p:cNvPr>
+          <p:cNvPicPr>
+            <a:picLocks noChangeAspect="1"/>
+          </p:cNvPicPr>
+          <p:nvPr/>
+        </p:nvPicPr>
+        <p:blipFill>
+          <a:blip r:embed="rId5"/>
+          <a:stretch>
+            <a:fillRect/>
+          </a:stretch>
+        </p:blipFill>
+        <p:spPr>
+          <a:xfrm>
+            <a:off x="2404905" y="1528887"/>
+            <a:ext cx="3136760" cy="2594424"/>
+          </a:xfrm>
+          <a:prstGeom prst="rect">
+            <a:avLst/>
+          </a:prstGeom>
+        </p:spPr>
+      </p:pic>
+      <p:cxnSp>
+        <p:nvCxnSpPr>
+          <p:cNvPr id="8" name="Connecteur droit avec flèche 7">
+            <a:extLst>
+              <a:ext uri="{FF2B5EF4-FFF2-40B4-BE49-F238E27FC236}">
+                <a16:creationId xmlns:a16="http://schemas.microsoft.com/office/drawing/2014/main" id="{6FDB2038-1565-4599-AA76-B1090CC52CC6}"/>
+              </a:ext>
+            </a:extLst>
+          </p:cNvPr>
+          <p:cNvCxnSpPr/>
+          <p:nvPr/>
+        </p:nvCxnSpPr>
+        <p:spPr>
+          <a:xfrm>
+            <a:off x="6074228" y="1037493"/>
+            <a:ext cx="0" cy="5484723"/>
+          </a:xfrm>
+          <a:prstGeom prst="straightConnector1">
+            <a:avLst/>
+          </a:prstGeom>
+        </p:spPr>
+        <p:style>
+          <a:lnRef idx="1">
+            <a:schemeClr val="accent1"/>
+          </a:lnRef>
+          <a:fillRef idx="0">
+            <a:schemeClr val="accent1"/>
+          </a:fillRef>
+          <a:effectRef idx="0">
+            <a:schemeClr val="accent1"/>
+          </a:effectRef>
+          <a:fontRef idx="minor">
+            <a:schemeClr val="tx1"/>
+          </a:fontRef>
+        </p:style>
+      </p:cxnSp>
+      <p:pic>
+        <p:nvPicPr>
+          <p:cNvPr id="9" name="Image 9" descr="Une image contenant texte&#10;&#10;Description générée automatiquement">
+            <a:extLst>
+              <a:ext uri="{FF2B5EF4-FFF2-40B4-BE49-F238E27FC236}">
+                <a16:creationId xmlns:a16="http://schemas.microsoft.com/office/drawing/2014/main" id="{ACEE27FC-681F-490E-9075-FD950A03C0C6}"/>
+              </a:ext>
+            </a:extLst>
+          </p:cNvPr>
+          <p:cNvPicPr>
+            <a:picLocks noChangeAspect="1"/>
+          </p:cNvPicPr>
+          <p:nvPr/>
+        </p:nvPicPr>
+        <p:blipFill>
+          <a:blip r:embed="rId6"/>
+          <a:stretch>
+            <a:fillRect/>
+          </a:stretch>
+        </p:blipFill>
+        <p:spPr>
+          <a:xfrm>
+            <a:off x="10174899" y="2182586"/>
+            <a:ext cx="1831941" cy="499906"/>
+          </a:xfrm>
+          <a:prstGeom prst="rect">
+            <a:avLst/>
+          </a:prstGeom>
+        </p:spPr>
+      </p:pic>
+      <p:pic>
+        <p:nvPicPr>
+          <p:cNvPr id="11" name="Image 11">
+            <a:extLst>
+              <a:ext uri="{FF2B5EF4-FFF2-40B4-BE49-F238E27FC236}">
+                <a16:creationId xmlns:a16="http://schemas.microsoft.com/office/drawing/2014/main" id="{B67A6A5F-4F3D-4048-B91C-37CFC29E5613}"/>
+              </a:ext>
+            </a:extLst>
+          </p:cNvPr>
+          <p:cNvPicPr>
+            <a:picLocks noChangeAspect="1"/>
+          </p:cNvPicPr>
+          <p:nvPr/>
+        </p:nvPicPr>
+        <p:blipFill>
+          <a:blip r:embed="rId7"/>
+          <a:stretch>
+            <a:fillRect/>
+          </a:stretch>
+        </p:blipFill>
+        <p:spPr>
+          <a:xfrm>
+            <a:off x="6650334" y="1528254"/>
+            <a:ext cx="3136760" cy="2595691"/>
+          </a:xfrm>
+          <a:prstGeom prst="rect">
+            <a:avLst/>
+          </a:prstGeom>
+        </p:spPr>
+      </p:pic>
+      <p:pic>
+        <p:nvPicPr>
+          <p:cNvPr id="12" name="Image 12">
+            <a:extLst>
+              <a:ext uri="{FF2B5EF4-FFF2-40B4-BE49-F238E27FC236}">
+                <a16:creationId xmlns:a16="http://schemas.microsoft.com/office/drawing/2014/main" id="{7194CF58-4F07-43DA-B49A-4B4DB0B0C49B}"/>
+              </a:ext>
+            </a:extLst>
+          </p:cNvPr>
+          <p:cNvPicPr>
+            <a:picLocks noChangeAspect="1"/>
+          </p:cNvPicPr>
+          <p:nvPr/>
+        </p:nvPicPr>
+        <p:blipFill>
+          <a:blip r:embed="rId8"/>
+          <a:stretch>
+            <a:fillRect/>
+          </a:stretch>
+        </p:blipFill>
+        <p:spPr>
+          <a:xfrm>
+            <a:off x="8777236" y="4115534"/>
+            <a:ext cx="3404716" cy="2730009"/>
+          </a:xfrm>
+          <a:prstGeom prst="rect">
+            <a:avLst/>
+          </a:prstGeom>
+        </p:spPr>
+      </p:pic>
+    </p:spTree>
+    <p:extLst>
+      <p:ext uri="{BB962C8B-B14F-4D97-AF65-F5344CB8AC3E}">
+        <p14:creationId xmlns:p14="http://schemas.microsoft.com/office/powerpoint/2010/main" val="1909103876"/>
+      </p:ext>
+    </p:extLst>
+  </p:cSld>
+  <p:clrMapOvr>
+    <a:masterClrMapping/>
+  </p:clrMapOvr>
+  <mc:AlternateContent xmlns:mc="http://schemas.openxmlformats.org/markup-compatibility/2006" xmlns:p14="http://schemas.microsoft.com/office/powerpoint/2010/main">
+    <mc:Choice Requires="p14">
+      <p:transition spd="med" p14:dur="700">
+        <p:fade/>
+      </p:transition>
+    </mc:Choice>
+    <mc:Fallback xmlns="">
+      <p:transition spd="med">
+        <p:fade/>
+      </p:transition>
+    </mc:Fallback>
+  </mc:AlternateContent>
+</p:sld>
+</file>
+
+<file path=ppt/slides/slide11.xml><?xml version="1.0" encoding="utf-8"?>
+<p:sld xmlns:a="http://schemas.openxmlformats.org/drawingml/2006/main" xmlns:r="http://schemas.openxmlformats.org/officeDocument/2006/relationships" xmlns:p="http://schemas.openxmlformats.org/presentationml/2006/main">
+  <p:cSld>
+    <p:spTree>
+      <p:nvGrpSpPr>
+        <p:cNvPr id="1" name=""/>
+        <p:cNvGrpSpPr/>
+        <p:nvPr/>
+      </p:nvGrpSpPr>
+      <p:grpSpPr>
+        <a:xfrm>
+          <a:off x="0" y="0"/>
+          <a:ext cx="0" cy="0"/>
+          <a:chOff x="0" y="0"/>
+          <a:chExt cx="0" cy="0"/>
+        </a:xfrm>
+      </p:grpSpPr>
+      <p:sp>
+        <p:nvSpPr>
+          <p:cNvPr id="4" name="Espace réservé du pied de page 3">
+            <a:extLst>
+              <a:ext uri="{FF2B5EF4-FFF2-40B4-BE49-F238E27FC236}">
+                <a16:creationId xmlns:a16="http://schemas.microsoft.com/office/drawing/2014/main" id="{6D538421-A7CB-4766-91AD-92A2F1EBF6C1}"/>
+              </a:ext>
+            </a:extLst>
+          </p:cNvPr>
+          <p:cNvSpPr>
+            <a:spLocks noGrp="1"/>
+          </p:cNvSpPr>
+          <p:nvPr>
+            <p:ph type="ftr" sz="quarter" idx="11"/>
+          </p:nvPr>
+        </p:nvSpPr>
+        <p:spPr>
+          <a:xfrm>
+            <a:off x="4038600" y="6490328"/>
+            <a:ext cx="4114800" cy="365125"/>
+          </a:xfrm>
+        </p:spPr>
+        <p:txBody>
+          <a:bodyPr/>
+          <a:lstStyle/>
+          <a:p>
+            <a:r>
+              <a:rPr lang="en-US" err="1"/>
+              <a:t>Maathess</a:t>
+            </a:r>
+            <a:r>
+              <a:rPr lang="en-US"/>
+              <a:t> Kothandapani</a:t>
+            </a:r>
+            <a:endParaRPr lang="en-US">
+              <a:cs typeface="Calibri"/>
+            </a:endParaRPr>
+          </a:p>
+        </p:txBody>
+      </p:sp>
+      <p:pic>
+        <p:nvPicPr>
+          <p:cNvPr id="2" name="Image 5" descr="Une image contenant texte, extérieur, signe&#10;&#10;Description générée automatiquement">
+            <a:extLst>
+              <a:ext uri="{FF2B5EF4-FFF2-40B4-BE49-F238E27FC236}">
+                <a16:creationId xmlns:a16="http://schemas.microsoft.com/office/drawing/2014/main" id="{A75D09CD-3A7F-43A3-8A32-663DF74C425C}"/>
+              </a:ext>
+            </a:extLst>
+          </p:cNvPr>
+          <p:cNvPicPr>
+            <a:picLocks noChangeAspect="1"/>
+          </p:cNvPicPr>
+          <p:nvPr/>
+        </p:nvPicPr>
+        <p:blipFill>
+          <a:blip r:embed="rId2"/>
+          <a:stretch>
+            <a:fillRect/>
+          </a:stretch>
+        </p:blipFill>
+        <p:spPr>
+          <a:xfrm>
+            <a:off x="10839989" y="10064"/>
+            <a:ext cx="1352550" cy="914400"/>
+          </a:xfrm>
+          <a:prstGeom prst="rect">
+            <a:avLst/>
+          </a:prstGeom>
+        </p:spPr>
+      </p:pic>
+      <p:sp>
+        <p:nvSpPr>
+          <p:cNvPr id="3" name="ZoneTexte 2">
+            <a:extLst>
+              <a:ext uri="{FF2B5EF4-FFF2-40B4-BE49-F238E27FC236}">
+                <a16:creationId xmlns:a16="http://schemas.microsoft.com/office/drawing/2014/main" id="{8626095D-1496-497C-88ED-BC4643B0C598}"/>
+              </a:ext>
+            </a:extLst>
+          </p:cNvPr>
+          <p:cNvSpPr txBox="1"/>
+          <p:nvPr/>
+        </p:nvSpPr>
+        <p:spPr>
+          <a:xfrm>
+            <a:off x="3504" y="49317"/>
+            <a:ext cx="12176234" cy="461665"/>
+          </a:xfrm>
+          <a:prstGeom prst="rect">
+            <a:avLst/>
+          </a:prstGeom>
+          <a:noFill/>
+        </p:spPr>
+        <p:txBody>
+          <a:bodyPr rot="0" spcFirstLastPara="0" vertOverflow="overflow" horzOverflow="overflow" vert="horz" wrap="square" lIns="91440" tIns="45720" rIns="91440" bIns="45720" numCol="1" spcCol="0" rtlCol="0" fromWordArt="0" anchor="t" anchorCtr="0" forceAA="0" compatLnSpc="1">
+            <a:prstTxWarp prst="textNoShape">
+              <a:avLst/>
+            </a:prstTxWarp>
+            <a:spAutoFit/>
+          </a:bodyPr>
+          <a:lstStyle/>
+          <a:p>
+            <a:pPr algn="ctr"/>
+            <a:r>
+              <a:rPr lang="en-US" sz="2400"/>
+              <a:t>PMC avec 1 </a:t>
+            </a:r>
+            <a:r>
+              <a:rPr lang="en-US" sz="2400" err="1"/>
+              <a:t>couche</a:t>
+            </a:r>
+            <a:r>
+              <a:rPr lang="en-US" sz="2400"/>
+              <a:t> </a:t>
+            </a:r>
+            <a:r>
+              <a:rPr lang="en-US" sz="2400" err="1"/>
+              <a:t>cachée</a:t>
+            </a:r>
+            <a:r>
+              <a:rPr lang="en-US" sz="2400"/>
+              <a:t> de 32 </a:t>
+            </a:r>
+            <a:r>
+              <a:rPr lang="en-US" sz="2400" err="1"/>
+              <a:t>neurones</a:t>
+            </a:r>
+            <a:endParaRPr lang="fr-FR" err="1"/>
+          </a:p>
+        </p:txBody>
+      </p:sp>
+      <p:pic>
+        <p:nvPicPr>
+          <p:cNvPr id="5" name="Image 5">
+            <a:extLst>
+              <a:ext uri="{FF2B5EF4-FFF2-40B4-BE49-F238E27FC236}">
+                <a16:creationId xmlns:a16="http://schemas.microsoft.com/office/drawing/2014/main" id="{330C0F65-BB56-4E26-9ACE-E1E41058B059}"/>
+              </a:ext>
+            </a:extLst>
+          </p:cNvPr>
+          <p:cNvPicPr>
+            <a:picLocks noChangeAspect="1"/>
+          </p:cNvPicPr>
+          <p:nvPr/>
+        </p:nvPicPr>
+        <p:blipFill>
+          <a:blip r:embed="rId3"/>
+          <a:stretch>
+            <a:fillRect/>
+          </a:stretch>
+        </p:blipFill>
+        <p:spPr>
+          <a:xfrm>
+            <a:off x="8819103" y="4150250"/>
+            <a:ext cx="3362848" cy="2677324"/>
+          </a:xfrm>
+          <a:prstGeom prst="rect">
+            <a:avLst/>
+          </a:prstGeom>
+        </p:spPr>
+      </p:pic>
+      <p:pic>
+        <p:nvPicPr>
+          <p:cNvPr id="6" name="Image 6" descr="Une image contenant texte&#10;&#10;Description générée automatiquement">
+            <a:extLst>
+              <a:ext uri="{FF2B5EF4-FFF2-40B4-BE49-F238E27FC236}">
+                <a16:creationId xmlns:a16="http://schemas.microsoft.com/office/drawing/2014/main" id="{B5CB2990-B00E-414E-A2F4-821459F03284}"/>
+              </a:ext>
+            </a:extLst>
+          </p:cNvPr>
+          <p:cNvPicPr>
+            <a:picLocks noChangeAspect="1"/>
+          </p:cNvPicPr>
+          <p:nvPr/>
+        </p:nvPicPr>
+        <p:blipFill>
+          <a:blip r:embed="rId4"/>
+          <a:stretch>
+            <a:fillRect/>
+          </a:stretch>
+        </p:blipFill>
+        <p:spPr>
+          <a:xfrm>
+            <a:off x="10369952" y="2092936"/>
+            <a:ext cx="1726538" cy="494986"/>
+          </a:xfrm>
+          <a:prstGeom prst="rect">
+            <a:avLst/>
+          </a:prstGeom>
+        </p:spPr>
+      </p:pic>
+      <p:pic>
+        <p:nvPicPr>
+          <p:cNvPr id="7" name="Image 7">
+            <a:extLst>
+              <a:ext uri="{FF2B5EF4-FFF2-40B4-BE49-F238E27FC236}">
+                <a16:creationId xmlns:a16="http://schemas.microsoft.com/office/drawing/2014/main" id="{C9BCD6EF-E9EE-4DEC-ACA1-91F65E47F9FC}"/>
+              </a:ext>
+            </a:extLst>
+          </p:cNvPr>
+          <p:cNvPicPr>
+            <a:picLocks noChangeAspect="1"/>
+          </p:cNvPicPr>
+          <p:nvPr/>
+        </p:nvPicPr>
+        <p:blipFill>
+          <a:blip r:embed="rId5"/>
+          <a:stretch>
+            <a:fillRect/>
+          </a:stretch>
+        </p:blipFill>
+        <p:spPr>
+          <a:xfrm>
+            <a:off x="6616839" y="1526861"/>
+            <a:ext cx="3069772" cy="2581730"/>
+          </a:xfrm>
+          <a:prstGeom prst="rect">
+            <a:avLst/>
+          </a:prstGeom>
+        </p:spPr>
+      </p:pic>
+      <p:pic>
+        <p:nvPicPr>
+          <p:cNvPr id="9" name="Image 5">
+            <a:extLst>
+              <a:ext uri="{FF2B5EF4-FFF2-40B4-BE49-F238E27FC236}">
+                <a16:creationId xmlns:a16="http://schemas.microsoft.com/office/drawing/2014/main" id="{D76C7ADB-0404-4671-BF26-DBB0F0BBFC90}"/>
+              </a:ext>
+            </a:extLst>
+          </p:cNvPr>
+          <p:cNvPicPr>
+            <a:picLocks noChangeAspect="1"/>
+          </p:cNvPicPr>
+          <p:nvPr/>
+        </p:nvPicPr>
+        <p:blipFill>
+          <a:blip r:embed="rId6"/>
+          <a:stretch>
+            <a:fillRect/>
+          </a:stretch>
+        </p:blipFill>
+        <p:spPr>
+          <a:xfrm>
+            <a:off x="1675" y="4111716"/>
+            <a:ext cx="3371222" cy="2746020"/>
+          </a:xfrm>
+          <a:prstGeom prst="rect">
+            <a:avLst/>
+          </a:prstGeom>
+        </p:spPr>
+      </p:pic>
+      <p:pic>
+        <p:nvPicPr>
+          <p:cNvPr id="11" name="Image 6" descr="Une image contenant texte&#10;&#10;Description générée automatiquement">
+            <a:extLst>
+              <a:ext uri="{FF2B5EF4-FFF2-40B4-BE49-F238E27FC236}">
+                <a16:creationId xmlns:a16="http://schemas.microsoft.com/office/drawing/2014/main" id="{55345BC2-269F-415B-AFA3-58E85DC1AC92}"/>
+              </a:ext>
+            </a:extLst>
+          </p:cNvPr>
+          <p:cNvPicPr>
+            <a:picLocks noChangeAspect="1"/>
+          </p:cNvPicPr>
+          <p:nvPr/>
+        </p:nvPicPr>
+        <p:blipFill>
+          <a:blip r:embed="rId7"/>
+          <a:stretch>
+            <a:fillRect/>
+          </a:stretch>
+        </p:blipFill>
+        <p:spPr>
+          <a:xfrm>
+            <a:off x="61024" y="2094086"/>
+            <a:ext cx="1854130" cy="492684"/>
+          </a:xfrm>
+          <a:prstGeom prst="rect">
+            <a:avLst/>
+          </a:prstGeom>
+        </p:spPr>
+      </p:pic>
+      <p:pic>
+        <p:nvPicPr>
+          <p:cNvPr id="13" name="Image 7">
+            <a:extLst>
+              <a:ext uri="{FF2B5EF4-FFF2-40B4-BE49-F238E27FC236}">
+                <a16:creationId xmlns:a16="http://schemas.microsoft.com/office/drawing/2014/main" id="{32E2BA2B-C46F-4853-9942-6143A92ED5C5}"/>
+              </a:ext>
+            </a:extLst>
+          </p:cNvPr>
+          <p:cNvPicPr>
+            <a:picLocks noChangeAspect="1"/>
+          </p:cNvPicPr>
+          <p:nvPr/>
+        </p:nvPicPr>
+        <p:blipFill>
+          <a:blip r:embed="rId8"/>
+          <a:stretch>
+            <a:fillRect/>
+          </a:stretch>
+        </p:blipFill>
+        <p:spPr>
+          <a:xfrm>
+            <a:off x="2404905" y="1528887"/>
+            <a:ext cx="3136760" cy="2594424"/>
+          </a:xfrm>
+          <a:prstGeom prst="rect">
+            <a:avLst/>
+          </a:prstGeom>
+        </p:spPr>
+      </p:pic>
+      <p:cxnSp>
+        <p:nvCxnSpPr>
+          <p:cNvPr id="15" name="Connecteur droit avec flèche 14">
+            <a:extLst>
+              <a:ext uri="{FF2B5EF4-FFF2-40B4-BE49-F238E27FC236}">
+                <a16:creationId xmlns:a16="http://schemas.microsoft.com/office/drawing/2014/main" id="{11835313-AA0B-4859-B507-0384C9F48CC2}"/>
+              </a:ext>
+            </a:extLst>
+          </p:cNvPr>
+          <p:cNvCxnSpPr/>
+          <p:nvPr/>
+        </p:nvCxnSpPr>
+        <p:spPr>
+          <a:xfrm>
+            <a:off x="6074228" y="1037493"/>
+            <a:ext cx="0" cy="5484723"/>
+          </a:xfrm>
+          <a:prstGeom prst="straightConnector1">
+            <a:avLst/>
+          </a:prstGeom>
+        </p:spPr>
+        <p:style>
+          <a:lnRef idx="1">
+            <a:schemeClr val="accent1"/>
+          </a:lnRef>
+          <a:fillRef idx="0">
+            <a:schemeClr val="accent1"/>
+          </a:fillRef>
+          <a:effectRef idx="0">
+            <a:schemeClr val="accent1"/>
+          </a:effectRef>
+          <a:fontRef idx="minor">
+            <a:schemeClr val="tx1"/>
+          </a:fontRef>
+        </p:style>
+      </p:cxnSp>
+      <p:sp>
+        <p:nvSpPr>
+          <p:cNvPr id="16" name="ZoneTexte 15">
+            <a:extLst>
+              <a:ext uri="{FF2B5EF4-FFF2-40B4-BE49-F238E27FC236}">
+                <a16:creationId xmlns:a16="http://schemas.microsoft.com/office/drawing/2014/main" id="{B98A6043-C036-461A-BC7F-7482AE5846BC}"/>
+              </a:ext>
+            </a:extLst>
+          </p:cNvPr>
+          <p:cNvSpPr txBox="1"/>
+          <p:nvPr/>
+        </p:nvSpPr>
+        <p:spPr>
+          <a:xfrm>
+            <a:off x="1316334" y="922774"/>
+            <a:ext cx="3279111" cy="369332"/>
+          </a:xfrm>
+          <a:prstGeom prst="rect">
+            <a:avLst/>
+          </a:prstGeom>
+          <a:noFill/>
+        </p:spPr>
+        <p:txBody>
+          <a:bodyPr rot="0" spcFirstLastPara="0" vertOverflow="overflow" horzOverflow="overflow" vert="horz" wrap="square" lIns="91440" tIns="45720" rIns="91440" bIns="45720" numCol="1" spcCol="0" rtlCol="0" fromWordArt="0" anchor="t" anchorCtr="0" forceAA="0" compatLnSpc="1">
+            <a:prstTxWarp prst="textNoShape">
+              <a:avLst/>
+            </a:prstTxWarp>
+            <a:spAutoFit/>
+          </a:bodyPr>
+          <a:lstStyle/>
+          <a:p>
+            <a:r>
+              <a:rPr lang="fr-FR" b="1" dirty="0">
+                <a:solidFill>
+                  <a:srgbClr val="FF0000"/>
+                </a:solidFill>
+              </a:rPr>
+              <a:t>1 couche cachée de 8 </a:t>
+            </a:r>
+            <a:r>
+              <a:rPr lang="fr-FR" b="1" dirty="0" err="1">
+                <a:solidFill>
+                  <a:srgbClr val="FF0000"/>
+                </a:solidFill>
+              </a:rPr>
+              <a:t>neuronnes</a:t>
+            </a:r>
+            <a:endParaRPr lang="fr-FR" b="1" dirty="0">
+              <a:solidFill>
+                <a:srgbClr val="FF0000"/>
+              </a:solidFill>
+              <a:cs typeface="Calibri"/>
+            </a:endParaRPr>
+          </a:p>
+        </p:txBody>
+      </p:sp>
+      <p:sp>
+        <p:nvSpPr>
+          <p:cNvPr id="17" name="ZoneTexte 16">
+            <a:extLst>
+              <a:ext uri="{FF2B5EF4-FFF2-40B4-BE49-F238E27FC236}">
+                <a16:creationId xmlns:a16="http://schemas.microsoft.com/office/drawing/2014/main" id="{E139E2DC-DAC4-4087-89C0-E92D7BD702B8}"/>
+              </a:ext>
+            </a:extLst>
+          </p:cNvPr>
+          <p:cNvSpPr txBox="1"/>
+          <p:nvPr/>
+        </p:nvSpPr>
+        <p:spPr>
+          <a:xfrm>
+            <a:off x="7613302" y="922774"/>
+            <a:ext cx="3270738" cy="369332"/>
+          </a:xfrm>
+          <a:prstGeom prst="rect">
+            <a:avLst/>
+          </a:prstGeom>
+          <a:noFill/>
+        </p:spPr>
+        <p:txBody>
+          <a:bodyPr rot="0" spcFirstLastPara="0" vertOverflow="overflow" horzOverflow="overflow" vert="horz" wrap="square" lIns="91440" tIns="45720" rIns="91440" bIns="45720" numCol="1" spcCol="0" rtlCol="0" fromWordArt="0" anchor="t" anchorCtr="0" forceAA="0" compatLnSpc="1">
+            <a:prstTxWarp prst="textNoShape">
+              <a:avLst/>
+            </a:prstTxWarp>
+            <a:spAutoFit/>
+          </a:bodyPr>
+          <a:lstStyle/>
+          <a:p>
+            <a:pPr algn="ctr"/>
+            <a:r>
+              <a:rPr lang="en-US" b="1" dirty="0">
+                <a:solidFill>
+                  <a:srgbClr val="FF0000"/>
+                </a:solidFill>
+                <a:ea typeface="+mn-lt"/>
+                <a:cs typeface="+mn-lt"/>
+              </a:rPr>
+              <a:t>1 </a:t>
+            </a:r>
+            <a:r>
+              <a:rPr lang="en-US" b="1" dirty="0" err="1">
+                <a:solidFill>
+                  <a:srgbClr val="FF0000"/>
+                </a:solidFill>
+                <a:ea typeface="+mn-lt"/>
+                <a:cs typeface="+mn-lt"/>
+              </a:rPr>
+              <a:t>couche</a:t>
+            </a:r>
+            <a:r>
+              <a:rPr lang="en-US" b="1" dirty="0">
+                <a:solidFill>
+                  <a:srgbClr val="FF0000"/>
+                </a:solidFill>
+                <a:ea typeface="+mn-lt"/>
+                <a:cs typeface="+mn-lt"/>
+              </a:rPr>
+              <a:t> </a:t>
+            </a:r>
+            <a:r>
+              <a:rPr lang="en-US" b="1" dirty="0" err="1">
+                <a:solidFill>
+                  <a:srgbClr val="FF0000"/>
+                </a:solidFill>
+                <a:ea typeface="+mn-lt"/>
+                <a:cs typeface="+mn-lt"/>
+              </a:rPr>
+              <a:t>cachée</a:t>
+            </a:r>
+            <a:r>
+              <a:rPr lang="en-US" b="1" dirty="0">
+                <a:solidFill>
+                  <a:srgbClr val="FF0000"/>
+                </a:solidFill>
+                <a:ea typeface="+mn-lt"/>
+                <a:cs typeface="+mn-lt"/>
+              </a:rPr>
+              <a:t> de 32 </a:t>
+            </a:r>
+            <a:r>
+              <a:rPr lang="en-US" b="1" dirty="0" err="1">
+                <a:solidFill>
+                  <a:srgbClr val="FF0000"/>
+                </a:solidFill>
+                <a:ea typeface="+mn-lt"/>
+                <a:cs typeface="+mn-lt"/>
+              </a:rPr>
+              <a:t>neurones</a:t>
+            </a:r>
+            <a:endParaRPr lang="fr-FR" b="1">
+              <a:solidFill>
+                <a:srgbClr val="FF0000"/>
+              </a:solidFill>
+              <a:ea typeface="+mn-lt"/>
+              <a:cs typeface="+mn-lt"/>
+            </a:endParaRPr>
+          </a:p>
+        </p:txBody>
+      </p:sp>
+    </p:spTree>
+    <p:extLst>
+      <p:ext uri="{BB962C8B-B14F-4D97-AF65-F5344CB8AC3E}">
+        <p14:creationId xmlns:p14="http://schemas.microsoft.com/office/powerpoint/2010/main" val="775714205"/>
+      </p:ext>
+    </p:extLst>
+  </p:cSld>
+  <p:clrMapOvr>
+    <a:masterClrMapping/>
+  </p:clrMapOvr>
+  <mc:AlternateContent xmlns:mc="http://schemas.openxmlformats.org/markup-compatibility/2006" xmlns:p14="http://schemas.microsoft.com/office/powerpoint/2010/main">
+    <mc:Choice Requires="p14">
+      <p:transition spd="med" p14:dur="700">
+        <p:fade/>
+      </p:transition>
+    </mc:Choice>
+    <mc:Fallback xmlns="">
+      <p:transition spd="med">
+        <p:fade/>
+      </p:transition>
+    </mc:Fallback>
+  </mc:AlternateContent>
+</p:sld>
+</file>
+
+<file path=ppt/slides/slide12.xml><?xml version="1.0" encoding="utf-8"?>
+<p:sld xmlns:a="http://schemas.openxmlformats.org/drawingml/2006/main" xmlns:r="http://schemas.openxmlformats.org/officeDocument/2006/relationships" xmlns:p="http://schemas.openxmlformats.org/presentationml/2006/main">
+  <p:cSld>
+    <p:spTree>
+      <p:nvGrpSpPr>
+        <p:cNvPr id="1" name=""/>
+        <p:cNvGrpSpPr/>
+        <p:nvPr/>
+      </p:nvGrpSpPr>
+      <p:grpSpPr>
+        <a:xfrm>
+          <a:off x="0" y="0"/>
+          <a:ext cx="0" cy="0"/>
+          <a:chOff x="0" y="0"/>
+          <a:chExt cx="0" cy="0"/>
+        </a:xfrm>
+      </p:grpSpPr>
+      <p:sp>
+        <p:nvSpPr>
+          <p:cNvPr id="4" name="Espace réservé du pied de page 3">
+            <a:extLst>
+              <a:ext uri="{FF2B5EF4-FFF2-40B4-BE49-F238E27FC236}">
+                <a16:creationId xmlns:a16="http://schemas.microsoft.com/office/drawing/2014/main" id="{6D538421-A7CB-4766-91AD-92A2F1EBF6C1}"/>
+              </a:ext>
+            </a:extLst>
+          </p:cNvPr>
+          <p:cNvSpPr>
+            <a:spLocks noGrp="1"/>
+          </p:cNvSpPr>
+          <p:nvPr>
+            <p:ph type="ftr" sz="quarter" idx="11"/>
+          </p:nvPr>
+        </p:nvSpPr>
+        <p:spPr>
+          <a:xfrm>
+            <a:off x="4038600" y="6557317"/>
+            <a:ext cx="4114800" cy="365125"/>
+          </a:xfrm>
+        </p:spPr>
+        <p:txBody>
+          <a:bodyPr/>
+          <a:lstStyle/>
+          <a:p>
+            <a:r>
+              <a:rPr lang="en-US" err="1"/>
+              <a:t>Maathess</a:t>
+            </a:r>
+            <a:r>
+              <a:rPr lang="en-US"/>
+              <a:t> Kothandapani</a:t>
+            </a:r>
+            <a:endParaRPr lang="en-US">
+              <a:cs typeface="Calibri"/>
+            </a:endParaRPr>
+          </a:p>
+        </p:txBody>
+      </p:sp>
+      <p:pic>
+        <p:nvPicPr>
+          <p:cNvPr id="2" name="Image 5" descr="Une image contenant texte, extérieur, signe&#10;&#10;Description générée automatiquement">
+            <a:extLst>
+              <a:ext uri="{FF2B5EF4-FFF2-40B4-BE49-F238E27FC236}">
+                <a16:creationId xmlns:a16="http://schemas.microsoft.com/office/drawing/2014/main" id="{A75D09CD-3A7F-43A3-8A32-663DF74C425C}"/>
+              </a:ext>
+            </a:extLst>
+          </p:cNvPr>
+          <p:cNvPicPr>
+            <a:picLocks noChangeAspect="1"/>
+          </p:cNvPicPr>
+          <p:nvPr/>
+        </p:nvPicPr>
+        <p:blipFill>
+          <a:blip r:embed="rId2"/>
+          <a:stretch>
+            <a:fillRect/>
+          </a:stretch>
+        </p:blipFill>
+        <p:spPr>
+          <a:xfrm>
+            <a:off x="10839989" y="10064"/>
+            <a:ext cx="1352550" cy="914400"/>
+          </a:xfrm>
+          <a:prstGeom prst="rect">
+            <a:avLst/>
+          </a:prstGeom>
+        </p:spPr>
+      </p:pic>
+      <p:sp>
+        <p:nvSpPr>
+          <p:cNvPr id="3" name="ZoneTexte 2">
+            <a:extLst>
+              <a:ext uri="{FF2B5EF4-FFF2-40B4-BE49-F238E27FC236}">
+                <a16:creationId xmlns:a16="http://schemas.microsoft.com/office/drawing/2014/main" id="{8626095D-1496-497C-88ED-BC4643B0C598}"/>
+              </a:ext>
+            </a:extLst>
+          </p:cNvPr>
+          <p:cNvSpPr txBox="1"/>
+          <p:nvPr/>
+        </p:nvSpPr>
+        <p:spPr>
+          <a:xfrm>
+            <a:off x="20251" y="-924"/>
+            <a:ext cx="12176234" cy="461665"/>
+          </a:xfrm>
+          <a:prstGeom prst="rect">
+            <a:avLst/>
+          </a:prstGeom>
+          <a:noFill/>
+        </p:spPr>
+        <p:txBody>
+          <a:bodyPr rot="0" spcFirstLastPara="0" vertOverflow="overflow" horzOverflow="overflow" vert="horz" wrap="square" lIns="91440" tIns="45720" rIns="91440" bIns="45720" numCol="1" spcCol="0" rtlCol="0" fromWordArt="0" anchor="t" anchorCtr="0" forceAA="0" compatLnSpc="1">
+            <a:prstTxWarp prst="textNoShape">
+              <a:avLst/>
+            </a:prstTxWarp>
+            <a:spAutoFit/>
+          </a:bodyPr>
+          <a:lstStyle/>
+          <a:p>
+            <a:pPr algn="ctr"/>
+            <a:r>
+              <a:rPr lang="en-US" sz="2400"/>
+              <a:t>PMC avec 2 couches </a:t>
+            </a:r>
+            <a:r>
+              <a:rPr lang="en-US" sz="2400" err="1"/>
+              <a:t>cachées</a:t>
+            </a:r>
+            <a:r>
+              <a:rPr lang="en-US" sz="2400"/>
+              <a:t> de 32 </a:t>
+            </a:r>
+            <a:r>
+              <a:rPr lang="en-US" sz="2400" err="1"/>
+              <a:t>neurones</a:t>
+            </a:r>
+            <a:endParaRPr lang="fr-FR" err="1"/>
+          </a:p>
+        </p:txBody>
+      </p:sp>
+      <p:pic>
+        <p:nvPicPr>
+          <p:cNvPr id="5" name="Image 5">
+            <a:extLst>
+              <a:ext uri="{FF2B5EF4-FFF2-40B4-BE49-F238E27FC236}">
+                <a16:creationId xmlns:a16="http://schemas.microsoft.com/office/drawing/2014/main" id="{4BED1BAF-5E5A-42BA-9651-7FDFD06D6645}"/>
+              </a:ext>
+            </a:extLst>
+          </p:cNvPr>
+          <p:cNvPicPr>
+            <a:picLocks noChangeAspect="1"/>
+          </p:cNvPicPr>
+          <p:nvPr/>
+        </p:nvPicPr>
+        <p:blipFill>
+          <a:blip r:embed="rId3"/>
+          <a:stretch>
+            <a:fillRect/>
+          </a:stretch>
+        </p:blipFill>
+        <p:spPr>
+          <a:xfrm>
+            <a:off x="4880150" y="4183158"/>
+            <a:ext cx="3346100" cy="2673100"/>
+          </a:xfrm>
+          <a:prstGeom prst="rect">
+            <a:avLst/>
+          </a:prstGeom>
+        </p:spPr>
+      </p:pic>
+      <p:pic>
+        <p:nvPicPr>
+          <p:cNvPr id="6" name="Image 6" descr="Une image contenant texte&#10;&#10;Description générée automatiquement">
+            <a:extLst>
+              <a:ext uri="{FF2B5EF4-FFF2-40B4-BE49-F238E27FC236}">
+                <a16:creationId xmlns:a16="http://schemas.microsoft.com/office/drawing/2014/main" id="{D95F619F-DA37-457D-8EF0-62373B872E61}"/>
+              </a:ext>
+            </a:extLst>
+          </p:cNvPr>
+          <p:cNvPicPr>
+            <a:picLocks noChangeAspect="1"/>
+          </p:cNvPicPr>
+          <p:nvPr/>
+        </p:nvPicPr>
+        <p:blipFill>
+          <a:blip r:embed="rId4"/>
+          <a:stretch>
+            <a:fillRect/>
+          </a:stretch>
+        </p:blipFill>
+        <p:spPr>
+          <a:xfrm>
+            <a:off x="6196430" y="1309424"/>
+            <a:ext cx="1256149" cy="353787"/>
+          </a:xfrm>
+          <a:prstGeom prst="rect">
+            <a:avLst/>
+          </a:prstGeom>
+        </p:spPr>
+      </p:pic>
+      <p:pic>
+        <p:nvPicPr>
+          <p:cNvPr id="7" name="Image 7">
+            <a:extLst>
+              <a:ext uri="{FF2B5EF4-FFF2-40B4-BE49-F238E27FC236}">
+                <a16:creationId xmlns:a16="http://schemas.microsoft.com/office/drawing/2014/main" id="{0F4C727A-BD47-4A03-826A-FE85BCA13C50}"/>
+              </a:ext>
+            </a:extLst>
+          </p:cNvPr>
+          <p:cNvPicPr>
+            <a:picLocks noChangeAspect="1"/>
+          </p:cNvPicPr>
+          <p:nvPr/>
+        </p:nvPicPr>
+        <p:blipFill>
+          <a:blip r:embed="rId5"/>
+          <a:stretch>
+            <a:fillRect/>
+          </a:stretch>
+        </p:blipFill>
+        <p:spPr>
+          <a:xfrm>
+            <a:off x="5320976" y="1718159"/>
+            <a:ext cx="2952540" cy="2440722"/>
+          </a:xfrm>
+          <a:prstGeom prst="rect">
+            <a:avLst/>
+          </a:prstGeom>
+        </p:spPr>
+      </p:pic>
+      <p:cxnSp>
+        <p:nvCxnSpPr>
+          <p:cNvPr id="9" name="Connecteur droit avec flèche 8">
+            <a:extLst>
+              <a:ext uri="{FF2B5EF4-FFF2-40B4-BE49-F238E27FC236}">
+                <a16:creationId xmlns:a16="http://schemas.microsoft.com/office/drawing/2014/main" id="{769D184F-A0E7-4FB3-AD6D-B4DC548CA1CF}"/>
+              </a:ext>
+            </a:extLst>
+          </p:cNvPr>
+          <p:cNvCxnSpPr/>
+          <p:nvPr/>
+        </p:nvCxnSpPr>
+        <p:spPr>
+          <a:xfrm>
+            <a:off x="4206909" y="1020745"/>
+            <a:ext cx="0" cy="5484723"/>
+          </a:xfrm>
+          <a:prstGeom prst="straightConnector1">
+            <a:avLst/>
+          </a:prstGeom>
+        </p:spPr>
+        <p:style>
+          <a:lnRef idx="1">
+            <a:schemeClr val="accent1"/>
+          </a:lnRef>
+          <a:fillRef idx="0">
+            <a:schemeClr val="accent1"/>
+          </a:fillRef>
+          <a:effectRef idx="0">
+            <a:schemeClr val="accent1"/>
+          </a:effectRef>
+          <a:fontRef idx="minor">
+            <a:schemeClr val="tx1"/>
+          </a:fontRef>
+        </p:style>
+      </p:cxnSp>
+      <p:pic>
+        <p:nvPicPr>
+          <p:cNvPr id="11" name="Image 5">
+            <a:extLst>
+              <a:ext uri="{FF2B5EF4-FFF2-40B4-BE49-F238E27FC236}">
+                <a16:creationId xmlns:a16="http://schemas.microsoft.com/office/drawing/2014/main" id="{7C1C871E-C700-4D16-A242-12682D6B7782}"/>
+              </a:ext>
+            </a:extLst>
+          </p:cNvPr>
+          <p:cNvPicPr>
+            <a:picLocks noChangeAspect="1"/>
+          </p:cNvPicPr>
+          <p:nvPr/>
+        </p:nvPicPr>
+        <p:blipFill>
+          <a:blip r:embed="rId6"/>
+          <a:stretch>
+            <a:fillRect/>
+          </a:stretch>
+        </p:blipFill>
+        <p:spPr>
+          <a:xfrm>
+            <a:off x="26795" y="4183744"/>
+            <a:ext cx="3362848" cy="2677324"/>
+          </a:xfrm>
+          <a:prstGeom prst="rect">
+            <a:avLst/>
+          </a:prstGeom>
+        </p:spPr>
+      </p:pic>
+      <p:pic>
+        <p:nvPicPr>
+          <p:cNvPr id="13" name="Image 6" descr="Une image contenant texte&#10;&#10;Description générée automatiquement">
+            <a:extLst>
+              <a:ext uri="{FF2B5EF4-FFF2-40B4-BE49-F238E27FC236}">
+                <a16:creationId xmlns:a16="http://schemas.microsoft.com/office/drawing/2014/main" id="{30FAB730-239A-42EE-9ACC-E741AAD5742F}"/>
+              </a:ext>
+            </a:extLst>
+          </p:cNvPr>
+          <p:cNvPicPr>
+            <a:picLocks noChangeAspect="1"/>
+          </p:cNvPicPr>
+          <p:nvPr/>
+        </p:nvPicPr>
+        <p:blipFill>
+          <a:blip r:embed="rId7"/>
+          <a:stretch>
+            <a:fillRect/>
+          </a:stretch>
+        </p:blipFill>
+        <p:spPr>
+          <a:xfrm>
+            <a:off x="1318061" y="1222079"/>
+            <a:ext cx="1332978" cy="386129"/>
+          </a:xfrm>
+          <a:prstGeom prst="rect">
+            <a:avLst/>
+          </a:prstGeom>
+        </p:spPr>
+      </p:pic>
+      <p:pic>
+        <p:nvPicPr>
+          <p:cNvPr id="15" name="Image 7">
+            <a:extLst>
+              <a:ext uri="{FF2B5EF4-FFF2-40B4-BE49-F238E27FC236}">
+                <a16:creationId xmlns:a16="http://schemas.microsoft.com/office/drawing/2014/main" id="{14A6C30E-CA59-447E-AEC6-DE8F852F23B3}"/>
+              </a:ext>
+            </a:extLst>
+          </p:cNvPr>
+          <p:cNvPicPr>
+            <a:picLocks noChangeAspect="1"/>
+          </p:cNvPicPr>
+          <p:nvPr/>
+        </p:nvPicPr>
+        <p:blipFill>
+          <a:blip r:embed="rId8"/>
+          <a:stretch>
+            <a:fillRect/>
+          </a:stretch>
+        </p:blipFill>
+        <p:spPr>
+          <a:xfrm>
+            <a:off x="177520" y="1568729"/>
+            <a:ext cx="3069772" cy="2581730"/>
+          </a:xfrm>
+          <a:prstGeom prst="rect">
+            <a:avLst/>
+          </a:prstGeom>
+        </p:spPr>
+      </p:pic>
+      <p:cxnSp>
+        <p:nvCxnSpPr>
+          <p:cNvPr id="16" name="Connecteur droit avec flèche 15">
+            <a:extLst>
+              <a:ext uri="{FF2B5EF4-FFF2-40B4-BE49-F238E27FC236}">
+                <a16:creationId xmlns:a16="http://schemas.microsoft.com/office/drawing/2014/main" id="{DF478E14-DE76-4608-80E2-8D5BD163A80C}"/>
+              </a:ext>
+            </a:extLst>
+          </p:cNvPr>
+          <p:cNvCxnSpPr>
+            <a:cxnSpLocks/>
+          </p:cNvCxnSpPr>
+          <p:nvPr/>
+        </p:nvCxnSpPr>
+        <p:spPr>
+          <a:xfrm flipH="1">
+            <a:off x="8603062" y="1221711"/>
+            <a:ext cx="8374" cy="5158152"/>
+          </a:xfrm>
+          <a:prstGeom prst="straightConnector1">
+            <a:avLst/>
+          </a:prstGeom>
+        </p:spPr>
+        <p:style>
+          <a:lnRef idx="1">
+            <a:schemeClr val="accent1"/>
+          </a:lnRef>
+          <a:fillRef idx="0">
+            <a:schemeClr val="accent1"/>
+          </a:fillRef>
+          <a:effectRef idx="0">
+            <a:schemeClr val="accent1"/>
+          </a:effectRef>
+          <a:fontRef idx="minor">
+            <a:schemeClr val="tx1"/>
+          </a:fontRef>
+        </p:style>
+      </p:cxnSp>
+      <p:pic>
+        <p:nvPicPr>
+          <p:cNvPr id="17" name="Image 17">
+            <a:extLst>
+              <a:ext uri="{FF2B5EF4-FFF2-40B4-BE49-F238E27FC236}">
+                <a16:creationId xmlns:a16="http://schemas.microsoft.com/office/drawing/2014/main" id="{86F9B29C-9BB4-4AE2-B4A9-0DAAB9D269B9}"/>
+              </a:ext>
+            </a:extLst>
+          </p:cNvPr>
+          <p:cNvPicPr>
+            <a:picLocks noChangeAspect="1"/>
+          </p:cNvPicPr>
+          <p:nvPr/>
+        </p:nvPicPr>
+        <p:blipFill>
+          <a:blip r:embed="rId9"/>
+          <a:stretch>
+            <a:fillRect/>
+          </a:stretch>
+        </p:blipFill>
+        <p:spPr>
+          <a:xfrm>
+            <a:off x="8852598" y="4231242"/>
+            <a:ext cx="3337727" cy="2506965"/>
+          </a:xfrm>
+          <a:prstGeom prst="rect">
+            <a:avLst/>
+          </a:prstGeom>
+        </p:spPr>
+      </p:pic>
+      <p:pic>
+        <p:nvPicPr>
+          <p:cNvPr id="18" name="Image 18" descr="Une image contenant texte&#10;&#10;Description générée automatiquement">
+            <a:extLst>
+              <a:ext uri="{FF2B5EF4-FFF2-40B4-BE49-F238E27FC236}">
+                <a16:creationId xmlns:a16="http://schemas.microsoft.com/office/drawing/2014/main" id="{FEF8332D-4999-4849-A5BF-3624B33F3B08}"/>
+              </a:ext>
+            </a:extLst>
+          </p:cNvPr>
+          <p:cNvPicPr>
+            <a:picLocks noChangeAspect="1"/>
+          </p:cNvPicPr>
+          <p:nvPr/>
+        </p:nvPicPr>
+        <p:blipFill>
+          <a:blip r:embed="rId10"/>
+          <a:stretch>
+            <a:fillRect/>
+          </a:stretch>
+        </p:blipFill>
+        <p:spPr>
+          <a:xfrm>
+            <a:off x="10184736" y="1282997"/>
+            <a:ext cx="1410329" cy="356403"/>
+          </a:xfrm>
+          <a:prstGeom prst="rect">
+            <a:avLst/>
+          </a:prstGeom>
+        </p:spPr>
+      </p:pic>
+      <p:pic>
+        <p:nvPicPr>
+          <p:cNvPr id="19" name="Image 19">
+            <a:extLst>
+              <a:ext uri="{FF2B5EF4-FFF2-40B4-BE49-F238E27FC236}">
+                <a16:creationId xmlns:a16="http://schemas.microsoft.com/office/drawing/2014/main" id="{73AAFFCD-C155-4443-BA2E-568E1AF9CB27}"/>
+              </a:ext>
+            </a:extLst>
+          </p:cNvPr>
+          <p:cNvPicPr>
+            <a:picLocks noChangeAspect="1"/>
+          </p:cNvPicPr>
+          <p:nvPr/>
+        </p:nvPicPr>
+        <p:blipFill>
+          <a:blip r:embed="rId11"/>
+          <a:stretch>
+            <a:fillRect/>
+          </a:stretch>
+        </p:blipFill>
+        <p:spPr>
+          <a:xfrm>
+            <a:off x="9229412" y="1742206"/>
+            <a:ext cx="2860430" cy="2393875"/>
+          </a:xfrm>
+          <a:prstGeom prst="rect">
+            <a:avLst/>
+          </a:prstGeom>
+        </p:spPr>
+      </p:pic>
+      <p:sp>
+        <p:nvSpPr>
+          <p:cNvPr id="21" name="ZoneTexte 20">
+            <a:extLst>
+              <a:ext uri="{FF2B5EF4-FFF2-40B4-BE49-F238E27FC236}">
+                <a16:creationId xmlns:a16="http://schemas.microsoft.com/office/drawing/2014/main" id="{748C6C80-1476-4768-A093-953DB4CFB634}"/>
+              </a:ext>
+            </a:extLst>
+          </p:cNvPr>
+          <p:cNvSpPr txBox="1"/>
+          <p:nvPr/>
+        </p:nvSpPr>
+        <p:spPr>
+          <a:xfrm>
+            <a:off x="6801583" y="739078"/>
+            <a:ext cx="3521947" cy="369332"/>
+          </a:xfrm>
+          <a:prstGeom prst="rect">
+            <a:avLst/>
+          </a:prstGeom>
+          <a:noFill/>
+        </p:spPr>
+        <p:txBody>
+          <a:bodyPr rot="0" spcFirstLastPara="0" vertOverflow="overflow" horzOverflow="overflow" vert="horz" wrap="square" lIns="91440" tIns="45720" rIns="91440" bIns="45720" numCol="1" spcCol="0" rtlCol="0" fromWordArt="0" anchor="t" anchorCtr="0" forceAA="0" compatLnSpc="1">
+            <a:prstTxWarp prst="textNoShape">
+              <a:avLst/>
+            </a:prstTxWarp>
+            <a:spAutoFit/>
+          </a:bodyPr>
+          <a:lstStyle/>
+          <a:p>
+            <a:r>
+              <a:rPr lang="en-US" b="1" dirty="0">
+                <a:solidFill>
+                  <a:srgbClr val="FF0000"/>
+                </a:solidFill>
+                <a:latin typeface="Calibri"/>
+              </a:rPr>
+              <a:t>2 </a:t>
+            </a:r>
+            <a:r>
+              <a:rPr lang="en-US" b="1" dirty="0">
+                <a:solidFill>
+                  <a:srgbClr val="FF0000"/>
+                </a:solidFill>
+                <a:ea typeface="+mn-lt"/>
+                <a:cs typeface="+mn-lt"/>
+              </a:rPr>
+              <a:t>couches</a:t>
+            </a:r>
+            <a:r>
+              <a:rPr lang="en-US" b="1" dirty="0">
+                <a:solidFill>
+                  <a:srgbClr val="FF0000"/>
+                </a:solidFill>
+                <a:latin typeface="Calibri"/>
+              </a:rPr>
+              <a:t> </a:t>
+            </a:r>
+            <a:r>
+              <a:rPr lang="en-US" b="1" dirty="0" err="1">
+                <a:solidFill>
+                  <a:srgbClr val="FF0000"/>
+                </a:solidFill>
+                <a:latin typeface="Calibri"/>
+              </a:rPr>
+              <a:t>cachées</a:t>
+            </a:r>
+            <a:r>
+              <a:rPr lang="en-US" b="1" dirty="0">
+                <a:solidFill>
+                  <a:srgbClr val="FF0000"/>
+                </a:solidFill>
+                <a:latin typeface="Calibri"/>
+              </a:rPr>
+              <a:t> de 32 </a:t>
+            </a:r>
+            <a:r>
+              <a:rPr lang="en-US" b="1" dirty="0" err="1">
+                <a:solidFill>
+                  <a:srgbClr val="FF0000"/>
+                </a:solidFill>
+                <a:latin typeface="Calibri"/>
+              </a:rPr>
+              <a:t>neurones</a:t>
+            </a:r>
+            <a:r>
+              <a:rPr lang="en-US" b="1" dirty="0">
+                <a:solidFill>
+                  <a:srgbClr val="FF0000"/>
+                </a:solidFill>
+                <a:latin typeface="Calibri"/>
+                <a:ea typeface="Calibri"/>
+                <a:cs typeface="Calibri"/>
+              </a:rPr>
+              <a:t>​</a:t>
+            </a:r>
+            <a:endParaRPr lang="fr-FR" b="1">
+              <a:solidFill>
+                <a:srgbClr val="FF0000"/>
+              </a:solidFill>
+              <a:cs typeface="Calibri"/>
+            </a:endParaRPr>
+          </a:p>
+        </p:txBody>
+      </p:sp>
+      <p:sp>
+        <p:nvSpPr>
+          <p:cNvPr id="22" name="ZoneTexte 21">
+            <a:extLst>
+              <a:ext uri="{FF2B5EF4-FFF2-40B4-BE49-F238E27FC236}">
+                <a16:creationId xmlns:a16="http://schemas.microsoft.com/office/drawing/2014/main" id="{C7689E75-85CA-49C0-BCE2-430418A1EF08}"/>
+              </a:ext>
+            </a:extLst>
+          </p:cNvPr>
+          <p:cNvSpPr txBox="1"/>
+          <p:nvPr/>
+        </p:nvSpPr>
+        <p:spPr>
+          <a:xfrm>
+            <a:off x="328769" y="739077"/>
+            <a:ext cx="3521947" cy="369332"/>
+          </a:xfrm>
+          <a:prstGeom prst="rect">
+            <a:avLst/>
+          </a:prstGeom>
+          <a:noFill/>
+        </p:spPr>
+        <p:txBody>
+          <a:bodyPr rot="0" spcFirstLastPara="0" vertOverflow="overflow" horzOverflow="overflow" vert="horz" wrap="square" lIns="91440" tIns="45720" rIns="91440" bIns="45720" numCol="1" spcCol="0" rtlCol="0" fromWordArt="0" anchor="t" anchorCtr="0" forceAA="0" compatLnSpc="1">
+            <a:prstTxWarp prst="textNoShape">
+              <a:avLst/>
+            </a:prstTxWarp>
+            <a:spAutoFit/>
+          </a:bodyPr>
+          <a:lstStyle/>
+          <a:p>
+            <a:r>
+              <a:rPr lang="en-US" b="1" dirty="0">
+                <a:solidFill>
+                  <a:srgbClr val="FF0000"/>
+                </a:solidFill>
+                <a:ea typeface="+mn-lt"/>
+                <a:cs typeface="+mn-lt"/>
+              </a:rPr>
+              <a:t>1 couches</a:t>
+            </a:r>
+            <a:r>
+              <a:rPr lang="en-US" b="1" dirty="0">
+                <a:solidFill>
+                  <a:srgbClr val="FF0000"/>
+                </a:solidFill>
+                <a:latin typeface="Calibri"/>
+              </a:rPr>
+              <a:t> </a:t>
+            </a:r>
+            <a:r>
+              <a:rPr lang="en-US" b="1" dirty="0" err="1">
+                <a:solidFill>
+                  <a:srgbClr val="FF0000"/>
+                </a:solidFill>
+                <a:latin typeface="Calibri"/>
+              </a:rPr>
+              <a:t>cachée</a:t>
+            </a:r>
+            <a:r>
+              <a:rPr lang="en-US" b="1" dirty="0">
+                <a:solidFill>
+                  <a:srgbClr val="FF0000"/>
+                </a:solidFill>
+                <a:latin typeface="Calibri"/>
+              </a:rPr>
+              <a:t> de 32 </a:t>
+            </a:r>
+            <a:r>
+              <a:rPr lang="en-US" b="1" dirty="0" err="1">
+                <a:solidFill>
+                  <a:srgbClr val="FF0000"/>
+                </a:solidFill>
+                <a:latin typeface="Calibri"/>
+              </a:rPr>
+              <a:t>neurones</a:t>
+            </a:r>
+            <a:r>
+              <a:rPr lang="en-US" b="1" dirty="0">
+                <a:solidFill>
+                  <a:srgbClr val="FF0000"/>
+                </a:solidFill>
+                <a:latin typeface="Calibri"/>
+                <a:ea typeface="Calibri"/>
+                <a:cs typeface="Calibri"/>
+              </a:rPr>
+              <a:t>​</a:t>
+            </a:r>
+            <a:endParaRPr lang="fr-FR" b="1">
+              <a:solidFill>
+                <a:srgbClr val="FF0000"/>
+              </a:solidFill>
+              <a:cs typeface="Calibri"/>
+            </a:endParaRPr>
+          </a:p>
+        </p:txBody>
+      </p:sp>
+    </p:spTree>
+    <p:extLst>
+      <p:ext uri="{BB962C8B-B14F-4D97-AF65-F5344CB8AC3E}">
+        <p14:creationId xmlns:p14="http://schemas.microsoft.com/office/powerpoint/2010/main" val="547075118"/>
+      </p:ext>
+    </p:extLst>
+  </p:cSld>
+  <p:clrMapOvr>
+    <a:masterClrMapping/>
+  </p:clrMapOvr>
+  <mc:AlternateContent xmlns:mc="http://schemas.openxmlformats.org/markup-compatibility/2006" xmlns:p14="http://schemas.microsoft.com/office/powerpoint/2010/main">
+    <mc:Choice Requires="p14">
+      <p:transition spd="med" p14:dur="700">
+        <p:fade/>
+      </p:transition>
+    </mc:Choice>
+    <mc:Fallback xmlns="">
+      <p:transition spd="med">
+        <p:fade/>
+      </p:transition>
+    </mc:Fallback>
+  </mc:AlternateContent>
+</p:sld>
+</file>
+
+<file path=ppt/slides/slide13.xml><?xml version="1.0" encoding="utf-8"?>
+<p:sld xmlns:a="http://schemas.openxmlformats.org/drawingml/2006/main" xmlns:r="http://schemas.openxmlformats.org/officeDocument/2006/relationships" xmlns:p="http://schemas.openxmlformats.org/presentationml/2006/main">
+  <p:cSld>
+    <p:bg>
+      <p:bgPr>
+        <a:solidFill>
+          <a:schemeClr val="bg1"/>
+        </a:solidFill>
+        <a:effectLst/>
+      </p:bgPr>
+    </p:bg>
+    <p:spTree>
+      <p:nvGrpSpPr>
+        <p:cNvPr id="1" name=""/>
+        <p:cNvGrpSpPr/>
+        <p:nvPr/>
+      </p:nvGrpSpPr>
+      <p:grpSpPr>
+        <a:xfrm>
+          <a:off x="0" y="0"/>
+          <a:ext cx="0" cy="0"/>
+          <a:chOff x="0" y="0"/>
+          <a:chExt cx="0" cy="0"/>
+        </a:xfrm>
+      </p:grpSpPr>
+      <p:sp useBgFill="1">
+        <p:nvSpPr>
+          <p:cNvPr id="60" name="Rectangle 59">
+            <a:extLst>
+              <a:ext uri="{FF2B5EF4-FFF2-40B4-BE49-F238E27FC236}">
+                <a16:creationId xmlns:a16="http://schemas.microsoft.com/office/drawing/2014/main" id="{464EC53C-35C4-4E84-AFE2-A7D081852617}"/>
+              </a:ext>
+              <a:ext uri="{C183D7F6-B498-43B3-948B-1728B52AA6E4}">
+                <adec:decorative xmlns:adec="http://schemas.microsoft.com/office/drawing/2017/decorative" val="1"/>
+              </a:ext>
+            </a:extLst>
+          </p:cNvPr>
+          <p:cNvSpPr>
+            <a:spLocks noGrp="1" noRot="1" noChangeAspect="1" noMove="1" noResize="1" noEditPoints="1" noAdjustHandles="1" noChangeArrowheads="1" noChangeShapeType="1" noTextEdit="1"/>
+          </p:cNvSpPr>
+          <p:nvPr>
+            <p:extLst>
+              <p:ext uri="{386F3935-93C4-4BCD-93E2-E3B085C9AB24}">
+                <p16:designElem xmlns:p16="http://schemas.microsoft.com/office/powerpoint/2015/main" val="1"/>
+              </p:ext>
+            </p:extLst>
+          </p:nvPr>
+        </p:nvSpPr>
+        <p:spPr>
+          <a:xfrm>
+            <a:off x="0" y="0"/>
+            <a:ext cx="12192000" cy="6858000"/>
+          </a:xfrm>
+          <a:prstGeom prst="rect">
+            <a:avLst/>
+          </a:prstGeom>
+          <a:ln w="12700" cap="flat" cmpd="sng" algn="ctr">
+            <a:noFill/>
+            <a:prstDash val="solid"/>
+            <a:miter lim="800000"/>
+          </a:ln>
+          <a:effectLst/>
+          <a:extLst>
+            <a:ext uri="{91240B29-F687-4F45-9708-019B960494DF}">
+              <a14:hiddenLine xmlns:a14="http://schemas.microsoft.com/office/drawing/2010/main" w="12700" cap="flat" cmpd="sng" algn="ctr">
+                <a:solidFill>
+                  <a:schemeClr val="accent1">
+                    <a:shade val="50000"/>
+                  </a:schemeClr>
+                </a:solidFill>
+                <a:prstDash val="solid"/>
+                <a:miter lim="800000"/>
+              </a14:hiddenLine>
+            </a:ext>
+          </a:extLst>
+        </p:spPr>
+        <p:style>
+          <a:lnRef idx="2">
+            <a:schemeClr val="accent1">
+              <a:shade val="50000"/>
+            </a:schemeClr>
+          </a:lnRef>
+          <a:fillRef idx="1">
+            <a:schemeClr val="accent1"/>
+          </a:fillRef>
+          <a:effectRef idx="0">
+            <a:schemeClr val="accent1"/>
+          </a:effectRef>
+          <a:fontRef idx="minor">
+            <a:schemeClr val="lt1"/>
+          </a:fontRef>
+        </p:style>
+        <p:txBody>
+          <a:bodyPr rtlCol="0" anchor="ctr"/>
+          <a:lstStyle/>
+          <a:p>
+            <a:pPr algn="ctr"/>
+            <a:endParaRPr lang="en-US"/>
+          </a:p>
+        </p:txBody>
+      </p:sp>
+      <p:sp>
+        <p:nvSpPr>
+          <p:cNvPr id="62" name="!!Rectangle">
+            <a:extLst>
+              <a:ext uri="{FF2B5EF4-FFF2-40B4-BE49-F238E27FC236}">
+                <a16:creationId xmlns:a16="http://schemas.microsoft.com/office/drawing/2014/main" id="{9A3F5928-D955-456A-97B5-AA390B8CE9D5}"/>
+              </a:ext>
+              <a:ext uri="{C183D7F6-B498-43B3-948B-1728B52AA6E4}">
+                <adec:decorative xmlns:adec="http://schemas.microsoft.com/office/drawing/2017/decorative" val="1"/>
+              </a:ext>
+            </a:extLst>
+          </p:cNvPr>
+          <p:cNvSpPr>
+            <a:spLocks noGrp="1" noRot="1" noChangeAspect="1" noMove="1" noResize="1" noEditPoints="1" noAdjustHandles="1" noChangeArrowheads="1" noChangeShapeType="1" noTextEdit="1"/>
+          </p:cNvSpPr>
+          <p:nvPr>
+            <p:extLst>
+              <p:ext uri="{386F3935-93C4-4BCD-93E2-E3B085C9AB24}">
+                <p16:designElem xmlns:p16="http://schemas.microsoft.com/office/powerpoint/2015/main" val="1"/>
+              </p:ext>
+            </p:extLst>
+          </p:nvPr>
+        </p:nvSpPr>
+        <p:spPr>
+          <a:xfrm>
+            <a:off x="0" y="0"/>
+            <a:ext cx="12192000" cy="6858000"/>
+          </a:xfrm>
+          <a:prstGeom prst="rect">
+            <a:avLst/>
+          </a:prstGeom>
+          <a:gradFill flip="none" rotWithShape="1">
+            <a:gsLst>
+              <a:gs pos="0">
+                <a:schemeClr val="accent1"/>
+              </a:gs>
+              <a:gs pos="100000">
+                <a:schemeClr val="accent2"/>
+              </a:gs>
+            </a:gsLst>
+            <a:lin ang="18900000" scaled="0"/>
+            <a:tileRect/>
+          </a:gradFill>
+          <a:ln>
+            <a:noFill/>
+          </a:ln>
+        </p:spPr>
+        <p:style>
+          <a:lnRef idx="2">
+            <a:schemeClr val="accent1">
+              <a:shade val="50000"/>
+            </a:schemeClr>
+          </a:lnRef>
+          <a:fillRef idx="1">
+            <a:schemeClr val="accent1"/>
+          </a:fillRef>
+          <a:effectRef idx="0">
+            <a:schemeClr val="accent1"/>
+          </a:effectRef>
+          <a:fontRef idx="minor">
+            <a:schemeClr val="lt1"/>
+          </a:fontRef>
+        </p:style>
+        <p:txBody>
+          <a:bodyPr rtlCol="0" anchor="ctr"/>
+          <a:lstStyle/>
+          <a:p>
+            <a:pPr marL="0" marR="0" lvl="0" indent="0" algn="ctr" defTabSz="914400" rtl="0" eaLnBrk="1" fontAlgn="auto" latinLnBrk="0" hangingPunct="1">
+              <a:lnSpc>
+                <a:spcPct val="100000"/>
+              </a:lnSpc>
+              <a:spcBef>
+                <a:spcPts val="0"/>
+              </a:spcBef>
+              <a:spcAft>
+                <a:spcPts val="0"/>
+              </a:spcAft>
+              <a:buClrTx/>
+              <a:buSzTx/>
+              <a:buFontTx/>
+              <a:buNone/>
+              <a:tabLst/>
+              <a:defRPr/>
+            </a:pPr>
+            <a:endParaRPr kumimoji="0" lang="en-US" sz="1800" b="0" i="0" u="none" strike="noStrike" kern="1200" cap="none" spc="0" normalizeH="0" baseline="0" noProof="0">
+              <a:ln>
+                <a:noFill/>
+              </a:ln>
+              <a:solidFill>
+                <a:srgbClr val="FFFFFF"/>
+              </a:solidFill>
+              <a:effectLst/>
+              <a:uLnTx/>
+              <a:uFillTx/>
+              <a:latin typeface="Calibri" panose="020F0502020204030204"/>
+              <a:ea typeface="+mn-ea"/>
+              <a:cs typeface="+mn-cs"/>
+            </a:endParaRPr>
+          </a:p>
+        </p:txBody>
+      </p:sp>
+      <p:pic>
+        <p:nvPicPr>
+          <p:cNvPr id="47" name="Picture 46" descr="Avion en papier jaune volant dans le sens inverse de celui de beaucoup d'avions en papier gris.">
+            <a:extLst>
+              <a:ext uri="{FF2B5EF4-FFF2-40B4-BE49-F238E27FC236}">
+                <a16:creationId xmlns:a16="http://schemas.microsoft.com/office/drawing/2014/main" id="{D42397BE-D3A8-4022-88AB-0D1FE41F1BC6}"/>
+              </a:ext>
+            </a:extLst>
+          </p:cNvPr>
+          <p:cNvPicPr>
+            <a:picLocks noChangeAspect="1"/>
+          </p:cNvPicPr>
+          <p:nvPr/>
+        </p:nvPicPr>
+        <p:blipFill rotWithShape="1">
+          <a:blip r:embed="rId2">
+            <a:duotone>
+              <a:schemeClr val="accent1">
+                <a:shade val="45000"/>
+                <a:satMod val="135000"/>
+              </a:schemeClr>
+              <a:prstClr val="white"/>
+            </a:duotone>
+            <a:alphaModFix amt="35000"/>
+          </a:blip>
+          <a:srcRect t="8817" b="6914"/>
+          <a:stretch/>
+        </p:blipFill>
+        <p:spPr>
+          <a:xfrm>
+            <a:off x="20" y="10"/>
+            <a:ext cx="12191981" cy="6857989"/>
+          </a:xfrm>
+          <a:prstGeom prst="rect">
+            <a:avLst/>
+          </a:prstGeom>
+        </p:spPr>
+      </p:pic>
+      <p:sp>
+        <p:nvSpPr>
+          <p:cNvPr id="2" name="Titre 1">
+            <a:extLst>
+              <a:ext uri="{FF2B5EF4-FFF2-40B4-BE49-F238E27FC236}">
+                <a16:creationId xmlns:a16="http://schemas.microsoft.com/office/drawing/2014/main" id="{3696F46D-E716-4F2D-A9A6-8B5AB29058BA}"/>
+              </a:ext>
+            </a:extLst>
+          </p:cNvPr>
+          <p:cNvSpPr>
+            <a:spLocks noGrp="1"/>
+          </p:cNvSpPr>
+          <p:nvPr>
+            <p:ph type="title"/>
+          </p:nvPr>
+        </p:nvSpPr>
+        <p:spPr>
+          <a:xfrm>
+            <a:off x="1256275" y="2271449"/>
+            <a:ext cx="9679449" cy="2847058"/>
+          </a:xfrm>
+        </p:spPr>
+        <p:txBody>
+          <a:bodyPr vert="horz" lIns="91440" tIns="45720" rIns="91440" bIns="45720" rtlCol="0" anchor="b">
+            <a:normAutofit/>
+          </a:bodyPr>
+          <a:lstStyle/>
+          <a:p>
+            <a:r>
+              <a:rPr lang="en-US" sz="8000" b="1">
+                <a:solidFill>
+                  <a:srgbClr val="FFFFFF"/>
+                </a:solidFill>
+              </a:rPr>
+              <a:t>Démonstration</a:t>
+            </a:r>
+          </a:p>
+        </p:txBody>
+      </p:sp>
+      <p:cxnSp>
+        <p:nvCxnSpPr>
+          <p:cNvPr id="64" name="Straight Connector 63">
+            <a:extLst>
+              <a:ext uri="{FF2B5EF4-FFF2-40B4-BE49-F238E27FC236}">
+                <a16:creationId xmlns:a16="http://schemas.microsoft.com/office/drawing/2014/main" id="{56020367-4FD5-4596-8E10-C5F095CD8DBF}"/>
+              </a:ext>
+              <a:ext uri="{C183D7F6-B498-43B3-948B-1728B52AA6E4}">
+                <adec:decorative xmlns:adec="http://schemas.microsoft.com/office/drawing/2017/decorative" val="1"/>
+              </a:ext>
+            </a:extLst>
+          </p:cNvPr>
+          <p:cNvCxnSpPr>
+            <a:cxnSpLocks noGrp="1" noRot="1" noChangeAspect="1" noMove="1" noResize="1" noEditPoints="1" noAdjustHandles="1" noChangeArrowheads="1" noChangeShapeType="1"/>
+          </p:cNvCxnSpPr>
+          <p:nvPr>
+            <p:extLst>
+              <p:ext uri="{386F3935-93C4-4BCD-93E2-E3B085C9AB24}">
+                <p16:designElem xmlns:p16="http://schemas.microsoft.com/office/powerpoint/2015/main" val="1"/>
+              </p:ext>
+            </p:extLst>
+          </p:nvPr>
+        </p:nvCxnSpPr>
+        <p:spPr>
+          <a:xfrm>
+            <a:off x="8878" y="806470"/>
+            <a:ext cx="8453437" cy="0"/>
+          </a:xfrm>
+          <a:prstGeom prst="line">
+            <a:avLst/>
+          </a:prstGeom>
+          <a:ln w="25400" cap="sq">
+            <a:solidFill>
+              <a:srgbClr val="FFFFFF"/>
+            </a:solidFill>
+            <a:bevel/>
+          </a:ln>
+        </p:spPr>
+        <p:style>
+          <a:lnRef idx="1">
+            <a:schemeClr val="accent1"/>
+          </a:lnRef>
+          <a:fillRef idx="0">
+            <a:schemeClr val="accent1"/>
+          </a:fillRef>
+          <a:effectRef idx="0">
+            <a:schemeClr val="accent1"/>
+          </a:effectRef>
+          <a:fontRef idx="minor">
+            <a:schemeClr val="tx1"/>
+          </a:fontRef>
+        </p:style>
+      </p:cxnSp>
+      <p:sp>
+        <p:nvSpPr>
+          <p:cNvPr id="66" name="Graphic 13">
+            <a:extLst>
+              <a:ext uri="{FF2B5EF4-FFF2-40B4-BE49-F238E27FC236}">
+                <a16:creationId xmlns:a16="http://schemas.microsoft.com/office/drawing/2014/main" id="{C5CB530E-515E-412C-9DF1-5F8FFBD6F383}"/>
+              </a:ext>
+              <a:ext uri="{C183D7F6-B498-43B3-948B-1728B52AA6E4}">
+                <adec:decorative xmlns:adec="http://schemas.microsoft.com/office/drawing/2017/decorative" val="1"/>
+              </a:ext>
+            </a:extLst>
+          </p:cNvPr>
+          <p:cNvSpPr>
+            <a:spLocks noGrp="1" noRot="1" noChangeAspect="1" noMove="1" noResize="1" noEditPoints="1" noAdjustHandles="1" noChangeArrowheads="1" noChangeShapeType="1" noTextEdit="1"/>
+          </p:cNvSpPr>
+          <p:nvPr>
+            <p:extLst>
+              <p:ext uri="{386F3935-93C4-4BCD-93E2-E3B085C9AB24}">
+                <p16:designElem xmlns:p16="http://schemas.microsoft.com/office/powerpoint/2015/main" val="1"/>
+              </p:ext>
+            </p:extLst>
+          </p:nvPr>
+        </p:nvSpPr>
+        <p:spPr>
+          <a:xfrm>
+            <a:off x="544954" y="2875093"/>
+            <a:ext cx="139039" cy="139039"/>
+          </a:xfrm>
+          <a:custGeom>
+            <a:avLst/>
+            <a:gdLst>
+              <a:gd name="connsiteX0" fmla="*/ 129602 w 139039"/>
+              <a:gd name="connsiteY0" fmla="*/ 60082 h 139039"/>
+              <a:gd name="connsiteX1" fmla="*/ 78957 w 139039"/>
+              <a:gd name="connsiteY1" fmla="*/ 60082 h 139039"/>
+              <a:gd name="connsiteX2" fmla="*/ 78957 w 139039"/>
+              <a:gd name="connsiteY2" fmla="*/ 9437 h 139039"/>
+              <a:gd name="connsiteX3" fmla="*/ 69520 w 139039"/>
+              <a:gd name="connsiteY3" fmla="*/ 0 h 139039"/>
+              <a:gd name="connsiteX4" fmla="*/ 60082 w 139039"/>
+              <a:gd name="connsiteY4" fmla="*/ 9437 h 139039"/>
+              <a:gd name="connsiteX5" fmla="*/ 60082 w 139039"/>
+              <a:gd name="connsiteY5" fmla="*/ 60082 h 139039"/>
+              <a:gd name="connsiteX6" fmla="*/ 9437 w 139039"/>
+              <a:gd name="connsiteY6" fmla="*/ 60082 h 139039"/>
+              <a:gd name="connsiteX7" fmla="*/ 0 w 139039"/>
+              <a:gd name="connsiteY7" fmla="*/ 69520 h 139039"/>
+              <a:gd name="connsiteX8" fmla="*/ 9437 w 139039"/>
+              <a:gd name="connsiteY8" fmla="*/ 78957 h 139039"/>
+              <a:gd name="connsiteX9" fmla="*/ 60082 w 139039"/>
+              <a:gd name="connsiteY9" fmla="*/ 78957 h 139039"/>
+              <a:gd name="connsiteX10" fmla="*/ 60082 w 139039"/>
+              <a:gd name="connsiteY10" fmla="*/ 129602 h 139039"/>
+              <a:gd name="connsiteX11" fmla="*/ 69520 w 139039"/>
+              <a:gd name="connsiteY11" fmla="*/ 139039 h 139039"/>
+              <a:gd name="connsiteX12" fmla="*/ 78957 w 139039"/>
+              <a:gd name="connsiteY12" fmla="*/ 129602 h 139039"/>
+              <a:gd name="connsiteX13" fmla="*/ 78957 w 139039"/>
+              <a:gd name="connsiteY13" fmla="*/ 78957 h 139039"/>
+              <a:gd name="connsiteX14" fmla="*/ 129602 w 139039"/>
+              <a:gd name="connsiteY14" fmla="*/ 78957 h 139039"/>
+              <a:gd name="connsiteX15" fmla="*/ 139039 w 139039"/>
+              <a:gd name="connsiteY15" fmla="*/ 69520 h 139039"/>
+              <a:gd name="connsiteX16" fmla="*/ 129602 w 139039"/>
+              <a:gd name="connsiteY16" fmla="*/ 60082 h 139039"/>
+            </a:gdLst>
+            <a:ahLst/>
+            <a:cxnLst>
+              <a:cxn ang="0">
+                <a:pos x="connsiteX0" y="connsiteY0"/>
+              </a:cxn>
+              <a:cxn ang="0">
+                <a:pos x="connsiteX1" y="connsiteY1"/>
+              </a:cxn>
+              <a:cxn ang="0">
+                <a:pos x="connsiteX2" y="connsiteY2"/>
+              </a:cxn>
+              <a:cxn ang="0">
+                <a:pos x="connsiteX3" y="connsiteY3"/>
+              </a:cxn>
+              <a:cxn ang="0">
+                <a:pos x="connsiteX4" y="connsiteY4"/>
+              </a:cxn>
+              <a:cxn ang="0">
+                <a:pos x="connsiteX5" y="connsiteY5"/>
+              </a:cxn>
+              <a:cxn ang="0">
+                <a:pos x="connsiteX6" y="connsiteY6"/>
+              </a:cxn>
+              <a:cxn ang="0">
+                <a:pos x="connsiteX7" y="connsiteY7"/>
+              </a:cxn>
+              <a:cxn ang="0">
+                <a:pos x="connsiteX8" y="connsiteY8"/>
+              </a:cxn>
+              <a:cxn ang="0">
+                <a:pos x="connsiteX9" y="connsiteY9"/>
+              </a:cxn>
+              <a:cxn ang="0">
+                <a:pos x="connsiteX10" y="connsiteY10"/>
+              </a:cxn>
+              <a:cxn ang="0">
+                <a:pos x="connsiteX11" y="connsiteY11"/>
+              </a:cxn>
+              <a:cxn ang="0">
+                <a:pos x="connsiteX12" y="connsiteY12"/>
+              </a:cxn>
+              <a:cxn ang="0">
+                <a:pos x="connsiteX13" y="connsiteY13"/>
+              </a:cxn>
+              <a:cxn ang="0">
+                <a:pos x="connsiteX14" y="connsiteY14"/>
+              </a:cxn>
+              <a:cxn ang="0">
+                <a:pos x="connsiteX15" y="connsiteY15"/>
+              </a:cxn>
+              <a:cxn ang="0">
+                <a:pos x="connsiteX16" y="connsiteY16"/>
+              </a:cxn>
+            </a:cxnLst>
+            <a:rect l="l" t="t" r="r" b="b"/>
+            <a:pathLst>
+              <a:path w="139039" h="139039">
+                <a:moveTo>
+                  <a:pt x="129602" y="60082"/>
+                </a:moveTo>
+                <a:lnTo>
+                  <a:pt x="78957" y="60082"/>
+                </a:lnTo>
+                <a:lnTo>
+                  <a:pt x="78957" y="9437"/>
+                </a:lnTo>
+                <a:cubicBezTo>
+                  <a:pt x="78957" y="4225"/>
+                  <a:pt x="74731" y="0"/>
+                  <a:pt x="69520" y="0"/>
+                </a:cubicBezTo>
+                <a:cubicBezTo>
+                  <a:pt x="64308" y="0"/>
+                  <a:pt x="60082" y="4225"/>
+                  <a:pt x="60082" y="9437"/>
+                </a:cubicBezTo>
+                <a:lnTo>
+                  <a:pt x="60082" y="60082"/>
+                </a:lnTo>
+                <a:lnTo>
+                  <a:pt x="9437" y="60082"/>
+                </a:lnTo>
+                <a:cubicBezTo>
+                  <a:pt x="4225" y="60082"/>
+                  <a:pt x="0" y="64308"/>
+                  <a:pt x="0" y="69520"/>
+                </a:cubicBezTo>
+                <a:cubicBezTo>
+                  <a:pt x="0" y="74731"/>
+                  <a:pt x="4225" y="78957"/>
+                  <a:pt x="9437" y="78957"/>
+                </a:cubicBezTo>
+                <a:lnTo>
+                  <a:pt x="60082" y="78957"/>
+                </a:lnTo>
+                <a:lnTo>
+                  <a:pt x="60082" y="129602"/>
+                </a:lnTo>
+                <a:cubicBezTo>
+                  <a:pt x="60082" y="134814"/>
+                  <a:pt x="64308" y="139039"/>
+                  <a:pt x="69520" y="139039"/>
+                </a:cubicBezTo>
+                <a:cubicBezTo>
+                  <a:pt x="74731" y="139039"/>
+                  <a:pt x="78957" y="134814"/>
+                  <a:pt x="78957" y="129602"/>
+                </a:cubicBezTo>
+                <a:lnTo>
+                  <a:pt x="78957" y="78957"/>
+                </a:lnTo>
+                <a:lnTo>
+                  <a:pt x="129602" y="78957"/>
+                </a:lnTo>
+                <a:cubicBezTo>
+                  <a:pt x="134814" y="78957"/>
+                  <a:pt x="139039" y="74731"/>
+                  <a:pt x="139039" y="69520"/>
+                </a:cubicBezTo>
+                <a:cubicBezTo>
+                  <a:pt x="139039" y="64308"/>
+                  <a:pt x="134814" y="60082"/>
+                  <a:pt x="129602" y="60082"/>
+                </a:cubicBezTo>
+                <a:close/>
+              </a:path>
+            </a:pathLst>
+          </a:custGeom>
+          <a:solidFill>
+            <a:srgbClr val="FFFFFF"/>
+          </a:solidFill>
+          <a:ln w="603" cap="flat">
+            <a:noFill/>
+            <a:prstDash val="solid"/>
+            <a:miter/>
+          </a:ln>
+        </p:spPr>
+        <p:txBody>
+          <a:bodyPr rtlCol="0" anchor="ctr"/>
+          <a:lstStyle/>
+          <a:p>
+            <a:pPr marL="0" marR="0" lvl="0" indent="0" algn="l" defTabSz="914400" rtl="0" eaLnBrk="1" fontAlgn="auto" latinLnBrk="0" hangingPunct="1">
+              <a:lnSpc>
+                <a:spcPct val="100000"/>
+              </a:lnSpc>
+              <a:spcBef>
+                <a:spcPts val="0"/>
+              </a:spcBef>
+              <a:spcAft>
+                <a:spcPts val="0"/>
+              </a:spcAft>
+              <a:buClrTx/>
+              <a:buSzTx/>
+              <a:buFontTx/>
+              <a:buNone/>
+              <a:tabLst/>
+              <a:defRPr/>
+            </a:pPr>
+            <a:endParaRPr kumimoji="0" lang="en-US" sz="1800" b="0" i="0" u="none" strike="noStrike" kern="1200" cap="none" spc="0" normalizeH="0" baseline="0" noProof="0">
+              <a:ln>
+                <a:noFill/>
+              </a:ln>
+              <a:solidFill>
+                <a:srgbClr val="FFFFFF"/>
+              </a:solidFill>
+              <a:effectLst/>
+              <a:uLnTx/>
+              <a:uFillTx/>
+              <a:latin typeface="Calibri" panose="020F0502020204030204"/>
+              <a:ea typeface="+mn-ea"/>
+              <a:cs typeface="+mn-cs"/>
+            </a:endParaRPr>
+          </a:p>
+        </p:txBody>
+      </p:sp>
+      <p:sp>
+        <p:nvSpPr>
+          <p:cNvPr id="68" name="Graphic 12">
+            <a:extLst>
+              <a:ext uri="{FF2B5EF4-FFF2-40B4-BE49-F238E27FC236}">
+                <a16:creationId xmlns:a16="http://schemas.microsoft.com/office/drawing/2014/main" id="{712D4376-A578-4FF1-94FC-245E7A6A489F}"/>
+              </a:ext>
+              <a:ext uri="{C183D7F6-B498-43B3-948B-1728B52AA6E4}">
+                <adec:decorative xmlns:adec="http://schemas.microsoft.com/office/drawing/2017/decorative" val="1"/>
+              </a:ext>
+            </a:extLst>
+          </p:cNvPr>
+          <p:cNvSpPr>
+            <a:spLocks noGrp="1" noRot="1" noChangeAspect="1" noMove="1" noResize="1" noEditPoints="1" noAdjustHandles="1" noChangeArrowheads="1" noChangeShapeType="1" noTextEdit="1"/>
+          </p:cNvSpPr>
+          <p:nvPr>
+            <p:extLst>
+              <p:ext uri="{386F3935-93C4-4BCD-93E2-E3B085C9AB24}">
+                <p16:designElem xmlns:p16="http://schemas.microsoft.com/office/powerpoint/2015/main" val="1"/>
+              </p:ext>
+            </p:extLst>
+          </p:nvPr>
+        </p:nvSpPr>
+        <p:spPr>
+          <a:xfrm>
+            <a:off x="903734" y="3104388"/>
+            <a:ext cx="91138" cy="91138"/>
+          </a:xfrm>
+          <a:custGeom>
+            <a:avLst/>
+            <a:gdLst>
+              <a:gd name="connsiteX0" fmla="*/ 91138 w 91138"/>
+              <a:gd name="connsiteY0" fmla="*/ 45569 h 91138"/>
+              <a:gd name="connsiteX1" fmla="*/ 45569 w 91138"/>
+              <a:gd name="connsiteY1" fmla="*/ 91138 h 91138"/>
+              <a:gd name="connsiteX2" fmla="*/ 0 w 91138"/>
+              <a:gd name="connsiteY2" fmla="*/ 45569 h 91138"/>
+              <a:gd name="connsiteX3" fmla="*/ 45569 w 91138"/>
+              <a:gd name="connsiteY3" fmla="*/ 0 h 91138"/>
+              <a:gd name="connsiteX4" fmla="*/ 91138 w 91138"/>
+              <a:gd name="connsiteY4" fmla="*/ 45569 h 91138"/>
+            </a:gdLst>
+            <a:ahLst/>
+            <a:cxnLst>
+              <a:cxn ang="0">
+                <a:pos x="connsiteX0" y="connsiteY0"/>
+              </a:cxn>
+              <a:cxn ang="0">
+                <a:pos x="connsiteX1" y="connsiteY1"/>
+              </a:cxn>
+              <a:cxn ang="0">
+                <a:pos x="connsiteX2" y="connsiteY2"/>
+              </a:cxn>
+              <a:cxn ang="0">
+                <a:pos x="connsiteX3" y="connsiteY3"/>
+              </a:cxn>
+              <a:cxn ang="0">
+                <a:pos x="connsiteX4" y="connsiteY4"/>
+              </a:cxn>
+            </a:cxnLst>
+            <a:rect l="l" t="t" r="r" b="b"/>
+            <a:pathLst>
+              <a:path w="91138" h="91138">
+                <a:moveTo>
+                  <a:pt x="91138" y="45569"/>
+                </a:moveTo>
+                <a:cubicBezTo>
+                  <a:pt x="91138" y="70736"/>
+                  <a:pt x="70736" y="91138"/>
+                  <a:pt x="45569" y="91138"/>
+                </a:cubicBezTo>
+                <a:cubicBezTo>
+                  <a:pt x="20402" y="91138"/>
+                  <a:pt x="0" y="70736"/>
+                  <a:pt x="0" y="45569"/>
+                </a:cubicBezTo>
+                <a:cubicBezTo>
+                  <a:pt x="0" y="20402"/>
+                  <a:pt x="20402" y="0"/>
+                  <a:pt x="45569" y="0"/>
+                </a:cubicBezTo>
+                <a:cubicBezTo>
+                  <a:pt x="70736" y="0"/>
+                  <a:pt x="91138" y="20402"/>
+                  <a:pt x="91138" y="45569"/>
+                </a:cubicBezTo>
+                <a:close/>
+              </a:path>
+            </a:pathLst>
+          </a:custGeom>
+          <a:solidFill>
+            <a:srgbClr val="FFFFFF"/>
+          </a:solidFill>
+          <a:ln w="422" cap="flat">
+            <a:noFill/>
+            <a:prstDash val="solid"/>
+            <a:miter/>
+          </a:ln>
+        </p:spPr>
+        <p:txBody>
+          <a:bodyPr rtlCol="0" anchor="ctr"/>
+          <a:lstStyle/>
+          <a:p>
+            <a:pPr marL="0" marR="0" lvl="0" indent="0" algn="l" defTabSz="914400" rtl="0" eaLnBrk="1" fontAlgn="auto" latinLnBrk="0" hangingPunct="1">
+              <a:lnSpc>
+                <a:spcPct val="100000"/>
+              </a:lnSpc>
+              <a:spcBef>
+                <a:spcPts val="0"/>
+              </a:spcBef>
+              <a:spcAft>
+                <a:spcPts val="0"/>
+              </a:spcAft>
+              <a:buClrTx/>
+              <a:buSzTx/>
+              <a:buFontTx/>
+              <a:buNone/>
+              <a:tabLst/>
+              <a:defRPr/>
+            </a:pPr>
+            <a:endParaRPr kumimoji="0" lang="en-US" sz="1800" b="0" i="0" u="none" strike="noStrike" kern="1200" cap="none" spc="0" normalizeH="0" baseline="0" noProof="0">
+              <a:ln>
+                <a:noFill/>
+              </a:ln>
+              <a:solidFill>
+                <a:srgbClr val="FFFFFF"/>
+              </a:solidFill>
+              <a:effectLst/>
+              <a:uLnTx/>
+              <a:uFillTx/>
+              <a:latin typeface="Calibri" panose="020F0502020204030204"/>
+              <a:ea typeface="+mn-ea"/>
+              <a:cs typeface="+mn-cs"/>
+            </a:endParaRPr>
+          </a:p>
+        </p:txBody>
+      </p:sp>
+      <p:sp>
+        <p:nvSpPr>
+          <p:cNvPr id="70" name="Graphic 15">
+            <a:extLst>
+              <a:ext uri="{FF2B5EF4-FFF2-40B4-BE49-F238E27FC236}">
+                <a16:creationId xmlns:a16="http://schemas.microsoft.com/office/drawing/2014/main" id="{AEA7509D-F04F-40CB-A0B3-EEF16499CC9F}"/>
+              </a:ext>
+              <a:ext uri="{C183D7F6-B498-43B3-948B-1728B52AA6E4}">
+                <adec:decorative xmlns:adec="http://schemas.microsoft.com/office/drawing/2017/decorative" val="1"/>
+              </a:ext>
+            </a:extLst>
+          </p:cNvPr>
+          <p:cNvSpPr>
+            <a:spLocks noGrp="1" noRot="1" noChangeAspect="1" noMove="1" noResize="1" noEditPoints="1" noAdjustHandles="1" noChangeArrowheads="1" noChangeShapeType="1" noTextEdit="1"/>
+          </p:cNvSpPr>
+          <p:nvPr>
+            <p:extLst>
+              <p:ext uri="{386F3935-93C4-4BCD-93E2-E3B085C9AB24}">
+                <p16:designElem xmlns:p16="http://schemas.microsoft.com/office/powerpoint/2015/main" val="1"/>
+              </p:ext>
+            </p:extLst>
+          </p:nvPr>
+        </p:nvSpPr>
+        <p:spPr>
+          <a:xfrm>
+            <a:off x="529414" y="3619532"/>
+            <a:ext cx="127714" cy="127714"/>
+          </a:xfrm>
+          <a:custGeom>
+            <a:avLst/>
+            <a:gdLst>
+              <a:gd name="connsiteX0" fmla="*/ 63857 w 127714"/>
+              <a:gd name="connsiteY0" fmla="*/ 18874 h 127714"/>
+              <a:gd name="connsiteX1" fmla="*/ 108840 w 127714"/>
+              <a:gd name="connsiteY1" fmla="*/ 63857 h 127714"/>
+              <a:gd name="connsiteX2" fmla="*/ 63857 w 127714"/>
+              <a:gd name="connsiteY2" fmla="*/ 108840 h 127714"/>
+              <a:gd name="connsiteX3" fmla="*/ 18874 w 127714"/>
+              <a:gd name="connsiteY3" fmla="*/ 63857 h 127714"/>
+              <a:gd name="connsiteX4" fmla="*/ 63857 w 127714"/>
+              <a:gd name="connsiteY4" fmla="*/ 18874 h 127714"/>
+              <a:gd name="connsiteX5" fmla="*/ 63857 w 127714"/>
+              <a:gd name="connsiteY5" fmla="*/ 0 h 127714"/>
+              <a:gd name="connsiteX6" fmla="*/ 0 w 127714"/>
+              <a:gd name="connsiteY6" fmla="*/ 63857 h 127714"/>
+              <a:gd name="connsiteX7" fmla="*/ 63857 w 127714"/>
+              <a:gd name="connsiteY7" fmla="*/ 127714 h 127714"/>
+              <a:gd name="connsiteX8" fmla="*/ 127714 w 127714"/>
+              <a:gd name="connsiteY8" fmla="*/ 63857 h 127714"/>
+              <a:gd name="connsiteX9" fmla="*/ 63857 w 127714"/>
+              <a:gd name="connsiteY9" fmla="*/ 0 h 127714"/>
+            </a:gdLst>
+            <a:ahLst/>
+            <a:cxnLst>
+              <a:cxn ang="0">
+                <a:pos x="connsiteX0" y="connsiteY0"/>
+              </a:cxn>
+              <a:cxn ang="0">
+                <a:pos x="connsiteX1" y="connsiteY1"/>
+              </a:cxn>
+              <a:cxn ang="0">
+                <a:pos x="connsiteX2" y="connsiteY2"/>
+              </a:cxn>
+              <a:cxn ang="0">
+                <a:pos x="connsiteX3" y="connsiteY3"/>
+              </a:cxn>
+              <a:cxn ang="0">
+                <a:pos x="connsiteX4" y="connsiteY4"/>
+              </a:cxn>
+              <a:cxn ang="0">
+                <a:pos x="connsiteX5" y="connsiteY5"/>
+              </a:cxn>
+              <a:cxn ang="0">
+                <a:pos x="connsiteX6" y="connsiteY6"/>
+              </a:cxn>
+              <a:cxn ang="0">
+                <a:pos x="connsiteX7" y="connsiteY7"/>
+              </a:cxn>
+              <a:cxn ang="0">
+                <a:pos x="connsiteX8" y="connsiteY8"/>
+              </a:cxn>
+              <a:cxn ang="0">
+                <a:pos x="connsiteX9" y="connsiteY9"/>
+              </a:cxn>
+            </a:cxnLst>
+            <a:rect l="l" t="t" r="r" b="b"/>
+            <a:pathLst>
+              <a:path w="127714" h="127714">
+                <a:moveTo>
+                  <a:pt x="63857" y="18874"/>
+                </a:moveTo>
+                <a:cubicBezTo>
+                  <a:pt x="88700" y="18874"/>
+                  <a:pt x="108840" y="39014"/>
+                  <a:pt x="108840" y="63857"/>
+                </a:cubicBezTo>
+                <a:cubicBezTo>
+                  <a:pt x="108840" y="88700"/>
+                  <a:pt x="88700" y="108840"/>
+                  <a:pt x="63857" y="108840"/>
+                </a:cubicBezTo>
+                <a:cubicBezTo>
+                  <a:pt x="39014" y="108840"/>
+                  <a:pt x="18874" y="88700"/>
+                  <a:pt x="18874" y="63857"/>
+                </a:cubicBezTo>
+                <a:cubicBezTo>
+                  <a:pt x="18898" y="39024"/>
+                  <a:pt x="39024" y="18898"/>
+                  <a:pt x="63857" y="18874"/>
+                </a:cubicBezTo>
+                <a:moveTo>
+                  <a:pt x="63857" y="0"/>
+                </a:moveTo>
+                <a:cubicBezTo>
+                  <a:pt x="28590" y="0"/>
+                  <a:pt x="0" y="28590"/>
+                  <a:pt x="0" y="63857"/>
+                </a:cubicBezTo>
+                <a:cubicBezTo>
+                  <a:pt x="0" y="99124"/>
+                  <a:pt x="28590" y="127714"/>
+                  <a:pt x="63857" y="127714"/>
+                </a:cubicBezTo>
+                <a:cubicBezTo>
+                  <a:pt x="99124" y="127714"/>
+                  <a:pt x="127714" y="99124"/>
+                  <a:pt x="127714" y="63857"/>
+                </a:cubicBezTo>
+                <a:cubicBezTo>
+                  <a:pt x="127714" y="28590"/>
+                  <a:pt x="99124" y="0"/>
+                  <a:pt x="63857" y="0"/>
+                </a:cubicBezTo>
+                <a:close/>
+              </a:path>
+            </a:pathLst>
+          </a:custGeom>
+          <a:solidFill>
+            <a:srgbClr val="FFFFFF"/>
+          </a:solidFill>
+          <a:ln w="610" cap="flat">
+            <a:noFill/>
+            <a:prstDash val="solid"/>
+            <a:miter/>
+          </a:ln>
+        </p:spPr>
+        <p:txBody>
+          <a:bodyPr rtlCol="0" anchor="ctr"/>
+          <a:lstStyle/>
+          <a:p>
+            <a:pPr marL="0" marR="0" lvl="0" indent="0" algn="l" defTabSz="914400" rtl="0" eaLnBrk="1" fontAlgn="auto" latinLnBrk="0" hangingPunct="1">
+              <a:lnSpc>
+                <a:spcPct val="100000"/>
+              </a:lnSpc>
+              <a:spcBef>
+                <a:spcPts val="0"/>
+              </a:spcBef>
+              <a:spcAft>
+                <a:spcPts val="0"/>
+              </a:spcAft>
+              <a:buClrTx/>
+              <a:buSzTx/>
+              <a:buFontTx/>
+              <a:buNone/>
+              <a:tabLst/>
+              <a:defRPr/>
+            </a:pPr>
+            <a:endParaRPr kumimoji="0" lang="en-US" sz="1800" b="0" i="0" u="none" strike="noStrike" kern="1200" cap="none" spc="0" normalizeH="0" baseline="0" noProof="0">
+              <a:ln>
+                <a:noFill/>
+              </a:ln>
+              <a:solidFill>
+                <a:srgbClr val="FFFFFF"/>
+              </a:solidFill>
+              <a:effectLst/>
+              <a:uLnTx/>
+              <a:uFillTx/>
+              <a:latin typeface="Calibri" panose="020F0502020204030204"/>
+              <a:ea typeface="+mn-ea"/>
+              <a:cs typeface="+mn-cs"/>
+            </a:endParaRPr>
+          </a:p>
+        </p:txBody>
+      </p:sp>
+      <p:pic>
+        <p:nvPicPr>
+          <p:cNvPr id="5" name="Image 5" descr="Une image contenant texte, extérieur, signe&#10;&#10;Description générée automatiquement">
+            <a:extLst>
+              <a:ext uri="{FF2B5EF4-FFF2-40B4-BE49-F238E27FC236}">
+                <a16:creationId xmlns:a16="http://schemas.microsoft.com/office/drawing/2014/main" id="{413F04FD-06CB-41B9-AD10-BDD3D12A1279}"/>
+              </a:ext>
+            </a:extLst>
+          </p:cNvPr>
+          <p:cNvPicPr>
+            <a:picLocks noChangeAspect="1"/>
+          </p:cNvPicPr>
+          <p:nvPr/>
+        </p:nvPicPr>
+        <p:blipFill>
+          <a:blip r:embed="rId3"/>
+          <a:stretch>
+            <a:fillRect/>
+          </a:stretch>
+        </p:blipFill>
+        <p:spPr>
+          <a:xfrm>
+            <a:off x="10839989" y="-4313"/>
+            <a:ext cx="1352550" cy="914400"/>
+          </a:xfrm>
+          <a:prstGeom prst="rect">
+            <a:avLst/>
+          </a:prstGeom>
+        </p:spPr>
+      </p:pic>
+      <p:sp>
+        <p:nvSpPr>
+          <p:cNvPr id="6" name="Espace réservé du pied de page 3">
+            <a:extLst>
+              <a:ext uri="{FF2B5EF4-FFF2-40B4-BE49-F238E27FC236}">
+                <a16:creationId xmlns:a16="http://schemas.microsoft.com/office/drawing/2014/main" id="{056BDBD3-76C3-4E08-BDD7-81EE18C1DBF8}"/>
+              </a:ext>
+            </a:extLst>
+          </p:cNvPr>
+          <p:cNvSpPr>
+            <a:spLocks noGrp="1"/>
+          </p:cNvSpPr>
+          <p:nvPr>
+            <p:ph type="ftr" sz="quarter" idx="11"/>
+          </p:nvPr>
+        </p:nvSpPr>
+        <p:spPr>
+          <a:xfrm>
+            <a:off x="4697524" y="6477830"/>
+            <a:ext cx="2789529" cy="365125"/>
+          </a:xfrm>
+        </p:spPr>
+        <p:txBody>
+          <a:bodyPr>
+            <a:normAutofit/>
+          </a:bodyPr>
+          <a:lstStyle/>
+          <a:p>
+            <a:pPr>
+              <a:spcAft>
+                <a:spcPts val="600"/>
+              </a:spcAft>
+            </a:pPr>
+            <a:r>
+              <a:rPr lang="en-US">
+                <a:solidFill>
+                  <a:srgbClr val="FFFFFF"/>
+                </a:solidFill>
+              </a:rPr>
+              <a:t>Maathess Kothandapani</a:t>
+            </a:r>
+            <a:endParaRPr lang="en-US">
+              <a:solidFill>
+                <a:srgbClr val="FFFFFF"/>
+              </a:solidFill>
+              <a:cs typeface="Calibri"/>
+            </a:endParaRPr>
+          </a:p>
+        </p:txBody>
+      </p:sp>
+    </p:spTree>
+    <p:extLst>
+      <p:ext uri="{BB962C8B-B14F-4D97-AF65-F5344CB8AC3E}">
+        <p14:creationId xmlns:p14="http://schemas.microsoft.com/office/powerpoint/2010/main" val="1746112874"/>
+      </p:ext>
+    </p:extLst>
+  </p:cSld>
+  <p:clrMapOvr>
+    <a:masterClrMapping/>
+  </p:clrMapOvr>
+  <mc:AlternateContent xmlns:mc="http://schemas.openxmlformats.org/markup-compatibility/2006" xmlns:p14="http://schemas.microsoft.com/office/powerpoint/2010/main">
+    <mc:Choice Requires="p14">
+      <p:transition spd="med" p14:dur="700">
+        <p:fade/>
+      </p:transition>
+    </mc:Choice>
+    <mc:Fallback xmlns="">
+      <p:transition spd="med">
+        <p:fade/>
+      </p:transition>
+    </mc:Fallback>
+  </mc:AlternateContent>
+  <p:timing>
+    <p:tnLst>
+      <p:par>
+        <p:cTn id="1" dur="indefinite" restart="never" nodeType="tmRoot">
+          <p:childTnLst>
+            <p:seq concurrent="1" nextAc="seek">
+              <p:cTn id="2" dur="indefinite" nodeType="mainSeq">
+                <p:childTnLst>
+                  <p:par>
+                    <p:cTn id="3" fill="hold">
+                      <p:stCondLst>
+                        <p:cond delay="indefinite"/>
+                        <p:cond evt="onBegin" delay="0">
+                          <p:tn val="2"/>
+                        </p:cond>
+                      </p:stCondLst>
+                      <p:childTnLst>
+                        <p:par>
+                          <p:cTn id="4" fill="hold">
+                            <p:stCondLst>
+                              <p:cond delay="0"/>
+                            </p:stCondLst>
+                            <p:childTnLst>
+                              <p:par>
+                                <p:cTn id="5" presetID="10" presetClass="entr" presetSubtype="0" fill="hold" grpId="0" nodeType="withEffect">
+                                  <p:stCondLst>
+                                    <p:cond delay="500"/>
+                                  </p:stCondLst>
+                                  <p:iterate>
+                                    <p:tmPct val="10000"/>
+                                  </p:iterate>
+                                  <p:childTnLst>
+                                    <p:set>
+                                      <p:cBhvr>
+                                        <p:cTn id="6" dur="1" fill="hold">
+                                          <p:stCondLst>
+                                            <p:cond delay="0"/>
+                                          </p:stCondLst>
+                                        </p:cTn>
+                                        <p:tgtEl>
+                                          <p:spTgt spid="2"/>
+                                        </p:tgtEl>
+                                        <p:attrNameLst>
+                                          <p:attrName>style.visibility</p:attrName>
+                                        </p:attrNameLst>
+                                      </p:cBhvr>
+                                      <p:to>
+                                        <p:strVal val="visible"/>
+                                      </p:to>
+                                    </p:set>
+                                    <p:animEffect transition="in" filter="fade">
+                                      <p:cBhvr>
+                                        <p:cTn id="7" dur="700"/>
+                                        <p:tgtEl>
+                                          <p:spTgt spid="2"/>
+                                        </p:tgtEl>
+                                      </p:cBhvr>
+                                    </p:animEffect>
+                                  </p:childTnLst>
+                                </p:cTn>
+                              </p:par>
+                            </p:childTnLst>
+                          </p:cTn>
+                        </p:par>
+                      </p:childTnLst>
+                    </p:cTn>
+                  </p:par>
+                </p:childTnLst>
+              </p:cTn>
+              <p:prevCondLst>
+                <p:cond evt="onPrev" delay="0">
+                  <p:tgtEl>
+                    <p:sldTgt/>
+                  </p:tgtEl>
+                </p:cond>
+              </p:prevCondLst>
+              <p:nextCondLst>
+                <p:cond evt="onNext" delay="0">
+                  <p:tgtEl>
+                    <p:sldTgt/>
+                  </p:tgtEl>
+                </p:cond>
+              </p:nextCondLst>
+            </p:seq>
+          </p:childTnLst>
+        </p:cTn>
+      </p:par>
+    </p:tnLst>
+    <p:bldLst>
+      <p:bldP spid="2" grpId="0"/>
+    </p:bldLst>
+  </p:timing>
+</p:sld>
+</file>
+
+<file path=ppt/slides/slide14.xml><?xml version="1.0" encoding="utf-8"?>
 <p:sld xmlns:a="http://schemas.openxmlformats.org/drawingml/2006/main" xmlns:r="http://schemas.openxmlformats.org/officeDocument/2006/relationships" xmlns:p="http://schemas.openxmlformats.org/presentationml/2006/main">
   <p:cSld>
     <p:bg>
@@ -4981,13 +7728,13 @@
           <a:p>
             <a:pPr algn="ctr"/>
             <a:r>
-              <a:rPr lang="fr-FR" sz="5200" b="1" dirty="0">
+              <a:rPr lang="fr-FR" sz="5200" b="1">
                 <a:ea typeface="+mj-lt"/>
                 <a:cs typeface="+mj-lt"/>
               </a:rPr>
               <a:t>Conclusion</a:t>
             </a:r>
-            <a:endParaRPr lang="fr-FR" sz="5200" dirty="0">
+            <a:endParaRPr lang="fr-FR" sz="5200">
               <a:ea typeface="+mj-lt"/>
               <a:cs typeface="+mj-lt"/>
             </a:endParaRPr>
@@ -5596,7 +8343,7 @@
               </a:spcAft>
             </a:pPr>
             <a:r>
-              <a:rPr lang="en-US" dirty="0" err="1">
+              <a:rPr lang="en-US" err="1">
                 <a:solidFill>
                   <a:schemeClr val="tx1">
                     <a:alpha val="60000"/>
@@ -5606,7 +8353,7 @@
               <a:t>Maathess</a:t>
             </a:r>
             <a:r>
-              <a:rPr lang="en-US" dirty="0">
+              <a:rPr lang="en-US">
                 <a:solidFill>
                   <a:schemeClr val="tx1">
                     <a:alpha val="60000"/>
@@ -6094,14 +8841,14 @@
               <a:buChar char="•"/>
             </a:pPr>
             <a:r>
-              <a:rPr lang="fr-FR" sz="2400" b="1" dirty="0">
+              <a:rPr lang="fr-FR" sz="2400" b="1">
                 <a:ea typeface="+mn-lt"/>
                 <a:cs typeface="+mn-lt"/>
               </a:rPr>
               <a:t>Ce que je retiens de ce projet</a:t>
             </a:r>
             <a:r>
-              <a:rPr lang="en-US" sz="2400" dirty="0">
+              <a:rPr lang="en-US" sz="2400">
                 <a:ea typeface="+mn-lt"/>
                 <a:cs typeface="+mn-lt"/>
               </a:rPr>
@@ -6114,20 +8861,20 @@
               <a:buChar char="•"/>
             </a:pPr>
             <a:r>
-              <a:rPr lang="fr-FR" sz="2400" b="1" dirty="0">
+              <a:rPr lang="fr-FR" sz="2400" b="1">
                 <a:ea typeface="+mn-lt"/>
                 <a:cs typeface="+mn-lt"/>
               </a:rPr>
               <a:t>Apport pédagogique</a:t>
             </a:r>
             <a:r>
-              <a:rPr lang="fr-FR" sz="2400" dirty="0">
+              <a:rPr lang="fr-FR" sz="2400">
                 <a:ea typeface="+mn-lt"/>
                 <a:cs typeface="+mn-lt"/>
               </a:rPr>
               <a:t> </a:t>
             </a:r>
-            <a:endParaRPr lang="en-US" sz="2400" dirty="0">
+            <a:endParaRPr lang="en-US" sz="2400">
               <a:ea typeface="+mn-lt"/>
               <a:cs typeface="+mn-lt"/>
             </a:endParaRPr>
@@ -6138,20 +8885,20 @@
               <a:buChar char="•"/>
             </a:pPr>
             <a:r>
-              <a:rPr lang="fr-FR" sz="2400" b="1" dirty="0">
+              <a:rPr lang="fr-FR" sz="2400" b="1">
                 <a:ea typeface="+mn-lt"/>
                 <a:cs typeface="+mn-lt"/>
               </a:rPr>
               <a:t>Apport professionnel </a:t>
             </a:r>
             <a:r>
-              <a:rPr lang="fr-FR" sz="2400" dirty="0">
+              <a:rPr lang="fr-FR" sz="2400">
                 <a:ea typeface="+mn-lt"/>
                 <a:cs typeface="+mn-lt"/>
               </a:rPr>
               <a:t> </a:t>
             </a:r>
-            <a:endParaRPr lang="en-US" sz="2400" dirty="0">
+            <a:endParaRPr lang="en-US" sz="2400">
               <a:ea typeface="+mn-lt"/>
               <a:cs typeface="+mn-lt"/>
             </a:endParaRPr>
@@ -6162,20 +8909,20 @@
               <a:buChar char="•"/>
             </a:pPr>
             <a:r>
-              <a:rPr lang="fr-FR" sz="2400" b="1" dirty="0">
+              <a:rPr lang="fr-FR" sz="2400" b="1">
                 <a:ea typeface="+mn-lt"/>
                 <a:cs typeface="+mn-lt"/>
               </a:rPr>
               <a:t>Apport personnel</a:t>
             </a:r>
             <a:r>
-              <a:rPr lang="fr-FR" sz="2400" dirty="0">
+              <a:rPr lang="fr-FR" sz="2400">
                 <a:ea typeface="+mn-lt"/>
                 <a:cs typeface="+mn-lt"/>
               </a:rPr>
               <a:t> </a:t>
             </a:r>
-            <a:endParaRPr lang="en-US" sz="2400" dirty="0">
+            <a:endParaRPr lang="en-US" sz="2400">
               <a:ea typeface="+mn-lt"/>
               <a:cs typeface="+mn-lt"/>
             </a:endParaRPr>
@@ -6188,57 +8935,6 @@
             <a:endParaRPr lang="fr-FR" sz="2400" b="1">
               <a:cs typeface="Calibri"/>
             </a:endParaRPr>
-          </a:p>
-        </p:txBody>
-      </p:sp>
-      <p:sp>
-        <p:nvSpPr>
-          <p:cNvPr id="12" name="ZoneTexte 11">
-            <a:extLst>
-              <a:ext uri="{FF2B5EF4-FFF2-40B4-BE49-F238E27FC236}">
-                <a16:creationId xmlns:a16="http://schemas.microsoft.com/office/drawing/2014/main" id="{D9B17CFD-9002-488B-9A73-36CE2757BCD0}"/>
-              </a:ext>
-            </a:extLst>
-          </p:cNvPr>
-          <p:cNvSpPr txBox="1"/>
-          <p:nvPr/>
-        </p:nvSpPr>
-        <p:spPr>
-          <a:xfrm>
-            <a:off x="6286268" y="4925535"/>
-            <a:ext cx="12158420" cy="738664"/>
-          </a:xfrm>
-          <a:prstGeom prst="rect">
-            <a:avLst/>
-          </a:prstGeom>
-          <a:noFill/>
-        </p:spPr>
-        <p:txBody>
-          <a:bodyPr rot="0" spcFirstLastPara="0" vertOverflow="overflow" horzOverflow="overflow" vert="horz" wrap="square" lIns="91440" tIns="45720" rIns="91440" bIns="45720" numCol="1" spcCol="0" rtlCol="0" fromWordArt="0" anchor="t" anchorCtr="0" forceAA="0" compatLnSpc="1">
-            <a:prstTxWarp prst="textNoShape">
-              <a:avLst/>
-            </a:prstTxWarp>
-            <a:spAutoFit/>
-          </a:bodyPr>
-          <a:lstStyle/>
-          <a:p>
-            <a:endParaRPr lang="fr-FR">
-              <a:cs typeface="Arial"/>
-            </a:endParaRPr>
-          </a:p>
-          <a:p>
-            <a:pPr>
-              <a:buFont typeface="Arial"/>
-              <a:buChar char="•"/>
-            </a:pPr>
-            <a:r>
-              <a:rPr lang="fr-FR" sz="2400" b="1">
-                <a:ea typeface="+mn-lt"/>
-                <a:cs typeface="+mn-lt"/>
-              </a:rPr>
-              <a:t> Ouverture</a:t>
-            </a:r>
-            <a:endParaRPr lang="fr-FR"/>
           </a:p>
         </p:txBody>
       </p:sp>
@@ -6252,13 +8948,13 @@
   <p:clrMapOvr>
     <a:masterClrMapping/>
   </p:clrMapOvr>
-  <mc:AlternateContent xmlns:mc="http://schemas.openxmlformats.org/markup-compatibility/2006">
-    <mc:Choice xmlns:p14="http://schemas.microsoft.com/office/powerpoint/2010/main" Requires="p14">
+  <mc:AlternateContent xmlns:mc="http://schemas.openxmlformats.org/markup-compatibility/2006" xmlns:p14="http://schemas.microsoft.com/office/powerpoint/2010/main">
+    <mc:Choice Requires="p14">
       <p:transition spd="med" p14:dur="700">
         <p:fade/>
       </p:transition>
     </mc:Choice>
-    <mc:Fallback>
+    <mc:Fallback xmlns="">
       <p:transition spd="med">
         <p:fade/>
       </p:transition>
@@ -6351,7 +9047,7 @@
                                           </p:stCondLst>
                                         </p:cTn>
                                         <p:tgtEl>
-                                          <p:spTgt spid="9"/>
+                                          <p:spTgt spid="10"/>
                                         </p:tgtEl>
                                         <p:attrNameLst>
                                           <p:attrName>style.visibility</p:attrName>
@@ -6365,7 +9061,7 @@
                                       <p:cBhvr>
                                         <p:cTn id="12" dur="500"/>
                                         <p:tgtEl>
-                                          <p:spTgt spid="9"/>
+                                          <p:spTgt spid="10"/>
                                         </p:tgtEl>
                                       </p:cBhvr>
                                     </p:animEffect>
@@ -6404,7 +9100,7 @@
                                           </p:stCondLst>
                                         </p:cTn>
                                         <p:tgtEl>
-                                          <p:spTgt spid="10"/>
+                                          <p:spTgt spid="11"/>
                                         </p:tgtEl>
                                         <p:attrNameLst>
                                           <p:attrName>style.visibility</p:attrName>
@@ -6418,7 +9114,7 @@
                                       <p:cBhvr>
                                         <p:cTn id="17" dur="500"/>
                                         <p:tgtEl>
-                                          <p:spTgt spid="10"/>
+                                          <p:spTgt spid="11"/>
                                         </p:tgtEl>
                                       </p:cBhvr>
                                     </p:animEffect>
@@ -6457,7 +9153,7 @@
                                           </p:stCondLst>
                                         </p:cTn>
                                         <p:tgtEl>
-                                          <p:spTgt spid="11"/>
+                                          <p:spTgt spid="9"/>
                                         </p:tgtEl>
                                         <p:attrNameLst>
                                           <p:attrName>style.visibility</p:attrName>
@@ -6471,60 +9167,7 @@
                                       <p:cBhvr>
                                         <p:cTn id="22" dur="500"/>
                                         <p:tgtEl>
-                                          <p:spTgt spid="11"/>
-                                        </p:tgtEl>
-                                      </p:cBhvr>
-                                    </p:animEffect>
-                                  </p:childTnLst>
-                                </p:cTn>
-                              </p:par>
-                            </p:childTnLst>
-                          </p:cTn>
-                        </p:par>
-                      </p:childTnLst>
-                    </p:cTn>
-                  </p:par>
-                  <p:par>
-                    <p:cTn id="23" fill="hold">
-                      <p:stCondLst>
-                        <p:cond delay="indefinite"/>
-                      </p:stCondLst>
-                      <p:childTnLst>
-                        <p:par>
-                          <p:cTn id="24" fill="hold">
-                            <p:stCondLst>
-                              <p:cond delay="0"/>
-                            </p:stCondLst>
-                            <p:childTnLst>
-                              <p:par>
-                                <p:cTn id="25" presetID="10" presetClass="entr" presetSubtype="0" fill="hold" grpId="0" nodeType="clickEffect">
-                                  <p:stCondLst>
-                                    <p:cond delay="0"/>
-                                  </p:stCondLst>
-                                  <p:childTnLst>
-                                    <p:set>
-                                      <p:cBhvr>
-                                        <p:cTn id="26" dur="1" fill="hold">
-                                          <p:stCondLst>
-                                            <p:cond delay="0"/>
-                                          </p:stCondLst>
-                                        </p:cTn>
-                                        <p:tgtEl>
-                                          <p:spTgt spid="12"/>
-                                        </p:tgtEl>
-                                        <p:attrNameLst>
-                                          <p:attrName>style.visibility</p:attrName>
-                                        </p:attrNameLst>
-                                      </p:cBhvr>
-                                      <p:to>
-                                        <p:strVal val="visible"/>
-                                      </p:to>
-                                    </p:set>
-                                    <p:animEffect transition="in" filter="fade">
-                                      <p:cBhvr>
-                                        <p:cTn id="27" dur="500"/>
-                                        <p:tgtEl>
-                                          <p:spTgt spid="12"/>
+                                          <p:spTgt spid="9"/>
                                         </p:tgtEl>
                                       </p:cBhvr>
                                     </p:animEffect>
@@ -6563,13 +9206,996 @@
       <p:bldP spid="9" grpId="0"/>
       <p:bldP spid="10" grpId="0"/>
       <p:bldP spid="11" grpId="0"/>
-      <p:bldP spid="12" grpId="0"/>
     </p:bldLst>
   </p:timing>
 </p:sld>
 </file>
 
-<file path=ppt/slides/slide11.xml><?xml version="1.0" encoding="utf-8"?>
+<file path=ppt/slides/slide15.xml><?xml version="1.0" encoding="utf-8"?>
+<p:sld xmlns:a="http://schemas.openxmlformats.org/drawingml/2006/main" xmlns:r="http://schemas.openxmlformats.org/officeDocument/2006/relationships" xmlns:p="http://schemas.openxmlformats.org/presentationml/2006/main">
+  <p:cSld>
+    <p:bg>
+      <p:bgPr>
+        <a:solidFill>
+          <a:schemeClr val="bg1"/>
+        </a:solidFill>
+        <a:effectLst/>
+      </p:bgPr>
+    </p:bg>
+    <p:spTree>
+      <p:nvGrpSpPr>
+        <p:cNvPr id="1" name=""/>
+        <p:cNvGrpSpPr/>
+        <p:nvPr/>
+      </p:nvGrpSpPr>
+      <p:grpSpPr>
+        <a:xfrm>
+          <a:off x="0" y="0"/>
+          <a:ext cx="0" cy="0"/>
+          <a:chOff x="0" y="0"/>
+          <a:chExt cx="0" cy="0"/>
+        </a:xfrm>
+      </p:grpSpPr>
+      <p:sp useBgFill="1">
+        <p:nvSpPr>
+          <p:cNvPr id="27" name="Rectangle 26">
+            <a:extLst>
+              <a:ext uri="{FF2B5EF4-FFF2-40B4-BE49-F238E27FC236}">
+                <a16:creationId xmlns:a16="http://schemas.microsoft.com/office/drawing/2014/main" id="{A2679492-7988-4050-9056-542444452411}"/>
+              </a:ext>
+              <a:ext uri="{C183D7F6-B498-43B3-948B-1728B52AA6E4}">
+                <adec:decorative xmlns:adec="http://schemas.microsoft.com/office/drawing/2017/decorative" val="1"/>
+              </a:ext>
+            </a:extLst>
+          </p:cNvPr>
+          <p:cNvSpPr>
+            <a:spLocks noGrp="1" noRot="1" noChangeAspect="1" noMove="1" noResize="1" noEditPoints="1" noAdjustHandles="1" noChangeArrowheads="1" noChangeShapeType="1" noTextEdit="1"/>
+          </p:cNvSpPr>
+          <p:nvPr>
+            <p:extLst>
+              <p:ext uri="{386F3935-93C4-4BCD-93E2-E3B085C9AB24}">
+                <p16:designElem xmlns:p16="http://schemas.microsoft.com/office/powerpoint/2015/main" val="1"/>
+              </p:ext>
+            </p:extLst>
+          </p:nvPr>
+        </p:nvSpPr>
+        <p:spPr>
+          <a:xfrm>
+            <a:off x="0" y="0"/>
+            <a:ext cx="12192000" cy="6858000"/>
+          </a:xfrm>
+          <a:prstGeom prst="rect">
+            <a:avLst/>
+          </a:prstGeom>
+          <a:ln>
+            <a:noFill/>
+          </a:ln>
+        </p:spPr>
+        <p:style>
+          <a:lnRef idx="2">
+            <a:schemeClr val="accent1">
+              <a:shade val="50000"/>
+            </a:schemeClr>
+          </a:lnRef>
+          <a:fillRef idx="1">
+            <a:schemeClr val="accent1"/>
+          </a:fillRef>
+          <a:effectRef idx="0">
+            <a:schemeClr val="accent1"/>
+          </a:effectRef>
+          <a:fontRef idx="minor">
+            <a:schemeClr val="lt1"/>
+          </a:fontRef>
+        </p:style>
+        <p:txBody>
+          <a:bodyPr rtlCol="0" anchor="ctr"/>
+          <a:lstStyle/>
+          <a:p>
+            <a:pPr algn="ctr"/>
+            <a:endParaRPr lang="en-US"/>
+          </a:p>
+        </p:txBody>
+      </p:sp>
+      <p:sp>
+        <p:nvSpPr>
+          <p:cNvPr id="29" name="Rectangle 28">
+            <a:extLst>
+              <a:ext uri="{FF2B5EF4-FFF2-40B4-BE49-F238E27FC236}">
+                <a16:creationId xmlns:a16="http://schemas.microsoft.com/office/drawing/2014/main" id="{B091B163-7D61-4891-ABCF-5C13D9C418D0}"/>
+              </a:ext>
+              <a:ext uri="{C183D7F6-B498-43B3-948B-1728B52AA6E4}">
+                <adec:decorative xmlns:adec="http://schemas.microsoft.com/office/drawing/2017/decorative" val="1"/>
+              </a:ext>
+            </a:extLst>
+          </p:cNvPr>
+          <p:cNvSpPr>
+            <a:spLocks noGrp="1" noRot="1" noChangeAspect="1" noMove="1" noResize="1" noEditPoints="1" noAdjustHandles="1" noChangeArrowheads="1" noChangeShapeType="1" noTextEdit="1"/>
+          </p:cNvSpPr>
+          <p:nvPr>
+            <p:extLst>
+              <p:ext uri="{386F3935-93C4-4BCD-93E2-E3B085C9AB24}">
+                <p16:designElem xmlns:p16="http://schemas.microsoft.com/office/powerpoint/2015/main" val="1"/>
+              </p:ext>
+            </p:extLst>
+          </p:nvPr>
+        </p:nvSpPr>
+        <p:spPr>
+          <a:xfrm>
+            <a:off x="0" y="0"/>
+            <a:ext cx="5779911" cy="6858000"/>
+          </a:xfrm>
+          <a:prstGeom prst="rect">
+            <a:avLst/>
+          </a:prstGeom>
+          <a:gradFill flip="none" rotWithShape="1">
+            <a:gsLst>
+              <a:gs pos="0">
+                <a:schemeClr val="accent1"/>
+              </a:gs>
+              <a:gs pos="100000">
+                <a:schemeClr val="accent2"/>
+              </a:gs>
+            </a:gsLst>
+            <a:lin ang="2700000" scaled="1"/>
+            <a:tileRect/>
+          </a:gradFill>
+          <a:ln>
+            <a:noFill/>
+          </a:ln>
+        </p:spPr>
+        <p:style>
+          <a:lnRef idx="2">
+            <a:schemeClr val="accent1">
+              <a:shade val="50000"/>
+            </a:schemeClr>
+          </a:lnRef>
+          <a:fillRef idx="1">
+            <a:schemeClr val="accent1"/>
+          </a:fillRef>
+          <a:effectRef idx="0">
+            <a:schemeClr val="accent1"/>
+          </a:effectRef>
+          <a:fontRef idx="minor">
+            <a:schemeClr val="lt1"/>
+          </a:fontRef>
+        </p:style>
+        <p:txBody>
+          <a:bodyPr rtlCol="0" anchor="ctr"/>
+          <a:lstStyle/>
+          <a:p>
+            <a:pPr algn="ctr"/>
+            <a:endParaRPr lang="en-US">
+              <a:solidFill>
+                <a:schemeClr val="tx1"/>
+              </a:solidFill>
+            </a:endParaRPr>
+          </a:p>
+        </p:txBody>
+      </p:sp>
+      <p:sp>
+        <p:nvSpPr>
+          <p:cNvPr id="2" name="Titre 1">
+            <a:extLst>
+              <a:ext uri="{FF2B5EF4-FFF2-40B4-BE49-F238E27FC236}">
+                <a16:creationId xmlns:a16="http://schemas.microsoft.com/office/drawing/2014/main" id="{3696F46D-E716-4F2D-A9A6-8B5AB29058BA}"/>
+              </a:ext>
+            </a:extLst>
+          </p:cNvPr>
+          <p:cNvSpPr>
+            <a:spLocks noGrp="1"/>
+          </p:cNvSpPr>
+          <p:nvPr>
+            <p:ph type="title"/>
+          </p:nvPr>
+        </p:nvSpPr>
+        <p:spPr>
+          <a:xfrm>
+            <a:off x="592483" y="381935"/>
+            <a:ext cx="4604169" cy="5974414"/>
+          </a:xfrm>
+        </p:spPr>
+        <p:txBody>
+          <a:bodyPr vert="horz" lIns="91440" tIns="45720" rIns="91440" bIns="45720" rtlCol="0" anchor="ctr">
+            <a:normAutofit/>
+          </a:bodyPr>
+          <a:lstStyle/>
+          <a:p>
+            <a:r>
+              <a:rPr lang="en-US" sz="8000" b="1" err="1">
+                <a:solidFill>
+                  <a:srgbClr val="FFFFFF"/>
+                </a:solidFill>
+                <a:cs typeface="Calibri Light"/>
+              </a:rPr>
+              <a:t>Ouverture</a:t>
+            </a:r>
+            <a:endParaRPr lang="en-US" sz="8000" b="1" kern="1200">
+              <a:solidFill>
+                <a:srgbClr val="FFFFFF"/>
+              </a:solidFill>
+              <a:latin typeface="+mj-lt"/>
+              <a:cs typeface="Calibri Light"/>
+            </a:endParaRPr>
+          </a:p>
+        </p:txBody>
+      </p:sp>
+      <p:grpSp>
+        <p:nvGrpSpPr>
+          <p:cNvPr id="31" name="Group 30">
+            <a:extLst>
+              <a:ext uri="{FF2B5EF4-FFF2-40B4-BE49-F238E27FC236}">
+                <a16:creationId xmlns:a16="http://schemas.microsoft.com/office/drawing/2014/main" id="{0474DF76-993E-44DE-AFB0-C416182ACECF}"/>
+              </a:ext>
+              <a:ext uri="{C183D7F6-B498-43B3-948B-1728B52AA6E4}">
+                <adec:decorative xmlns:adec="http://schemas.microsoft.com/office/drawing/2017/decorative" val="1"/>
+              </a:ext>
+            </a:extLst>
+          </p:cNvPr>
+          <p:cNvGrpSpPr>
+            <a:grpSpLocks noGrp="1" noUngrp="1" noRot="1" noChangeAspect="1" noMove="1" noResize="1"/>
+          </p:cNvGrpSpPr>
+          <p:nvPr>
+            <p:extLst>
+              <p:ext uri="{386F3935-93C4-4BCD-93E2-E3B085C9AB24}">
+                <p16:designElem xmlns:p16="http://schemas.microsoft.com/office/powerpoint/2015/main" val="1"/>
+              </p:ext>
+            </p:extLst>
+          </p:nvPr>
+        </p:nvGrpSpPr>
+        <p:grpSpPr>
+          <a:xfrm>
+            <a:off x="613892" y="554152"/>
+            <a:ext cx="574177" cy="1075866"/>
+            <a:chOff x="613892" y="554152"/>
+            <a:chExt cx="574177" cy="1075866"/>
+          </a:xfrm>
+          <a:solidFill>
+            <a:srgbClr val="FFFFFF"/>
+          </a:solidFill>
+        </p:grpSpPr>
+        <p:sp>
+          <p:nvSpPr>
+            <p:cNvPr id="32" name="Graphic 11">
+              <a:extLst>
+                <a:ext uri="{FF2B5EF4-FFF2-40B4-BE49-F238E27FC236}">
+                  <a16:creationId xmlns:a16="http://schemas.microsoft.com/office/drawing/2014/main" id="{6CB927A4-E432-4310-9CD5-E89FF5063179}"/>
+                </a:ext>
+                <a:ext uri="{C183D7F6-B498-43B3-948B-1728B52AA6E4}">
+                  <adec:decorative xmlns:adec="http://schemas.microsoft.com/office/drawing/2017/decorative" val="1"/>
+                </a:ext>
+              </a:extLst>
+            </p:cNvPr>
+            <p:cNvSpPr/>
+            <p:nvPr>
+              <p:extLst>
+                <p:ext uri="{386F3935-93C4-4BCD-93E2-E3B085C9AB24}">
+                  <p16:designElem xmlns:p16="http://schemas.microsoft.com/office/powerpoint/2015/main" val="1"/>
+                </p:ext>
+              </p:extLst>
+            </p:nvPr>
+          </p:nvSpPr>
+          <p:spPr>
+            <a:xfrm>
+              <a:off x="633061" y="554152"/>
+              <a:ext cx="171515" cy="171515"/>
+            </a:xfrm>
+            <a:custGeom>
+              <a:avLst/>
+              <a:gdLst>
+                <a:gd name="connsiteX0" fmla="*/ 159874 w 171515"/>
+                <a:gd name="connsiteY0" fmla="*/ 74116 h 171515"/>
+                <a:gd name="connsiteX1" fmla="*/ 97399 w 171515"/>
+                <a:gd name="connsiteY1" fmla="*/ 74116 h 171515"/>
+                <a:gd name="connsiteX2" fmla="*/ 97399 w 171515"/>
+                <a:gd name="connsiteY2" fmla="*/ 11641 h 171515"/>
+                <a:gd name="connsiteX3" fmla="*/ 85758 w 171515"/>
+                <a:gd name="connsiteY3" fmla="*/ 0 h 171515"/>
+                <a:gd name="connsiteX4" fmla="*/ 74116 w 171515"/>
+                <a:gd name="connsiteY4" fmla="*/ 11641 h 171515"/>
+                <a:gd name="connsiteX5" fmla="*/ 74116 w 171515"/>
+                <a:gd name="connsiteY5" fmla="*/ 74116 h 171515"/>
+                <a:gd name="connsiteX6" fmla="*/ 11641 w 171515"/>
+                <a:gd name="connsiteY6" fmla="*/ 74116 h 171515"/>
+                <a:gd name="connsiteX7" fmla="*/ 0 w 171515"/>
+                <a:gd name="connsiteY7" fmla="*/ 85758 h 171515"/>
+                <a:gd name="connsiteX8" fmla="*/ 11641 w 171515"/>
+                <a:gd name="connsiteY8" fmla="*/ 97399 h 171515"/>
+                <a:gd name="connsiteX9" fmla="*/ 74116 w 171515"/>
+                <a:gd name="connsiteY9" fmla="*/ 97399 h 171515"/>
+                <a:gd name="connsiteX10" fmla="*/ 74116 w 171515"/>
+                <a:gd name="connsiteY10" fmla="*/ 159874 h 171515"/>
+                <a:gd name="connsiteX11" fmla="*/ 85758 w 171515"/>
+                <a:gd name="connsiteY11" fmla="*/ 171515 h 171515"/>
+                <a:gd name="connsiteX12" fmla="*/ 97399 w 171515"/>
+                <a:gd name="connsiteY12" fmla="*/ 159874 h 171515"/>
+                <a:gd name="connsiteX13" fmla="*/ 97399 w 171515"/>
+                <a:gd name="connsiteY13" fmla="*/ 97399 h 171515"/>
+                <a:gd name="connsiteX14" fmla="*/ 159874 w 171515"/>
+                <a:gd name="connsiteY14" fmla="*/ 97399 h 171515"/>
+                <a:gd name="connsiteX15" fmla="*/ 171515 w 171515"/>
+                <a:gd name="connsiteY15" fmla="*/ 85758 h 171515"/>
+                <a:gd name="connsiteX16" fmla="*/ 159874 w 171515"/>
+                <a:gd name="connsiteY16" fmla="*/ 74116 h 171515"/>
+              </a:gdLst>
+              <a:ahLst/>
+              <a:cxnLst>
+                <a:cxn ang="0">
+                  <a:pos x="connsiteX0" y="connsiteY0"/>
+                </a:cxn>
+                <a:cxn ang="0">
+                  <a:pos x="connsiteX1" y="connsiteY1"/>
+                </a:cxn>
+                <a:cxn ang="0">
+                  <a:pos x="connsiteX2" y="connsiteY2"/>
+                </a:cxn>
+                <a:cxn ang="0">
+                  <a:pos x="connsiteX3" y="connsiteY3"/>
+                </a:cxn>
+                <a:cxn ang="0">
+                  <a:pos x="connsiteX4" y="connsiteY4"/>
+                </a:cxn>
+                <a:cxn ang="0">
+                  <a:pos x="connsiteX5" y="connsiteY5"/>
+                </a:cxn>
+                <a:cxn ang="0">
+                  <a:pos x="connsiteX6" y="connsiteY6"/>
+                </a:cxn>
+                <a:cxn ang="0">
+                  <a:pos x="connsiteX7" y="connsiteY7"/>
+                </a:cxn>
+                <a:cxn ang="0">
+                  <a:pos x="connsiteX8" y="connsiteY8"/>
+                </a:cxn>
+                <a:cxn ang="0">
+                  <a:pos x="connsiteX9" y="connsiteY9"/>
+                </a:cxn>
+                <a:cxn ang="0">
+                  <a:pos x="connsiteX10" y="connsiteY10"/>
+                </a:cxn>
+                <a:cxn ang="0">
+                  <a:pos x="connsiteX11" y="connsiteY11"/>
+                </a:cxn>
+                <a:cxn ang="0">
+                  <a:pos x="connsiteX12" y="connsiteY12"/>
+                </a:cxn>
+                <a:cxn ang="0">
+                  <a:pos x="connsiteX13" y="connsiteY13"/>
+                </a:cxn>
+                <a:cxn ang="0">
+                  <a:pos x="connsiteX14" y="connsiteY14"/>
+                </a:cxn>
+                <a:cxn ang="0">
+                  <a:pos x="connsiteX15" y="connsiteY15"/>
+                </a:cxn>
+                <a:cxn ang="0">
+                  <a:pos x="connsiteX16" y="connsiteY16"/>
+                </a:cxn>
+              </a:cxnLst>
+              <a:rect l="l" t="t" r="r" b="b"/>
+              <a:pathLst>
+                <a:path w="171515" h="171515">
+                  <a:moveTo>
+                    <a:pt x="159874" y="74116"/>
+                  </a:moveTo>
+                  <a:lnTo>
+                    <a:pt x="97399" y="74116"/>
+                  </a:lnTo>
+                  <a:lnTo>
+                    <a:pt x="97399" y="11641"/>
+                  </a:lnTo>
+                  <a:cubicBezTo>
+                    <a:pt x="97399" y="5212"/>
+                    <a:pt x="92187" y="0"/>
+                    <a:pt x="85758" y="0"/>
+                  </a:cubicBezTo>
+                  <a:cubicBezTo>
+                    <a:pt x="79328" y="0"/>
+                    <a:pt x="74116" y="5212"/>
+                    <a:pt x="74116" y="11641"/>
+                  </a:cubicBezTo>
+                  <a:lnTo>
+                    <a:pt x="74116" y="74116"/>
+                  </a:lnTo>
+                  <a:lnTo>
+                    <a:pt x="11641" y="74116"/>
+                  </a:lnTo>
+                  <a:cubicBezTo>
+                    <a:pt x="5212" y="74116"/>
+                    <a:pt x="0" y="79328"/>
+                    <a:pt x="0" y="85758"/>
+                  </a:cubicBezTo>
+                  <a:cubicBezTo>
+                    <a:pt x="0" y="92187"/>
+                    <a:pt x="5212" y="97399"/>
+                    <a:pt x="11641" y="97399"/>
+                  </a:cubicBezTo>
+                  <a:lnTo>
+                    <a:pt x="74116" y="97399"/>
+                  </a:lnTo>
+                  <a:lnTo>
+                    <a:pt x="74116" y="159874"/>
+                  </a:lnTo>
+                  <a:cubicBezTo>
+                    <a:pt x="74116" y="166303"/>
+                    <a:pt x="79328" y="171515"/>
+                    <a:pt x="85758" y="171515"/>
+                  </a:cubicBezTo>
+                  <a:cubicBezTo>
+                    <a:pt x="92187" y="171515"/>
+                    <a:pt x="97399" y="166303"/>
+                    <a:pt x="97399" y="159874"/>
+                  </a:cubicBezTo>
+                  <a:lnTo>
+                    <a:pt x="97399" y="97399"/>
+                  </a:lnTo>
+                  <a:lnTo>
+                    <a:pt x="159874" y="97399"/>
+                  </a:lnTo>
+                  <a:cubicBezTo>
+                    <a:pt x="166303" y="97399"/>
+                    <a:pt x="171515" y="92187"/>
+                    <a:pt x="171515" y="85758"/>
+                  </a:cubicBezTo>
+                  <a:cubicBezTo>
+                    <a:pt x="171515" y="79328"/>
+                    <a:pt x="166303" y="74116"/>
+                    <a:pt x="159874" y="74116"/>
+                  </a:cubicBezTo>
+                  <a:close/>
+                </a:path>
+              </a:pathLst>
+            </a:custGeom>
+            <a:grpFill/>
+            <a:ln w="776" cap="flat">
+              <a:noFill/>
+              <a:prstDash val="solid"/>
+              <a:miter/>
+            </a:ln>
+          </p:spPr>
+          <p:txBody>
+            <a:bodyPr rtlCol="0" anchor="ctr"/>
+            <a:lstStyle/>
+            <a:p>
+              <a:endParaRPr lang="en-US"/>
+            </a:p>
+          </p:txBody>
+        </p:sp>
+        <p:sp>
+          <p:nvSpPr>
+            <p:cNvPr id="33" name="Graphic 10">
+              <a:extLst>
+                <a:ext uri="{FF2B5EF4-FFF2-40B4-BE49-F238E27FC236}">
+                  <a16:creationId xmlns:a16="http://schemas.microsoft.com/office/drawing/2014/main" id="{E3020543-B24B-4EC4-8FFC-8DD88EEA91A8}"/>
+                </a:ext>
+                <a:ext uri="{C183D7F6-B498-43B3-948B-1728B52AA6E4}">
+                  <adec:decorative xmlns:adec="http://schemas.microsoft.com/office/drawing/2017/decorative" val="1"/>
+                </a:ext>
+              </a:extLst>
+            </p:cNvPr>
+            <p:cNvSpPr/>
+            <p:nvPr>
+              <p:extLst>
+                <p:ext uri="{386F3935-93C4-4BCD-93E2-E3B085C9AB24}">
+                  <p16:designElem xmlns:p16="http://schemas.microsoft.com/office/powerpoint/2015/main" val="1"/>
+                </p:ext>
+              </p:extLst>
+            </p:nvPr>
+          </p:nvSpPr>
+          <p:spPr>
+            <a:xfrm>
+              <a:off x="1075643" y="837005"/>
+              <a:ext cx="112426" cy="112426"/>
+            </a:xfrm>
+            <a:custGeom>
+              <a:avLst/>
+              <a:gdLst>
+                <a:gd name="connsiteX0" fmla="*/ 112426 w 112426"/>
+                <a:gd name="connsiteY0" fmla="*/ 56213 h 112426"/>
+                <a:gd name="connsiteX1" fmla="*/ 56213 w 112426"/>
+                <a:gd name="connsiteY1" fmla="*/ 112426 h 112426"/>
+                <a:gd name="connsiteX2" fmla="*/ 0 w 112426"/>
+                <a:gd name="connsiteY2" fmla="*/ 56213 h 112426"/>
+                <a:gd name="connsiteX3" fmla="*/ 56213 w 112426"/>
+                <a:gd name="connsiteY3" fmla="*/ 0 h 112426"/>
+                <a:gd name="connsiteX4" fmla="*/ 112426 w 112426"/>
+                <a:gd name="connsiteY4" fmla="*/ 56213 h 112426"/>
+              </a:gdLst>
+              <a:ahLst/>
+              <a:cxnLst>
+                <a:cxn ang="0">
+                  <a:pos x="connsiteX0" y="connsiteY0"/>
+                </a:cxn>
+                <a:cxn ang="0">
+                  <a:pos x="connsiteX1" y="connsiteY1"/>
+                </a:cxn>
+                <a:cxn ang="0">
+                  <a:pos x="connsiteX2" y="connsiteY2"/>
+                </a:cxn>
+                <a:cxn ang="0">
+                  <a:pos x="connsiteX3" y="connsiteY3"/>
+                </a:cxn>
+                <a:cxn ang="0">
+                  <a:pos x="connsiteX4" y="connsiteY4"/>
+                </a:cxn>
+              </a:cxnLst>
+              <a:rect l="l" t="t" r="r" b="b"/>
+              <a:pathLst>
+                <a:path w="112426" h="112426">
+                  <a:moveTo>
+                    <a:pt x="112426" y="56213"/>
+                  </a:moveTo>
+                  <a:cubicBezTo>
+                    <a:pt x="112426" y="87259"/>
+                    <a:pt x="87259" y="112426"/>
+                    <a:pt x="56213" y="112426"/>
+                  </a:cubicBezTo>
+                  <a:cubicBezTo>
+                    <a:pt x="25167" y="112426"/>
+                    <a:pt x="0" y="87259"/>
+                    <a:pt x="0" y="56213"/>
+                  </a:cubicBezTo>
+                  <a:cubicBezTo>
+                    <a:pt x="0" y="25167"/>
+                    <a:pt x="25167" y="0"/>
+                    <a:pt x="56213" y="0"/>
+                  </a:cubicBezTo>
+                  <a:cubicBezTo>
+                    <a:pt x="87259" y="0"/>
+                    <a:pt x="112426" y="25167"/>
+                    <a:pt x="112426" y="56213"/>
+                  </a:cubicBezTo>
+                  <a:close/>
+                </a:path>
+              </a:pathLst>
+            </a:custGeom>
+            <a:grpFill/>
+            <a:ln w="516" cap="flat">
+              <a:noFill/>
+              <a:prstDash val="solid"/>
+              <a:miter/>
+            </a:ln>
+          </p:spPr>
+          <p:txBody>
+            <a:bodyPr rtlCol="0" anchor="ctr"/>
+            <a:lstStyle/>
+            <a:p>
+              <a:endParaRPr lang="en-US"/>
+            </a:p>
+          </p:txBody>
+        </p:sp>
+        <p:sp>
+          <p:nvSpPr>
+            <p:cNvPr id="34" name="Graphic 12">
+              <a:extLst>
+                <a:ext uri="{FF2B5EF4-FFF2-40B4-BE49-F238E27FC236}">
+                  <a16:creationId xmlns:a16="http://schemas.microsoft.com/office/drawing/2014/main" id="{1453BF6C-B012-48B7-B4E8-6D7AC7C27D02}"/>
+                </a:ext>
+                <a:ext uri="{C183D7F6-B498-43B3-948B-1728B52AA6E4}">
+                  <adec:decorative xmlns:adec="http://schemas.microsoft.com/office/drawing/2017/decorative" val="1"/>
+                </a:ext>
+              </a:extLst>
+            </p:cNvPr>
+            <p:cNvSpPr/>
+            <p:nvPr>
+              <p:extLst>
+                <p:ext uri="{386F3935-93C4-4BCD-93E2-E3B085C9AB24}">
+                  <p16:designElem xmlns:p16="http://schemas.microsoft.com/office/powerpoint/2015/main" val="1"/>
+                </p:ext>
+              </p:extLst>
+            </p:nvPr>
+          </p:nvSpPr>
+          <p:spPr>
+            <a:xfrm>
+              <a:off x="613892" y="1472473"/>
+              <a:ext cx="157545" cy="157545"/>
+            </a:xfrm>
+            <a:custGeom>
+              <a:avLst/>
+              <a:gdLst>
+                <a:gd name="connsiteX0" fmla="*/ 78773 w 157545"/>
+                <a:gd name="connsiteY0" fmla="*/ 23283 h 157545"/>
+                <a:gd name="connsiteX1" fmla="*/ 134262 w 157545"/>
+                <a:gd name="connsiteY1" fmla="*/ 78773 h 157545"/>
+                <a:gd name="connsiteX2" fmla="*/ 78773 w 157545"/>
+                <a:gd name="connsiteY2" fmla="*/ 134262 h 157545"/>
+                <a:gd name="connsiteX3" fmla="*/ 23283 w 157545"/>
+                <a:gd name="connsiteY3" fmla="*/ 78773 h 157545"/>
+                <a:gd name="connsiteX4" fmla="*/ 78773 w 157545"/>
+                <a:gd name="connsiteY4" fmla="*/ 23283 h 157545"/>
+                <a:gd name="connsiteX5" fmla="*/ 78773 w 157545"/>
+                <a:gd name="connsiteY5" fmla="*/ 0 h 157545"/>
+                <a:gd name="connsiteX6" fmla="*/ 0 w 157545"/>
+                <a:gd name="connsiteY6" fmla="*/ 78773 h 157545"/>
+                <a:gd name="connsiteX7" fmla="*/ 78773 w 157545"/>
+                <a:gd name="connsiteY7" fmla="*/ 157545 h 157545"/>
+                <a:gd name="connsiteX8" fmla="*/ 157545 w 157545"/>
+                <a:gd name="connsiteY8" fmla="*/ 78773 h 157545"/>
+                <a:gd name="connsiteX9" fmla="*/ 78773 w 157545"/>
+                <a:gd name="connsiteY9" fmla="*/ 0 h 157545"/>
+              </a:gdLst>
+              <a:ahLst/>
+              <a:cxnLst>
+                <a:cxn ang="0">
+                  <a:pos x="connsiteX0" y="connsiteY0"/>
+                </a:cxn>
+                <a:cxn ang="0">
+                  <a:pos x="connsiteX1" y="connsiteY1"/>
+                </a:cxn>
+                <a:cxn ang="0">
+                  <a:pos x="connsiteX2" y="connsiteY2"/>
+                </a:cxn>
+                <a:cxn ang="0">
+                  <a:pos x="connsiteX3" y="connsiteY3"/>
+                </a:cxn>
+                <a:cxn ang="0">
+                  <a:pos x="connsiteX4" y="connsiteY4"/>
+                </a:cxn>
+                <a:cxn ang="0">
+                  <a:pos x="connsiteX5" y="connsiteY5"/>
+                </a:cxn>
+                <a:cxn ang="0">
+                  <a:pos x="connsiteX6" y="connsiteY6"/>
+                </a:cxn>
+                <a:cxn ang="0">
+                  <a:pos x="connsiteX7" y="connsiteY7"/>
+                </a:cxn>
+                <a:cxn ang="0">
+                  <a:pos x="connsiteX8" y="connsiteY8"/>
+                </a:cxn>
+                <a:cxn ang="0">
+                  <a:pos x="connsiteX9" y="connsiteY9"/>
+                </a:cxn>
+              </a:cxnLst>
+              <a:rect l="l" t="t" r="r" b="b"/>
+              <a:pathLst>
+                <a:path w="157545" h="157545">
+                  <a:moveTo>
+                    <a:pt x="78773" y="23283"/>
+                  </a:moveTo>
+                  <a:cubicBezTo>
+                    <a:pt x="109419" y="23283"/>
+                    <a:pt x="134262" y="48126"/>
+                    <a:pt x="134262" y="78773"/>
+                  </a:cubicBezTo>
+                  <a:cubicBezTo>
+                    <a:pt x="134262" y="109419"/>
+                    <a:pt x="109419" y="134262"/>
+                    <a:pt x="78773" y="134262"/>
+                  </a:cubicBezTo>
+                  <a:cubicBezTo>
+                    <a:pt x="48126" y="134262"/>
+                    <a:pt x="23283" y="109419"/>
+                    <a:pt x="23283" y="78773"/>
+                  </a:cubicBezTo>
+                  <a:cubicBezTo>
+                    <a:pt x="23312" y="48139"/>
+                    <a:pt x="48139" y="23312"/>
+                    <a:pt x="78773" y="23283"/>
+                  </a:cubicBezTo>
+                  <a:moveTo>
+                    <a:pt x="78773" y="0"/>
+                  </a:moveTo>
+                  <a:cubicBezTo>
+                    <a:pt x="35268" y="0"/>
+                    <a:pt x="0" y="35268"/>
+                    <a:pt x="0" y="78773"/>
+                  </a:cubicBezTo>
+                  <a:cubicBezTo>
+                    <a:pt x="0" y="122277"/>
+                    <a:pt x="35268" y="157545"/>
+                    <a:pt x="78773" y="157545"/>
+                  </a:cubicBezTo>
+                  <a:cubicBezTo>
+                    <a:pt x="122277" y="157545"/>
+                    <a:pt x="157545" y="122277"/>
+                    <a:pt x="157545" y="78773"/>
+                  </a:cubicBezTo>
+                  <a:cubicBezTo>
+                    <a:pt x="157545" y="35268"/>
+                    <a:pt x="122277" y="0"/>
+                    <a:pt x="78773" y="0"/>
+                  </a:cubicBezTo>
+                  <a:close/>
+                </a:path>
+              </a:pathLst>
+            </a:custGeom>
+            <a:grpFill/>
+            <a:ln w="751" cap="flat">
+              <a:noFill/>
+              <a:prstDash val="solid"/>
+              <a:miter/>
+            </a:ln>
+          </p:spPr>
+          <p:txBody>
+            <a:bodyPr rtlCol="0" anchor="ctr"/>
+            <a:lstStyle/>
+            <a:p>
+              <a:endParaRPr lang="en-US"/>
+            </a:p>
+          </p:txBody>
+        </p:sp>
+      </p:grpSp>
+      <p:sp>
+        <p:nvSpPr>
+          <p:cNvPr id="9" name="Espace réservé du contenu 8">
+            <a:extLst>
+              <a:ext uri="{FF2B5EF4-FFF2-40B4-BE49-F238E27FC236}">
+                <a16:creationId xmlns:a16="http://schemas.microsoft.com/office/drawing/2014/main" id="{CC93DF85-45D3-4654-93E9-B356C49C4BC2}"/>
+              </a:ext>
+            </a:extLst>
+          </p:cNvPr>
+          <p:cNvSpPr>
+            <a:spLocks noGrp="1"/>
+          </p:cNvSpPr>
+          <p:nvPr>
+            <p:ph idx="1"/>
+          </p:nvPr>
+        </p:nvSpPr>
+        <p:spPr>
+          <a:xfrm>
+            <a:off x="6297233" y="518400"/>
+            <a:ext cx="4771607" cy="5837949"/>
+          </a:xfrm>
+        </p:spPr>
+        <p:txBody>
+          <a:bodyPr vert="horz" lIns="91440" tIns="45720" rIns="91440" bIns="45720" rtlCol="0" anchor="ctr">
+            <a:normAutofit/>
+          </a:bodyPr>
+          <a:lstStyle/>
+          <a:p>
+            <a:pPr marL="0" indent="0" algn="ctr">
+              <a:buNone/>
+            </a:pPr>
+            <a:r>
+              <a:rPr lang="en-US" sz="2000">
+                <a:solidFill>
+                  <a:schemeClr val="tx1">
+                    <a:alpha val="80000"/>
+                  </a:schemeClr>
+                </a:solidFill>
+              </a:rPr>
+              <a:t>Gestion d'un projet</a:t>
+            </a:r>
+            <a:endParaRPr lang="fr-FR">
+              <a:cs typeface="Calibri" panose="020F0502020204030204"/>
+            </a:endParaRPr>
+          </a:p>
+        </p:txBody>
+      </p:sp>
+      <p:cxnSp>
+        <p:nvCxnSpPr>
+          <p:cNvPr id="36" name="Straight Connector 35">
+            <a:extLst>
+              <a:ext uri="{FF2B5EF4-FFF2-40B4-BE49-F238E27FC236}">
+                <a16:creationId xmlns:a16="http://schemas.microsoft.com/office/drawing/2014/main" id="{C49DA8F6-BCC1-4447-B54C-57856834B94B}"/>
+              </a:ext>
+              <a:ext uri="{C183D7F6-B498-43B3-948B-1728B52AA6E4}">
+                <adec:decorative xmlns:adec="http://schemas.microsoft.com/office/drawing/2017/decorative" val="1"/>
+              </a:ext>
+            </a:extLst>
+          </p:cNvPr>
+          <p:cNvCxnSpPr>
+            <a:cxnSpLocks noGrp="1" noRot="1" noChangeAspect="1" noMove="1" noResize="1" noEditPoints="1" noAdjustHandles="1" noChangeArrowheads="1" noChangeShapeType="1"/>
+          </p:cNvCxnSpPr>
+          <p:nvPr>
+            <p:extLst>
+              <p:ext uri="{386F3935-93C4-4BCD-93E2-E3B085C9AB24}">
+                <p16:designElem xmlns:p16="http://schemas.microsoft.com/office/powerpoint/2015/main" val="1"/>
+              </p:ext>
+            </p:extLst>
+          </p:nvPr>
+        </p:nvCxnSpPr>
+        <p:spPr>
+          <a:xfrm>
+            <a:off x="11586162" y="3610394"/>
+            <a:ext cx="0" cy="3238728"/>
+          </a:xfrm>
+          <a:prstGeom prst="line">
+            <a:avLst/>
+          </a:prstGeom>
+          <a:ln w="25400" cap="sq">
+            <a:gradFill flip="none" rotWithShape="1">
+              <a:gsLst>
+                <a:gs pos="0">
+                  <a:schemeClr val="accent1"/>
+                </a:gs>
+                <a:gs pos="100000">
+                  <a:schemeClr val="accent2"/>
+                </a:gs>
+              </a:gsLst>
+              <a:lin ang="5400000" scaled="0"/>
+              <a:tileRect/>
+            </a:gradFill>
+            <a:bevel/>
+          </a:ln>
+        </p:spPr>
+        <p:style>
+          <a:lnRef idx="1">
+            <a:schemeClr val="accent1"/>
+          </a:lnRef>
+          <a:fillRef idx="0">
+            <a:schemeClr val="accent1"/>
+          </a:fillRef>
+          <a:effectRef idx="0">
+            <a:schemeClr val="accent1"/>
+          </a:effectRef>
+          <a:fontRef idx="minor">
+            <a:schemeClr val="tx1"/>
+          </a:fontRef>
+        </p:style>
+      </p:cxnSp>
+      <p:sp>
+        <p:nvSpPr>
+          <p:cNvPr id="6" name="Espace réservé du pied de page 3">
+            <a:extLst>
+              <a:ext uri="{FF2B5EF4-FFF2-40B4-BE49-F238E27FC236}">
+                <a16:creationId xmlns:a16="http://schemas.microsoft.com/office/drawing/2014/main" id="{C20B3060-7884-4D21-99F3-ACF06CFC19DD}"/>
+              </a:ext>
+            </a:extLst>
+          </p:cNvPr>
+          <p:cNvSpPr>
+            <a:spLocks noGrp="1"/>
+          </p:cNvSpPr>
+          <p:nvPr>
+            <p:ph type="ftr" sz="quarter" idx="11"/>
+          </p:nvPr>
+        </p:nvSpPr>
+        <p:spPr>
+          <a:xfrm>
+            <a:off x="6907889" y="6494164"/>
+            <a:ext cx="3548094" cy="365125"/>
+          </a:xfrm>
+        </p:spPr>
+        <p:txBody>
+          <a:bodyPr>
+            <a:normAutofit/>
+          </a:bodyPr>
+          <a:lstStyle/>
+          <a:p>
+            <a:pPr>
+              <a:spcAft>
+                <a:spcPts val="600"/>
+              </a:spcAft>
+            </a:pPr>
+            <a:r>
+              <a:rPr lang="en-US">
+                <a:solidFill>
+                  <a:schemeClr val="tx1">
+                    <a:alpha val="60000"/>
+                  </a:schemeClr>
+                </a:solidFill>
+              </a:rPr>
+              <a:t>Maathess Kothandapani</a:t>
+            </a:r>
+            <a:endParaRPr lang="en-US">
+              <a:solidFill>
+                <a:schemeClr val="tx1">
+                  <a:alpha val="60000"/>
+                </a:schemeClr>
+              </a:solidFill>
+              <a:cs typeface="Calibri"/>
+            </a:endParaRPr>
+          </a:p>
+        </p:txBody>
+      </p:sp>
+    </p:spTree>
+    <p:extLst>
+      <p:ext uri="{BB962C8B-B14F-4D97-AF65-F5344CB8AC3E}">
+        <p14:creationId xmlns:p14="http://schemas.microsoft.com/office/powerpoint/2010/main" val="46001515"/>
+      </p:ext>
+    </p:extLst>
+  </p:cSld>
+  <p:clrMapOvr>
+    <a:masterClrMapping/>
+  </p:clrMapOvr>
+  <mc:AlternateContent xmlns:mc="http://schemas.openxmlformats.org/markup-compatibility/2006" xmlns:p14="http://schemas.microsoft.com/office/powerpoint/2010/main">
+    <mc:Choice Requires="p14">
+      <p:transition spd="med" p14:dur="700">
+        <p:fade/>
+      </p:transition>
+    </mc:Choice>
+    <mc:Fallback xmlns="">
+      <p:transition spd="med">
+        <p:fade/>
+      </p:transition>
+    </mc:Fallback>
+  </mc:AlternateContent>
+  <p:timing>
+    <p:tnLst>
+      <p:par>
+        <p:cTn id="1" dur="indefinite" restart="never" nodeType="tmRoot">
+          <p:childTnLst>
+            <p:seq concurrent="1" nextAc="seek">
+              <p:cTn id="2" dur="indefinite" nodeType="mainSeq">
+                <p:childTnLst>
+                  <p:par>
+                    <p:cTn id="3" fill="hold">
+                      <p:stCondLst>
+                        <p:cond delay="indefinite"/>
+                        <p:cond evt="onBegin" delay="0">
+                          <p:tn val="2"/>
+                        </p:cond>
+                      </p:stCondLst>
+                      <p:childTnLst>
+                        <p:par>
+                          <p:cTn id="4" fill="hold">
+                            <p:stCondLst>
+                              <p:cond delay="0"/>
+                            </p:stCondLst>
+                            <p:childTnLst>
+                              <p:par>
+                                <p:cTn id="5" presetID="10" presetClass="entr" presetSubtype="0" fill="hold" grpId="0" nodeType="withEffect">
+                                  <p:stCondLst>
+                                    <p:cond delay="500"/>
+                                  </p:stCondLst>
+                                  <p:iterate>
+                                    <p:tmPct val="10000"/>
+                                  </p:iterate>
+                                  <p:childTnLst>
+                                    <p:set>
+                                      <p:cBhvr>
+                                        <p:cTn id="6" dur="1" fill="hold">
+                                          <p:stCondLst>
+                                            <p:cond delay="0"/>
+                                          </p:stCondLst>
+                                        </p:cTn>
+                                        <p:tgtEl>
+                                          <p:spTgt spid="2"/>
+                                        </p:tgtEl>
+                                        <p:attrNameLst>
+                                          <p:attrName>style.visibility</p:attrName>
+                                        </p:attrNameLst>
+                                      </p:cBhvr>
+                                      <p:to>
+                                        <p:strVal val="visible"/>
+                                      </p:to>
+                                    </p:set>
+                                    <p:animEffect transition="in" filter="fade">
+                                      <p:cBhvr>
+                                        <p:cTn id="7" dur="700"/>
+                                        <p:tgtEl>
+                                          <p:spTgt spid="2"/>
+                                        </p:tgtEl>
+                                      </p:cBhvr>
+                                    </p:animEffect>
+                                  </p:childTnLst>
+                                </p:cTn>
+                              </p:par>
+                            </p:childTnLst>
+                          </p:cTn>
+                        </p:par>
+                      </p:childTnLst>
+                    </p:cTn>
+                  </p:par>
+                </p:childTnLst>
+              </p:cTn>
+              <p:prevCondLst>
+                <p:cond evt="onPrev" delay="0">
+                  <p:tgtEl>
+                    <p:sldTgt/>
+                  </p:tgtEl>
+                </p:cond>
+              </p:prevCondLst>
+              <p:nextCondLst>
+                <p:cond evt="onNext" delay="0">
+                  <p:tgtEl>
+                    <p:sldTgt/>
+                  </p:tgtEl>
+                </p:cond>
+              </p:nextCondLst>
+            </p:seq>
+          </p:childTnLst>
+        </p:cTn>
+      </p:par>
+    </p:tnLst>
+    <p:bldLst>
+      <p:bldP spid="2" grpId="0"/>
+    </p:bldLst>
+  </p:timing>
+</p:sld>
+</file>
+
+<file path=ppt/slides/slide16.xml><?xml version="1.0" encoding="utf-8"?>
 <p:sld xmlns:a="http://schemas.openxmlformats.org/drawingml/2006/main" xmlns:r="http://schemas.openxmlformats.org/officeDocument/2006/relationships" xmlns:p="http://schemas.openxmlformats.org/presentationml/2006/main">
   <p:cSld>
     <p:bg>
@@ -6700,7 +10326,7 @@
           <a:p>
             <a:pPr algn="ctr"/>
             <a:r>
-              <a:rPr lang="en-US" sz="5600" b="1" kern="1200" dirty="0">
+              <a:rPr lang="en-US" sz="5600" b="1" kern="1200">
                 <a:solidFill>
                   <a:srgbClr val="FFFFFF"/>
                 </a:solidFill>
@@ -6711,7 +10337,7 @@
               <a:t>Merci </a:t>
             </a:r>
             <a:r>
-              <a:rPr lang="en-US" sz="5600" b="1" dirty="0">
+              <a:rPr lang="en-US" sz="5600" b="1">
                 <a:solidFill>
                   <a:srgbClr val="FFFFFF"/>
                 </a:solidFill>
@@ -6719,7 +10345,7 @@
               <a:t>pour </a:t>
             </a:r>
             <a:r>
-              <a:rPr lang="en-US" sz="5600" b="1" dirty="0" err="1">
+              <a:rPr lang="en-US" sz="5600" b="1" err="1">
                 <a:solidFill>
                   <a:srgbClr val="FFFFFF"/>
                 </a:solidFill>
@@ -6727,7 +10353,7 @@
               <a:t>votre</a:t>
             </a:r>
             <a:r>
-              <a:rPr lang="en-US" sz="5600" b="1" kern="1200" dirty="0">
+              <a:rPr lang="en-US" sz="5600" b="1" kern="1200">
                 <a:solidFill>
                   <a:srgbClr val="FFFFFF"/>
                 </a:solidFill>
@@ -7803,13 +11429,13 @@
   <p:clrMapOvr>
     <a:masterClrMapping/>
   </p:clrMapOvr>
-  <mc:AlternateContent xmlns:mc="http://schemas.openxmlformats.org/markup-compatibility/2006">
-    <mc:Choice xmlns:p14="http://schemas.microsoft.com/office/powerpoint/2010/main" Requires="p14">
+  <mc:AlternateContent xmlns:mc="http://schemas.openxmlformats.org/markup-compatibility/2006" xmlns:p14="http://schemas.microsoft.com/office/powerpoint/2010/main">
+    <mc:Choice Requires="p14">
       <p:transition spd="med" p14:dur="700">
         <p:fade/>
       </p:transition>
     </mc:Choice>
-    <mc:Fallback>
+    <mc:Fallback xmlns="">
       <p:transition spd="med">
         <p:fade/>
       </p:transition>
@@ -8638,7 +12264,7 @@
               <a:buAutoNum type="romanUcPeriod"/>
             </a:pPr>
             <a:r>
-              <a:rPr lang="fr-FR" sz="2000" dirty="0">
+              <a:rPr lang="fr-FR" sz="2000">
                 <a:solidFill>
                   <a:schemeClr val="tx1">
                     <a:alpha val="80000"/>
@@ -8647,7 +12273,7 @@
                 <a:latin typeface="Calibri Light"/>
                 <a:cs typeface="Calibri Light"/>
               </a:rPr>
-              <a:t>Enjeux du projet annuel</a:t>
+              <a:t>Enjeux de ce projet</a:t>
             </a:r>
           </a:p>
           <a:p>
@@ -8655,7 +12281,7 @@
               <a:buAutoNum type="romanUcPeriod"/>
             </a:pPr>
             <a:r>
-              <a:rPr lang="fr-FR" sz="2000" dirty="0">
+              <a:rPr lang="fr-FR" sz="2000">
                 <a:solidFill>
                   <a:schemeClr val="tx1">
                     <a:alpha val="80000"/>
@@ -8666,7 +12292,7 @@
               <a:t>Objectifs</a:t>
             </a:r>
             <a:r>
-              <a:rPr lang="fr-FR" sz="2000" dirty="0">
+              <a:rPr lang="fr-FR" sz="2000">
                 <a:solidFill>
                   <a:schemeClr val="tx1">
                     <a:alpha val="80000"/>
@@ -8677,7 +12303,7 @@
               </a:rPr>
               <a:t> de l'application</a:t>
             </a:r>
-            <a:endParaRPr lang="fr-FR" sz="2000" dirty="0">
+            <a:endParaRPr lang="fr-FR" sz="2000">
               <a:solidFill>
                 <a:schemeClr val="tx1">
                   <a:alpha val="80000"/>
@@ -8692,7 +12318,7 @@
               <a:buAutoNum type="romanUcPeriod"/>
             </a:pPr>
             <a:r>
-              <a:rPr lang="fr-FR" sz="2000" dirty="0" err="1">
+              <a:rPr lang="fr-FR" sz="2000" err="1">
                 <a:solidFill>
                   <a:schemeClr val="tx1">
                     <a:alpha val="80000"/>
@@ -8704,7 +12330,7 @@
               <a:t>Technology</a:t>
             </a:r>
             <a:r>
-              <a:rPr lang="fr-FR" sz="2000" dirty="0">
+              <a:rPr lang="fr-FR" sz="2000">
                 <a:solidFill>
                   <a:schemeClr val="tx1">
                     <a:alpha val="80000"/>
@@ -8721,7 +12347,38 @@
               <a:buAutoNum type="romanUcPeriod"/>
             </a:pPr>
             <a:r>
-              <a:rPr lang="fr-FR" sz="2000" dirty="0">
+              <a:rPr lang="fr-FR" sz="2000">
+                <a:solidFill>
+                  <a:schemeClr val="tx1">
+                    <a:alpha val="80000"/>
+                  </a:schemeClr>
+                </a:solidFill>
+                <a:latin typeface="Calibri Light" panose="020F0302020204030204"/>
+                <a:ea typeface="+mn-lt"/>
+                <a:cs typeface="+mn-lt"/>
+              </a:rPr>
+              <a:t>Constitution du </a:t>
+            </a:r>
+            <a:r>
+              <a:rPr lang="fr-FR" sz="2000" err="1">
+                <a:solidFill>
+                  <a:schemeClr val="tx1">
+                    <a:alpha val="80000"/>
+                  </a:schemeClr>
+                </a:solidFill>
+                <a:latin typeface="Calibri Light" panose="020F0302020204030204"/>
+                <a:ea typeface="+mn-lt"/>
+                <a:cs typeface="+mn-lt"/>
+              </a:rPr>
+              <a:t>dataset</a:t>
+            </a:r>
+          </a:p>
+          <a:p>
+            <a:pPr marL="457200" indent="-457200">
+              <a:buAutoNum type="romanUcPeriod"/>
+            </a:pPr>
+            <a:r>
+              <a:rPr lang="fr-FR" sz="2000">
                 <a:solidFill>
                   <a:schemeClr val="tx1">
                     <a:alpha val="80000"/>
@@ -8734,7 +12391,7 @@
               <a:t>Étude</a:t>
             </a:r>
             <a:r>
-              <a:rPr lang="fr-FR" sz="2000" dirty="0">
+              <a:rPr lang="fr-FR" sz="2000">
                 <a:solidFill>
                   <a:schemeClr val="tx1">
                     <a:alpha val="80000"/>
@@ -8745,7 +12402,7 @@
               </a:rPr>
               <a:t> des modèles</a:t>
             </a:r>
-            <a:endParaRPr lang="fr-FR" sz="2000" dirty="0">
+            <a:endParaRPr lang="fr-FR" sz="2000">
               <a:solidFill>
                 <a:schemeClr val="tx1">
                   <a:alpha val="80000"/>
@@ -8760,7 +12417,7 @@
               <a:buAutoNum type="romanUcPeriod"/>
             </a:pPr>
             <a:r>
-              <a:rPr lang="fr-FR" sz="2000" dirty="0">
+              <a:rPr lang="fr-FR" sz="2000">
                 <a:solidFill>
                   <a:schemeClr val="tx1">
                     <a:alpha val="80000"/>
@@ -8771,7 +12428,7 @@
               <a:t>Comparaison avec </a:t>
             </a:r>
             <a:r>
-              <a:rPr lang="fr-FR" sz="2000" dirty="0" err="1">
+              <a:rPr lang="fr-FR" sz="2000" err="1">
                 <a:solidFill>
                   <a:schemeClr val="tx1">
                     <a:alpha val="80000"/>
@@ -8781,7 +12438,7 @@
               </a:rPr>
               <a:t>Keras</a:t>
             </a:r>
-            <a:endParaRPr lang="fr-FR" sz="2000" dirty="0" err="1">
+            <a:endParaRPr lang="fr-FR" sz="2000" err="1">
               <a:solidFill>
                 <a:schemeClr val="tx1">
                   <a:alpha val="80000"/>
@@ -8796,7 +12453,7 @@
               <a:buAutoNum type="romanUcPeriod"/>
             </a:pPr>
             <a:r>
-              <a:rPr lang="fr-FR" sz="2000" dirty="0">
+              <a:rPr lang="fr-FR" sz="2000">
                 <a:solidFill>
                   <a:schemeClr val="tx1">
                     <a:alpha val="80000"/>
@@ -8807,7 +12464,7 @@
               </a:rPr>
               <a:t>Démonstration</a:t>
             </a:r>
-            <a:endParaRPr lang="fr-FR" sz="2000" dirty="0">
+            <a:endParaRPr lang="fr-FR" sz="2000">
               <a:solidFill>
                 <a:schemeClr val="tx1">
                   <a:alpha val="80000"/>
@@ -8821,7 +12478,7 @@
               <a:buAutoNum type="romanUcPeriod"/>
             </a:pPr>
             <a:r>
-              <a:rPr lang="fr-FR" sz="2000" dirty="0">
+              <a:rPr lang="fr-FR" sz="2000">
                 <a:solidFill>
                   <a:schemeClr val="tx1">
                     <a:alpha val="80000"/>
@@ -8831,7 +12488,7 @@
               </a:rPr>
               <a:t>Conclusion</a:t>
             </a:r>
-            <a:endParaRPr lang="fr-FR" sz="2000" dirty="0">
+            <a:endParaRPr lang="fr-FR" sz="2000">
               <a:solidFill>
                 <a:schemeClr val="tx1">
                   <a:alpha val="80000"/>
@@ -8846,7 +12503,7 @@
               <a:buAutoNum type="romanUcPeriod"/>
             </a:pPr>
             <a:r>
-              <a:rPr lang="fr-FR" sz="2000" dirty="0">
+              <a:rPr lang="fr-FR" sz="2000">
                 <a:solidFill>
                   <a:schemeClr val="tx1">
                     <a:alpha val="80000"/>
@@ -8856,7 +12513,7 @@
               </a:rPr>
               <a:t>Ouverture</a:t>
             </a:r>
-            <a:endParaRPr lang="fr-FR" sz="2000" dirty="0">
+            <a:endParaRPr lang="fr-FR" sz="2000">
               <a:solidFill>
                 <a:schemeClr val="tx1">
                   <a:alpha val="80000"/>
@@ -9024,13 +12681,13 @@
   <p:clrMapOvr>
     <a:masterClrMapping/>
   </p:clrMapOvr>
-  <mc:AlternateContent xmlns:mc="http://schemas.openxmlformats.org/markup-compatibility/2006">
-    <mc:Choice xmlns:p14="http://schemas.microsoft.com/office/powerpoint/2010/main" Requires="p14">
+  <mc:AlternateContent xmlns:mc="http://schemas.openxmlformats.org/markup-compatibility/2006" xmlns:p14="http://schemas.microsoft.com/office/powerpoint/2010/main">
+    <mc:Choice Requires="p14">
       <p:transition spd="med" p14:dur="700">
         <p:fade/>
       </p:transition>
     </mc:Choice>
-    <mc:Fallback>
+    <mc:Fallback xmlns="">
       <p:transition spd="med">
         <p:fade/>
       </p:transition>
@@ -9231,8 +12888,14 @@
                   <a:srgbClr val="FFFFFF"/>
                 </a:solidFill>
               </a:rPr>
-              <a:t>Enjeux du projet annuel</a:t>
-            </a:r>
+              <a:t>Enjeux de ce projet</a:t>
+            </a:r>
+            <a:endParaRPr lang="fr-FR" sz="5600">
+              <a:solidFill>
+                <a:srgbClr val="FFFFFF"/>
+              </a:solidFill>
+              <a:cs typeface="Calibri Light"/>
+            </a:endParaRPr>
           </a:p>
         </p:txBody>
       </p:sp>
@@ -9640,7 +13303,7 @@
                 </a:solidFill>
                 <a:cs typeface="Calibri" panose="020F0502020204030204"/>
               </a:rPr>
-              <a:t>Problème de classification</a:t>
+              <a:t>Apprentissage par classification</a:t>
             </a:r>
           </a:p>
           <a:p>
@@ -9665,7 +13328,7 @@
                 </a:solidFill>
                 <a:cs typeface="Calibri" panose="020F0502020204030204"/>
               </a:rPr>
-              <a:t>Implémentations de modèles d'apprentissage supervisé</a:t>
+              <a:t>Implémentations de modèles d'apprentissage supervisé (PMC)</a:t>
             </a:r>
           </a:p>
           <a:p>
@@ -10018,7 +13681,7 @@
               </a:spcAft>
             </a:pPr>
             <a:r>
-              <a:rPr lang="en-US" dirty="0" err="1">
+              <a:rPr lang="en-US" err="1">
                 <a:solidFill>
                   <a:schemeClr val="tx1">
                     <a:alpha val="60000"/>
@@ -10028,7 +13691,7 @@
               <a:t>Maathess</a:t>
             </a:r>
             <a:r>
-              <a:rPr lang="en-US" dirty="0">
+              <a:rPr lang="en-US">
                 <a:solidFill>
                   <a:schemeClr val="tx1">
                     <a:alpha val="60000"/>
@@ -10058,13 +13721,13 @@
   <p:clrMapOvr>
     <a:masterClrMapping/>
   </p:clrMapOvr>
-  <mc:AlternateContent xmlns:mc="http://schemas.openxmlformats.org/markup-compatibility/2006">
-    <mc:Choice xmlns:p14="http://schemas.microsoft.com/office/powerpoint/2010/main" Requires="p14">
+  <mc:AlternateContent xmlns:mc="http://schemas.openxmlformats.org/markup-compatibility/2006" xmlns:p14="http://schemas.microsoft.com/office/powerpoint/2010/main">
+    <mc:Choice Requires="p14">
       <p:transition spd="med" p14:dur="700">
         <p:fade/>
       </p:transition>
     </mc:Choice>
-    <mc:Fallback>
+    <mc:Fallback xmlns="">
       <p:transition spd="med">
         <p:fade/>
       </p:transition>
@@ -10801,7 +14464,7 @@
               <a:buAutoNum type="arabicPeriod"/>
             </a:pPr>
             <a:r>
-              <a:rPr lang="fr-FR" sz="2000" u="sng" dirty="0">
+              <a:rPr lang="fr-FR" sz="2000" u="sng">
                 <a:solidFill>
                   <a:schemeClr val="tx1">
                     <a:alpha val="80000"/>
@@ -10811,7 +14474,7 @@
               </a:rPr>
               <a:t>Objectif applicatif:</a:t>
             </a:r>
-            <a:endParaRPr lang="en-US" sz="2000" dirty="0">
+            <a:endParaRPr lang="en-US" sz="2000">
               <a:solidFill>
                 <a:schemeClr val="tx1">
                   <a:alpha val="80000"/>
@@ -10822,7 +14485,7 @@
           <a:p>
             <a:pPr marL="342900" indent="-342900"/>
             <a:r>
-              <a:rPr lang="fr-FR" sz="2000" dirty="0">
+              <a:rPr lang="fr-FR" sz="2000">
                 <a:solidFill>
                   <a:schemeClr val="tx1">
                     <a:alpha val="80000"/>
@@ -10831,13 +14494,13 @@
                 <a:ea typeface="+mn-lt"/>
                 <a:cs typeface="+mn-lt"/>
               </a:rPr>
-              <a:t>Fournir une plateforme web permettant à l'utilisateur d'établir une prédiction sur des images uploadées</a:t>
+              <a:t>Fournir une plateforme web permettant à l'utilisateur d'établir une prédiction sur une image uploadée</a:t>
             </a:r>
           </a:p>
           <a:p>
             <a:pPr marL="342900" indent="-342900"/>
             <a:r>
-              <a:rPr lang="fr-FR" sz="2000" dirty="0">
+              <a:rPr lang="fr-FR" sz="2000">
                 <a:solidFill>
                   <a:schemeClr val="tx1">
                     <a:alpha val="80000"/>
@@ -10852,7 +14515,7 @@
           <a:p>
             <a:pPr marL="342900" indent="-342900"/>
             <a:r>
-              <a:rPr lang="fr-FR" sz="2000" dirty="0">
+              <a:rPr lang="fr-FR" sz="2000">
                 <a:solidFill>
                   <a:schemeClr val="tx1">
                     <a:alpha val="80000"/>
@@ -10863,7 +14526,7 @@
               </a:rPr>
               <a:t>Choisir les modèles les plus adaptés pour la prédiction de la classe d'une image</a:t>
             </a:r>
-            <a:endParaRPr lang="fr-FR" sz="2000" dirty="0">
+            <a:endParaRPr lang="fr-FR" sz="2000">
               <a:solidFill>
                 <a:schemeClr val="tx1">
                   <a:alpha val="80000"/>
@@ -10888,7 +14551,7 @@
               <a:buNone/>
             </a:pPr>
             <a:r>
-              <a:rPr lang="fr-FR" sz="2000" dirty="0">
+              <a:rPr lang="fr-FR" sz="2000">
                 <a:solidFill>
                   <a:schemeClr val="tx1">
                     <a:alpha val="80000"/>
@@ -10899,7 +14562,7 @@
               <a:t>2.     </a:t>
             </a:r>
             <a:r>
-              <a:rPr lang="fr-FR" sz="2000" u="sng" dirty="0">
+              <a:rPr lang="fr-FR" sz="2000" u="sng">
                 <a:solidFill>
                   <a:schemeClr val="tx1">
                     <a:alpha val="80000"/>
@@ -10913,7 +14576,7 @@
           <a:p>
             <a:pPr marL="342900" indent="-342900"/>
             <a:r>
-              <a:rPr lang="fr-FR" sz="2000" dirty="0">
+              <a:rPr lang="fr-FR" sz="2000">
                 <a:solidFill>
                   <a:schemeClr val="tx1">
                     <a:alpha val="80000"/>
@@ -10924,6 +14587,17 @@
               <a:t>Constitution d'un </a:t>
             </a:r>
             <a:r>
+              <a:rPr lang="fr-FR" sz="2000" err="1">
+                <a:solidFill>
+                  <a:schemeClr val="tx1">
+                    <a:alpha val="80000"/>
+                  </a:schemeClr>
+                </a:solidFill>
+                <a:cs typeface="Calibri" panose="020F0502020204030204"/>
+              </a:rPr>
+              <a:t>dataset</a:t>
+            </a:r>
+            <a:r>
               <a:rPr lang="fr-FR" sz="2000">
                 <a:solidFill>
                   <a:schemeClr val="tx1">
@@ -10932,24 +14606,13 @@
                 </a:solidFill>
                 <a:cs typeface="Calibri" panose="020F0502020204030204"/>
               </a:rPr>
-              <a:t>dataset</a:t>
-            </a:r>
-            <a:r>
-              <a:rPr lang="fr-FR" sz="2000" dirty="0">
-                <a:solidFill>
-                  <a:schemeClr val="tx1">
-                    <a:alpha val="80000"/>
-                  </a:schemeClr>
-                </a:solidFill>
-                <a:cs typeface="Calibri" panose="020F0502020204030204"/>
-              </a:rPr>
               <a:t> avec des classes "homogène"</a:t>
             </a:r>
           </a:p>
           <a:p>
             <a:pPr marL="342900" indent="-342900"/>
             <a:r>
-              <a:rPr lang="fr-FR" sz="2000" dirty="0">
+              <a:rPr lang="fr-FR" sz="2000">
                 <a:solidFill>
                   <a:schemeClr val="tx1">
                     <a:alpha val="80000"/>
@@ -10960,7 +14623,7 @@
               <a:t>Entraînement des modèles sur le </a:t>
             </a:r>
             <a:r>
-              <a:rPr lang="fr-FR" sz="2000">
+              <a:rPr lang="fr-FR" sz="2000" err="1">
                 <a:solidFill>
                   <a:schemeClr val="tx1">
                     <a:alpha val="80000"/>
@@ -10971,7 +14634,7 @@
               <a:t>dataset</a:t>
             </a:r>
             <a:r>
-              <a:rPr lang="fr-FR" sz="2000" dirty="0">
+              <a:rPr lang="fr-FR" sz="2000">
                 <a:solidFill>
                   <a:schemeClr val="tx1">
                     <a:alpha val="80000"/>
@@ -11216,13 +14879,13 @@
   <p:clrMapOvr>
     <a:masterClrMapping/>
   </p:clrMapOvr>
-  <mc:AlternateContent xmlns:mc="http://schemas.openxmlformats.org/markup-compatibility/2006">
-    <mc:Choice xmlns:p14="http://schemas.microsoft.com/office/powerpoint/2010/main" Requires="p14">
+  <mc:AlternateContent xmlns:mc="http://schemas.openxmlformats.org/markup-compatibility/2006" xmlns:p14="http://schemas.microsoft.com/office/powerpoint/2010/main">
+    <mc:Choice Requires="p14">
       <p:transition spd="med" p14:dur="700">
         <p:fade/>
       </p:transition>
     </mc:Choice>
-    <mc:Fallback>
+    <mc:Fallback xmlns="">
       <p:transition spd="med">
         <p:fade/>
       </p:transition>
@@ -11577,21 +15240,51 @@
             <a:endParaRPr lang="en-US" sz="2000" dirty="0"/>
           </a:p>
           <a:p>
-            <a:pPr lvl="1"/>
+            <a:pPr lvl="1">
+              <a:buFont typeface="Wingdings" panose="020B0604020202020204" pitchFamily="34" charset="0"/>
+              <a:buChar char="§"/>
+            </a:pPr>
             <a:r>
               <a:rPr lang="fr-FR" sz="2000" dirty="0">
                 <a:cs typeface="Calibri"/>
               </a:rPr>
-              <a:t>C++</a:t>
-            </a:r>
-          </a:p>
-          <a:p>
-            <a:pPr lvl="1"/>
+              <a:t>C++ </a:t>
+            </a:r>
+          </a:p>
+          <a:p>
+            <a:pPr lvl="1">
+              <a:buFont typeface="Wingdings" panose="020B0604020202020204" pitchFamily="34" charset="0"/>
+              <a:buChar char="§"/>
+            </a:pPr>
             <a:r>
               <a:rPr lang="fr-FR" sz="2000" dirty="0">
                 <a:cs typeface="Calibri"/>
               </a:rPr>
-              <a:t>Python 3.8 (pandas, </a:t>
+              <a:t>Python 3.8 (</a:t>
+            </a:r>
+            <a:r>
+              <a:rPr lang="fr-FR" sz="2000" dirty="0" err="1">
+                <a:cs typeface="Calibri"/>
+              </a:rPr>
+              <a:t>selenium</a:t>
+            </a:r>
+            <a:r>
+              <a:rPr lang="fr-FR" sz="2000" dirty="0">
+                <a:cs typeface="Calibri"/>
+              </a:rPr>
+              <a:t>, </a:t>
+            </a:r>
+            <a:r>
+              <a:rPr lang="fr-FR" sz="2000" dirty="0" err="1">
+                <a:cs typeface="Calibri"/>
+              </a:rPr>
+              <a:t>ctypes</a:t>
+            </a:r>
+            <a:r>
+              <a:rPr lang="fr-FR" sz="2000" dirty="0">
+                <a:cs typeface="Calibri"/>
+              </a:rPr>
+              <a:t>, </a:t>
             </a:r>
             <a:r>
               <a:rPr lang="fr-FR" sz="2000" dirty="0" err="1">
@@ -11610,7 +15303,7 @@
                 <a:ea typeface="+mn-lt"/>
                 <a:cs typeface="+mn-lt"/>
               </a:rPr>
-              <a:t> </a:t>
+              <a:t> PIL, </a:t>
             </a:r>
             <a:r>
               <a:rPr lang="fr-FR" sz="2000" dirty="0" err="1">
@@ -11623,33 +15316,13 @@
               <a:rPr lang="fr-FR" sz="2000" dirty="0">
                 <a:cs typeface="Calibri"/>
               </a:rPr>
-              <a:t>, </a:t>
+              <a:t>, </a:t>
             </a:r>
             <a:r>
               <a:rPr lang="fr-FR" sz="2000" dirty="0" err="1">
                 <a:cs typeface="Calibri"/>
               </a:rPr>
               <a:t>sklearn</a:t>
-            </a:r>
-            <a:r>
-              <a:rPr lang="fr-FR" sz="2000" dirty="0">
-                <a:cs typeface="Calibri"/>
-              </a:rPr>
-              <a:t>,</a:t>
-            </a:r>
-            <a:r>
-              <a:rPr lang="fr-FR" sz="2000" dirty="0">
-                <a:ea typeface="+mn-lt"/>
-                <a:cs typeface="+mn-lt"/>
-              </a:rPr>
-              <a:t> </a:t>
-            </a:r>
-            <a:r>
-              <a:rPr lang="fr-FR" sz="2000" dirty="0" err="1">
-                <a:ea typeface="+mn-lt"/>
-                <a:cs typeface="+mn-lt"/>
-              </a:rPr>
-              <a:t>tensorflow</a:t>
             </a:r>
             <a:r>
               <a:rPr lang="fr-FR" sz="2000" dirty="0">
@@ -11663,34 +15336,6 @@
                 <a:ea typeface="+mn-lt"/>
                 <a:cs typeface="+mn-lt"/>
               </a:rPr>
-              <a:t>keras</a:t>
-            </a:r>
-            <a:r>
-              <a:rPr lang="fr-FR" sz="2000" dirty="0">
-                <a:ea typeface="+mn-lt"/>
-                <a:cs typeface="+mn-lt"/>
-              </a:rPr>
-              <a:t>, </a:t>
-            </a:r>
-            <a:r>
-              <a:rPr lang="fr-FR" sz="2000" dirty="0" err="1">
-                <a:ea typeface="+mn-lt"/>
-                <a:cs typeface="+mn-lt"/>
-              </a:rPr>
-              <a:t>BeautifulSoup</a:t>
-            </a:r>
-            <a:r>
-              <a:rPr lang="fr-FR" sz="2000" dirty="0">
-                <a:ea typeface="+mn-lt"/>
-                <a:cs typeface="+mn-lt"/>
-              </a:rPr>
-              <a:t>, </a:t>
-            </a:r>
-            <a:r>
-              <a:rPr lang="fr-FR" sz="2000" dirty="0" err="1">
-                <a:ea typeface="+mn-lt"/>
-                <a:cs typeface="+mn-lt"/>
-              </a:rPr>
               <a:t>streamlit</a:t>
             </a:r>
             <a:r>
@@ -11716,7 +15361,10 @@
             </a:r>
           </a:p>
           <a:p>
-            <a:pPr lvl="1"/>
+            <a:pPr lvl="1">
+              <a:buFont typeface="Wingdings" panose="020B0604020202020204" pitchFamily="34" charset="0"/>
+              <a:buChar char="§"/>
+            </a:pPr>
             <a:r>
               <a:rPr lang="fr-FR" sz="2000" dirty="0" err="1">
                 <a:cs typeface="Calibri" panose="020F0502020204030204"/>
@@ -11731,7 +15379,10 @@
             </a:r>
           </a:p>
           <a:p>
-            <a:pPr lvl="1"/>
+            <a:pPr lvl="1">
+              <a:buFont typeface="Wingdings" panose="020B0604020202020204" pitchFamily="34" charset="0"/>
+              <a:buChar char="§"/>
+            </a:pPr>
             <a:r>
               <a:rPr lang="fr-FR" sz="2000" dirty="0">
                 <a:cs typeface="Calibri" panose="020F0502020204030204"/>
@@ -11744,9 +15395,15 @@
               </a:rPr>
               <a:t>Colaboratory</a:t>
             </a:r>
-          </a:p>
-          <a:p>
-            <a:pPr lvl="1"/>
+            <a:endParaRPr lang="fr-FR" sz="2000" dirty="0">
+              <a:cs typeface="Calibri" panose="020F0502020204030204"/>
+            </a:endParaRPr>
+          </a:p>
+          <a:p>
+            <a:pPr lvl="1">
+              <a:buFont typeface="Wingdings" panose="020B0604020202020204" pitchFamily="34" charset="0"/>
+              <a:buChar char="§"/>
+            </a:pPr>
             <a:r>
               <a:rPr lang="fr-FR" sz="2000" dirty="0">
                 <a:cs typeface="Calibri" panose="020F0502020204030204"/>
@@ -11759,14 +15416,35 @@
               </a:rPr>
               <a:t>JetBrains</a:t>
             </a:r>
-          </a:p>
-          <a:p>
-            <a:pPr lvl="1"/>
             <a:r>
               <a:rPr lang="fr-FR" sz="2000" dirty="0">
                 <a:cs typeface="Calibri" panose="020F0502020204030204"/>
               </a:rPr>
-              <a:t>Visual Studio Code</a:t>
+              <a:t> (</a:t>
+            </a:r>
+            <a:r>
+              <a:rPr lang="fr-FR" sz="2000" dirty="0" err="1">
+                <a:cs typeface="Calibri" panose="020F0502020204030204"/>
+              </a:rPr>
+              <a:t>CLion</a:t>
+            </a:r>
+            <a:r>
+              <a:rPr lang="fr-FR" sz="2000" dirty="0">
+                <a:cs typeface="Calibri" panose="020F0502020204030204"/>
+              </a:rPr>
+              <a:t> &amp; </a:t>
+            </a:r>
+            <a:r>
+              <a:rPr lang="fr-FR" sz="2000" dirty="0" err="1">
+                <a:cs typeface="Calibri" panose="020F0502020204030204"/>
+              </a:rPr>
+              <a:t>PyCharm</a:t>
+            </a:r>
+            <a:r>
+              <a:rPr lang="fr-FR" sz="2000" dirty="0">
+                <a:cs typeface="Calibri" panose="020F0502020204030204"/>
+              </a:rPr>
+              <a:t>)</a:t>
             </a:r>
           </a:p>
           <a:p>
@@ -11959,7 +15637,7 @@
               </a:spcAft>
             </a:pPr>
             <a:r>
-              <a:rPr lang="en-US" sz="1000" dirty="0" err="1">
+              <a:rPr lang="en-US" sz="1000" err="1">
                 <a:solidFill>
                   <a:schemeClr val="tx1">
                     <a:alpha val="60000"/>
@@ -11969,7 +15647,7 @@
               <a:t>Maathess</a:t>
             </a:r>
             <a:r>
-              <a:rPr lang="en-US" sz="1000" dirty="0">
+              <a:rPr lang="en-US" sz="1000">
                 <a:solidFill>
                   <a:schemeClr val="tx1">
                     <a:alpha val="60000"/>
@@ -11978,7 +15656,7 @@
               </a:rPr>
               <a:t> Kothandapani</a:t>
             </a:r>
-            <a:endParaRPr lang="en-US" sz="1000" dirty="0">
+            <a:endParaRPr lang="en-US" sz="1000">
               <a:solidFill>
                 <a:schemeClr val="tx1">
                   <a:alpha val="60000"/>
@@ -11999,13 +15677,13 @@
   <p:clrMapOvr>
     <a:masterClrMapping/>
   </p:clrMapOvr>
-  <mc:AlternateContent xmlns:mc="http://schemas.openxmlformats.org/markup-compatibility/2006">
-    <mc:Choice xmlns:p14="http://schemas.microsoft.com/office/powerpoint/2010/main" Requires="p14">
+  <mc:AlternateContent xmlns:mc="http://schemas.openxmlformats.org/markup-compatibility/2006" xmlns:p14="http://schemas.microsoft.com/office/powerpoint/2010/main">
+    <mc:Choice Requires="p14">
       <p:transition spd="med" p14:dur="700">
         <p:fade/>
       </p:transition>
     </mc:Choice>
-    <mc:Fallback>
+    <mc:Fallback xmlns="">
       <p:transition spd="med">
         <p:fade/>
       </p:transition>
@@ -12731,7 +16409,7 @@
         </p:nvSpPr>
         <p:spPr>
           <a:xfrm>
-            <a:off x="6297233" y="518400"/>
+            <a:off x="6297233" y="693572"/>
             <a:ext cx="4771607" cy="5837949"/>
           </a:xfrm>
         </p:spPr>
@@ -12742,6 +16420,16 @@
           <a:lstStyle/>
           <a:p>
             <a:r>
+              <a:rPr lang="fr-FR" sz="2000" err="1">
+                <a:solidFill>
+                  <a:schemeClr val="tx1">
+                    <a:alpha val="80000"/>
+                  </a:schemeClr>
+                </a:solidFill>
+              </a:rPr>
+              <a:t>Scrapping</a:t>
+            </a:r>
+            <a:r>
               <a:rPr lang="fr-FR" sz="2000">
                 <a:solidFill>
                   <a:schemeClr val="tx1">
@@ -12749,8 +16437,58 @@
                   </a:schemeClr>
                 </a:solidFill>
               </a:rPr>
-              <a:t>Import des données depuis IMDB.</a:t>
-            </a:r>
+              <a:t> avec </a:t>
+            </a:r>
+            <a:r>
+              <a:rPr lang="fr-FR" sz="2000" i="1" err="1">
+                <a:solidFill>
+                  <a:schemeClr val="tx1">
+                    <a:alpha val="80000"/>
+                  </a:schemeClr>
+                </a:solidFill>
+              </a:rPr>
+              <a:t>selenium</a:t>
+            </a:r>
+            <a:r>
+              <a:rPr lang="fr-FR" sz="2000" i="1">
+                <a:solidFill>
+                  <a:schemeClr val="tx1">
+                    <a:alpha val="80000"/>
+                  </a:schemeClr>
+                </a:solidFill>
+              </a:rPr>
+              <a:t> </a:t>
+            </a:r>
+            <a:r>
+              <a:rPr lang="fr-FR" sz="2000">
+                <a:solidFill>
+                  <a:schemeClr val="tx1">
+                    <a:alpha val="80000"/>
+                  </a:schemeClr>
+                </a:solidFill>
+              </a:rPr>
+              <a:t>pour la collection "test" du </a:t>
+            </a:r>
+            <a:r>
+              <a:rPr lang="fr-FR" sz="2000" err="1">
+                <a:solidFill>
+                  <a:schemeClr val="tx1">
+                    <a:alpha val="80000"/>
+                  </a:schemeClr>
+                </a:solidFill>
+              </a:rPr>
+              <a:t>dataset</a:t>
+            </a:r>
+            <a:endParaRPr lang="fr-FR" sz="2000" i="1" err="1">
+              <a:solidFill>
+                <a:schemeClr val="tx1">
+                  <a:alpha val="80000"/>
+                </a:schemeClr>
+              </a:solidFill>
+              <a:cs typeface="Calibri"/>
+            </a:endParaRPr>
+          </a:p>
+          <a:p>
             <a:endParaRPr lang="fr-FR" sz="2000">
               <a:solidFill>
                 <a:schemeClr val="tx1">
@@ -12768,9 +16506,23 @@
                     <a:alpha val="80000"/>
                   </a:schemeClr>
                 </a:solidFill>
+                <a:cs typeface="Calibri"/>
               </a:rPr>
-              <a:t>Ajout des fichiers csv sur la base de données mySQL.</a:t>
-            </a:r>
+              <a:t>Enregistrement de la page web google image + extraction des images pour la collection "train" du </a:t>
+            </a:r>
+            <a:r>
+              <a:rPr lang="fr-FR" sz="2000" err="1">
+                <a:solidFill>
+                  <a:schemeClr val="tx1">
+                    <a:alpha val="80000"/>
+                  </a:schemeClr>
+                </a:solidFill>
+                <a:cs typeface="Calibri"/>
+              </a:rPr>
+              <a:t>dataset</a:t>
+            </a:r>
+          </a:p>
+          <a:p>
             <a:endParaRPr lang="fr-FR" sz="2000">
               <a:solidFill>
                 <a:schemeClr val="tx1">
@@ -12788,19 +16540,21 @@
                     <a:alpha val="80000"/>
                   </a:schemeClr>
                 </a:solidFill>
+                <a:cs typeface="Calibri"/>
               </a:rPr>
-              <a:t>Jointure des tables afin d’unifier les informations.</a:t>
-            </a:r>
-            <a:endParaRPr lang="fr-FR" sz="2000">
-              <a:solidFill>
-                <a:schemeClr val="tx1">
-                  <a:alpha val="80000"/>
-                </a:schemeClr>
-              </a:solidFill>
-              <a:cs typeface="Calibri"/>
-            </a:endParaRPr>
-          </a:p>
-          <a:p>
+              <a:t>Constitution de 3 classes pour chaque collection du </a:t>
+            </a:r>
+            <a:r>
+              <a:rPr lang="fr-FR" sz="2000" err="1">
+                <a:solidFill>
+                  <a:schemeClr val="tx1">
+                    <a:alpha val="80000"/>
+                  </a:schemeClr>
+                </a:solidFill>
+                <a:cs typeface="Calibri"/>
+              </a:rPr>
+              <a:t>dataset</a:t>
+            </a:r>
             <a:r>
               <a:rPr lang="fr-FR" sz="2000">
                 <a:solidFill>
@@ -12808,41 +16562,143 @@
                     <a:alpha val="80000"/>
                   </a:schemeClr>
                 </a:solidFill>
+                <a:cs typeface="Calibri"/>
               </a:rPr>
-              <a:t>Filtrage des données afin de garder le strict nécessaire.</a:t>
-            </a:r>
-            <a:endParaRPr lang="fr-FR" sz="2000">
+              <a:t>: </a:t>
+            </a:r>
+          </a:p>
+          <a:p>
+            <a:pPr lvl="1">
+              <a:buFont typeface="Wingdings" panose="020B0604020202020204" pitchFamily="34" charset="0"/>
+              <a:buChar char="§"/>
+            </a:pPr>
+            <a:r>
+              <a:rPr lang="fr-FR" sz="1600">
+                <a:solidFill>
+                  <a:srgbClr val="000000"/>
+                </a:solidFill>
+                <a:cs typeface="Calibri"/>
+              </a:rPr>
+              <a:t>"</a:t>
+            </a:r>
+            <a:r>
+              <a:rPr lang="fr-FR" sz="1600" err="1">
+                <a:solidFill>
+                  <a:srgbClr val="000000"/>
+                </a:solidFill>
+                <a:cs typeface="Calibri"/>
+              </a:rPr>
+              <a:t>brazil_flag</a:t>
+            </a:r>
+            <a:r>
+              <a:rPr lang="fr-FR" sz="1600">
+                <a:solidFill>
+                  <a:srgbClr val="000000"/>
+                </a:solidFill>
+                <a:cs typeface="Calibri"/>
+              </a:rPr>
+              <a:t>"</a:t>
+            </a:r>
+            <a:endParaRPr lang="fr-FR" sz="1600">
               <a:solidFill>
-                <a:schemeClr val="tx1">
+                <a:srgbClr val="000000">
                   <a:alpha val="80000"/>
-                </a:schemeClr>
+                </a:srgbClr>
               </a:solidFill>
               <a:cs typeface="Calibri"/>
             </a:endParaRPr>
           </a:p>
           <a:p>
-            <a:r>
-              <a:rPr lang="fr-FR" sz="2000">
+            <a:pPr lvl="1">
+              <a:buFont typeface="Wingdings" panose="020B0604020202020204" pitchFamily="34" charset="0"/>
+              <a:buChar char="§"/>
+            </a:pPr>
+            <a:r>
+              <a:rPr lang="fr-FR" sz="1600">
                 <a:solidFill>
-                  <a:schemeClr val="tx1">
-                    <a:alpha val="80000"/>
-                  </a:schemeClr>
+                  <a:srgbClr val="000000"/>
                 </a:solidFill>
+                <a:cs typeface="Calibri"/>
               </a:rPr>
-              <a:t>Export des données sur csv.</a:t>
-            </a:r>
-          </a:p>
-          <a:p>
-            <a:r>
-              <a:rPr lang="fr-FR" sz="2000">
+              <a:t>"</a:t>
+            </a:r>
+            <a:r>
+              <a:rPr lang="fr-FR" sz="1600" err="1">
                 <a:solidFill>
-                  <a:schemeClr val="tx1">
-                    <a:alpha val="80000"/>
-                  </a:schemeClr>
+                  <a:srgbClr val="000000"/>
                 </a:solidFill>
+                <a:cs typeface="Calibri"/>
               </a:rPr>
-              <a:t>Transformation de certaines colonnes utiles pour l’entrainement via scikit-learn.</a:t>
-            </a:r>
+              <a:t>french_flag</a:t>
+            </a:r>
+            <a:r>
+              <a:rPr lang="fr-FR" sz="1600">
+                <a:solidFill>
+                  <a:srgbClr val="000000"/>
+                </a:solidFill>
+                <a:cs typeface="Calibri"/>
+              </a:rPr>
+              <a:t>"</a:t>
+            </a:r>
+            <a:endParaRPr lang="fr-FR" sz="1600">
+              <a:solidFill>
+                <a:srgbClr val="000000">
+                  <a:alpha val="80000"/>
+                </a:srgbClr>
+              </a:solidFill>
+              <a:cs typeface="Calibri"/>
+            </a:endParaRPr>
+          </a:p>
+          <a:p>
+            <a:pPr lvl="1">
+              <a:buFont typeface="Wingdings" panose="020B0604020202020204" pitchFamily="34" charset="0"/>
+              <a:buChar char="§"/>
+            </a:pPr>
+            <a:r>
+              <a:rPr lang="fr-FR" sz="1600">
+                <a:solidFill>
+                  <a:srgbClr val="000000"/>
+                </a:solidFill>
+                <a:cs typeface="Calibri"/>
+              </a:rPr>
+              <a:t>"</a:t>
+            </a:r>
+            <a:r>
+              <a:rPr lang="fr-FR" sz="1600" err="1">
+                <a:solidFill>
+                  <a:srgbClr val="000000"/>
+                </a:solidFill>
+                <a:cs typeface="Calibri"/>
+              </a:rPr>
+              <a:t>ireland_flag</a:t>
+            </a:r>
+            <a:r>
+              <a:rPr lang="fr-FR" sz="1600">
+                <a:solidFill>
+                  <a:srgbClr val="000000"/>
+                </a:solidFill>
+                <a:cs typeface="Calibri"/>
+              </a:rPr>
+              <a:t>"</a:t>
+            </a:r>
+            <a:endParaRPr lang="fr-FR" sz="1600">
+              <a:solidFill>
+                <a:srgbClr val="000000">
+                  <a:alpha val="80000"/>
+                </a:srgbClr>
+              </a:solidFill>
+              <a:cs typeface="Calibri"/>
+            </a:endParaRPr>
+          </a:p>
+          <a:p>
+            <a:endParaRPr lang="fr-FR" sz="2000">
+              <a:solidFill>
+                <a:srgbClr val="000000">
+                  <a:alpha val="80000"/>
+                </a:srgbClr>
+              </a:solidFill>
+              <a:cs typeface="Calibri"/>
+            </a:endParaRPr>
           </a:p>
         </p:txBody>
       </p:sp>
@@ -13082,7 +16938,7 @@
               </a:spcAft>
             </a:pPr>
             <a:r>
-              <a:rPr lang="en-US" dirty="0" err="1">
+              <a:rPr lang="en-US" err="1">
                 <a:solidFill>
                   <a:schemeClr val="tx1">
                     <a:alpha val="60000"/>
@@ -13092,7 +16948,7 @@
               <a:t>Maathess</a:t>
             </a:r>
             <a:r>
-              <a:rPr lang="en-US" dirty="0">
+              <a:rPr lang="en-US">
                 <a:solidFill>
                   <a:schemeClr val="tx1">
                     <a:alpha val="60000"/>
@@ -13122,13 +16978,13 @@
   <p:clrMapOvr>
     <a:masterClrMapping/>
   </p:clrMapOvr>
-  <mc:AlternateContent xmlns:mc="http://schemas.openxmlformats.org/markup-compatibility/2006">
-    <mc:Choice xmlns:p14="http://schemas.microsoft.com/office/powerpoint/2010/main" Requires="p14">
+  <mc:AlternateContent xmlns:mc="http://schemas.openxmlformats.org/markup-compatibility/2006" xmlns:p14="http://schemas.microsoft.com/office/powerpoint/2010/main">
+    <mc:Choice Requires="p14">
       <p:transition spd="med" p14:dur="700">
         <p:fade/>
       </p:transition>
     </mc:Choice>
-    <mc:Fallback>
+    <mc:Fallback xmlns="">
       <p:transition spd="med">
         <p:fade/>
       </p:transition>
@@ -13138,6 +16994,1175 @@
 </file>
 
 <file path=ppt/slides/slide7.xml><?xml version="1.0" encoding="utf-8"?>
+<p:sld xmlns:a="http://schemas.openxmlformats.org/drawingml/2006/main" xmlns:r="http://schemas.openxmlformats.org/officeDocument/2006/relationships" xmlns:p="http://schemas.openxmlformats.org/presentationml/2006/main">
+  <p:cSld>
+    <p:spTree>
+      <p:nvGrpSpPr>
+        <p:cNvPr id="1" name=""/>
+        <p:cNvGrpSpPr/>
+        <p:nvPr/>
+      </p:nvGrpSpPr>
+      <p:grpSpPr>
+        <a:xfrm>
+          <a:off x="0" y="0"/>
+          <a:ext cx="0" cy="0"/>
+          <a:chOff x="0" y="0"/>
+          <a:chExt cx="0" cy="0"/>
+        </a:xfrm>
+      </p:grpSpPr>
+      <p:sp>
+        <p:nvSpPr>
+          <p:cNvPr id="4" name="Espace réservé du pied de page 3">
+            <a:extLst>
+              <a:ext uri="{FF2B5EF4-FFF2-40B4-BE49-F238E27FC236}">
+                <a16:creationId xmlns:a16="http://schemas.microsoft.com/office/drawing/2014/main" id="{CEF5C1F5-4378-4A64-993E-D1107236EBF7}"/>
+              </a:ext>
+            </a:extLst>
+          </p:cNvPr>
+          <p:cNvSpPr>
+            <a:spLocks noGrp="1"/>
+          </p:cNvSpPr>
+          <p:nvPr>
+            <p:ph type="ftr" sz="quarter" idx="11"/>
+          </p:nvPr>
+        </p:nvSpPr>
+        <p:spPr/>
+        <p:txBody>
+          <a:bodyPr/>
+          <a:lstStyle/>
+          <a:p>
+            <a:r>
+              <a:rPr lang="en-US" err="1"/>
+              <a:t>Maathess</a:t>
+            </a:r>
+            <a:r>
+              <a:rPr lang="en-US"/>
+              <a:t> Kothandapani</a:t>
+            </a:r>
+            <a:endParaRPr lang="en-US">
+              <a:cs typeface="Calibri"/>
+            </a:endParaRPr>
+          </a:p>
+        </p:txBody>
+      </p:sp>
+      <p:sp>
+        <p:nvSpPr>
+          <p:cNvPr id="5" name="Rectangle : coins arrondis 4">
+            <a:extLst>
+              <a:ext uri="{FF2B5EF4-FFF2-40B4-BE49-F238E27FC236}">
+                <a16:creationId xmlns:a16="http://schemas.microsoft.com/office/drawing/2014/main" id="{418C7FE9-12DB-4FF0-ADE0-7B00BD626A04}"/>
+              </a:ext>
+            </a:extLst>
+          </p:cNvPr>
+          <p:cNvSpPr/>
+          <p:nvPr/>
+        </p:nvSpPr>
+        <p:spPr>
+          <a:xfrm>
+            <a:off x="882870" y="957318"/>
+            <a:ext cx="1252481" cy="5228895"/>
+          </a:xfrm>
+          <a:prstGeom prst="roundRect">
+            <a:avLst/>
+          </a:prstGeom>
+        </p:spPr>
+        <p:style>
+          <a:lnRef idx="2">
+            <a:schemeClr val="accent1">
+              <a:shade val="50000"/>
+            </a:schemeClr>
+          </a:lnRef>
+          <a:fillRef idx="1">
+            <a:schemeClr val="accent1"/>
+          </a:fillRef>
+          <a:effectRef idx="0">
+            <a:schemeClr val="accent1"/>
+          </a:effectRef>
+          <a:fontRef idx="minor">
+            <a:schemeClr val="lt1"/>
+          </a:fontRef>
+        </p:style>
+        <p:txBody>
+          <a:bodyPr rtlCol="0" anchor="ctr"/>
+          <a:lstStyle/>
+          <a:p>
+            <a:pPr algn="ctr"/>
+            <a:r>
+              <a:rPr lang="fr-FR">
+                <a:cs typeface="Calibri"/>
+              </a:rPr>
+              <a:t>./</a:t>
+            </a:r>
+            <a:r>
+              <a:rPr lang="fr-FR" err="1">
+                <a:cs typeface="Calibri"/>
+              </a:rPr>
+              <a:t>Datasets</a:t>
+            </a:r>
+            <a:endParaRPr lang="fr-FR" err="1"/>
+          </a:p>
+        </p:txBody>
+      </p:sp>
+      <p:sp>
+        <p:nvSpPr>
+          <p:cNvPr id="7" name="Flèche : pentagone 6">
+            <a:extLst>
+              <a:ext uri="{FF2B5EF4-FFF2-40B4-BE49-F238E27FC236}">
+                <a16:creationId xmlns:a16="http://schemas.microsoft.com/office/drawing/2014/main" id="{62DB5958-BF9C-4A67-B335-CB7B8AFB9767}"/>
+              </a:ext>
+            </a:extLst>
+          </p:cNvPr>
+          <p:cNvSpPr/>
+          <p:nvPr/>
+        </p:nvSpPr>
+        <p:spPr>
+          <a:xfrm>
+            <a:off x="2135097" y="1711951"/>
+            <a:ext cx="980965" cy="481724"/>
+          </a:xfrm>
+          <a:prstGeom prst="homePlate">
+            <a:avLst/>
+          </a:prstGeom>
+          <a:ln>
+            <a:noFill/>
+          </a:ln>
+        </p:spPr>
+        <p:style>
+          <a:lnRef idx="2">
+            <a:schemeClr val="accent1">
+              <a:shade val="50000"/>
+            </a:schemeClr>
+          </a:lnRef>
+          <a:fillRef idx="1">
+            <a:schemeClr val="accent1"/>
+          </a:fillRef>
+          <a:effectRef idx="0">
+            <a:schemeClr val="accent1"/>
+          </a:effectRef>
+          <a:fontRef idx="minor">
+            <a:schemeClr val="lt1"/>
+          </a:fontRef>
+        </p:style>
+        <p:txBody>
+          <a:bodyPr rtlCol="0" anchor="ctr"/>
+          <a:lstStyle/>
+          <a:p>
+            <a:pPr algn="ctr"/>
+            <a:endParaRPr lang="fr-FR"/>
+          </a:p>
+        </p:txBody>
+      </p:sp>
+      <p:sp>
+        <p:nvSpPr>
+          <p:cNvPr id="8" name="Flèche : pentagone 7">
+            <a:extLst>
+              <a:ext uri="{FF2B5EF4-FFF2-40B4-BE49-F238E27FC236}">
+                <a16:creationId xmlns:a16="http://schemas.microsoft.com/office/drawing/2014/main" id="{1B150C38-7BA6-40A2-BEA9-03667C25339F}"/>
+              </a:ext>
+            </a:extLst>
+          </p:cNvPr>
+          <p:cNvSpPr/>
+          <p:nvPr/>
+        </p:nvSpPr>
+        <p:spPr>
+          <a:xfrm>
+            <a:off x="2135096" y="4952640"/>
+            <a:ext cx="980965" cy="481724"/>
+          </a:xfrm>
+          <a:prstGeom prst="homePlate">
+            <a:avLst/>
+          </a:prstGeom>
+          <a:ln>
+            <a:noFill/>
+          </a:ln>
+        </p:spPr>
+        <p:style>
+          <a:lnRef idx="2">
+            <a:schemeClr val="accent1">
+              <a:shade val="50000"/>
+            </a:schemeClr>
+          </a:lnRef>
+          <a:fillRef idx="1">
+            <a:schemeClr val="accent1"/>
+          </a:fillRef>
+          <a:effectRef idx="0">
+            <a:schemeClr val="accent1"/>
+          </a:effectRef>
+          <a:fontRef idx="minor">
+            <a:schemeClr val="lt1"/>
+          </a:fontRef>
+        </p:style>
+        <p:txBody>
+          <a:bodyPr rtlCol="0" anchor="ctr"/>
+          <a:lstStyle/>
+          <a:p>
+            <a:pPr algn="ctr"/>
+            <a:endParaRPr lang="fr-FR"/>
+          </a:p>
+        </p:txBody>
+      </p:sp>
+      <p:sp>
+        <p:nvSpPr>
+          <p:cNvPr id="9" name="Rectangle : coins arrondis 8">
+            <a:extLst>
+              <a:ext uri="{FF2B5EF4-FFF2-40B4-BE49-F238E27FC236}">
+                <a16:creationId xmlns:a16="http://schemas.microsoft.com/office/drawing/2014/main" id="{7D2FAED3-A93F-4DDC-A979-9258CA64D41B}"/>
+              </a:ext>
+            </a:extLst>
+          </p:cNvPr>
+          <p:cNvSpPr/>
+          <p:nvPr/>
+        </p:nvSpPr>
+        <p:spPr>
+          <a:xfrm>
+            <a:off x="3116317" y="957317"/>
+            <a:ext cx="1156137" cy="2031998"/>
+          </a:xfrm>
+          <a:prstGeom prst="roundRect">
+            <a:avLst/>
+          </a:prstGeom>
+        </p:spPr>
+        <p:style>
+          <a:lnRef idx="2">
+            <a:schemeClr val="accent1">
+              <a:shade val="50000"/>
+            </a:schemeClr>
+          </a:lnRef>
+          <a:fillRef idx="1">
+            <a:schemeClr val="accent1"/>
+          </a:fillRef>
+          <a:effectRef idx="0">
+            <a:schemeClr val="accent1"/>
+          </a:effectRef>
+          <a:fontRef idx="minor">
+            <a:schemeClr val="lt1"/>
+          </a:fontRef>
+        </p:style>
+        <p:txBody>
+          <a:bodyPr lIns="91440" tIns="45720" rIns="91440" bIns="45720" rtlCol="0" anchor="ctr"/>
+          <a:lstStyle/>
+          <a:p>
+            <a:pPr algn="ctr"/>
+            <a:r>
+              <a:rPr lang="fr-FR">
+                <a:cs typeface="Calibri"/>
+              </a:rPr>
+              <a:t>./test</a:t>
+            </a:r>
+            <a:endParaRPr lang="fr-FR" err="1"/>
+          </a:p>
+        </p:txBody>
+      </p:sp>
+      <p:sp>
+        <p:nvSpPr>
+          <p:cNvPr id="10" name="Rectangle : coins arrondis 9">
+            <a:extLst>
+              <a:ext uri="{FF2B5EF4-FFF2-40B4-BE49-F238E27FC236}">
+                <a16:creationId xmlns:a16="http://schemas.microsoft.com/office/drawing/2014/main" id="{98EADE4B-8692-4611-997C-6698960BF0C5}"/>
+              </a:ext>
+            </a:extLst>
+          </p:cNvPr>
+          <p:cNvSpPr/>
+          <p:nvPr/>
+        </p:nvSpPr>
+        <p:spPr>
+          <a:xfrm>
+            <a:off x="3116316" y="4154213"/>
+            <a:ext cx="1156137" cy="2031998"/>
+          </a:xfrm>
+          <a:prstGeom prst="roundRect">
+            <a:avLst/>
+          </a:prstGeom>
+        </p:spPr>
+        <p:style>
+          <a:lnRef idx="2">
+            <a:schemeClr val="accent1">
+              <a:shade val="50000"/>
+            </a:schemeClr>
+          </a:lnRef>
+          <a:fillRef idx="1">
+            <a:schemeClr val="accent1"/>
+          </a:fillRef>
+          <a:effectRef idx="0">
+            <a:schemeClr val="accent1"/>
+          </a:effectRef>
+          <a:fontRef idx="minor">
+            <a:schemeClr val="lt1"/>
+          </a:fontRef>
+        </p:style>
+        <p:txBody>
+          <a:bodyPr lIns="91440" tIns="45720" rIns="91440" bIns="45720" rtlCol="0" anchor="ctr"/>
+          <a:lstStyle/>
+          <a:p>
+            <a:pPr algn="ctr"/>
+            <a:r>
+              <a:rPr lang="fr-FR">
+                <a:cs typeface="Calibri"/>
+              </a:rPr>
+              <a:t>./train</a:t>
+            </a:r>
+            <a:endParaRPr lang="fr-FR" err="1"/>
+          </a:p>
+        </p:txBody>
+      </p:sp>
+      <p:sp>
+        <p:nvSpPr>
+          <p:cNvPr id="11" name="Flèche : pentagone 10">
+            <a:extLst>
+              <a:ext uri="{FF2B5EF4-FFF2-40B4-BE49-F238E27FC236}">
+                <a16:creationId xmlns:a16="http://schemas.microsoft.com/office/drawing/2014/main" id="{C7D83319-5D4D-4970-8021-50C3CC059D1A}"/>
+              </a:ext>
+            </a:extLst>
+          </p:cNvPr>
+          <p:cNvSpPr/>
+          <p:nvPr/>
+        </p:nvSpPr>
+        <p:spPr>
+          <a:xfrm>
+            <a:off x="4272200" y="1098847"/>
+            <a:ext cx="980965" cy="218966"/>
+          </a:xfrm>
+          <a:prstGeom prst="homePlate">
+            <a:avLst/>
+          </a:prstGeom>
+          <a:ln>
+            <a:noFill/>
+          </a:ln>
+        </p:spPr>
+        <p:style>
+          <a:lnRef idx="2">
+            <a:schemeClr val="accent1">
+              <a:shade val="50000"/>
+            </a:schemeClr>
+          </a:lnRef>
+          <a:fillRef idx="1">
+            <a:schemeClr val="accent1"/>
+          </a:fillRef>
+          <a:effectRef idx="0">
+            <a:schemeClr val="accent1"/>
+          </a:effectRef>
+          <a:fontRef idx="minor">
+            <a:schemeClr val="lt1"/>
+          </a:fontRef>
+        </p:style>
+        <p:txBody>
+          <a:bodyPr rtlCol="0" anchor="ctr"/>
+          <a:lstStyle/>
+          <a:p>
+            <a:pPr algn="ctr"/>
+            <a:endParaRPr lang="fr-FR"/>
+          </a:p>
+        </p:txBody>
+      </p:sp>
+      <p:sp>
+        <p:nvSpPr>
+          <p:cNvPr id="12" name="Flèche : pentagone 11">
+            <a:extLst>
+              <a:ext uri="{FF2B5EF4-FFF2-40B4-BE49-F238E27FC236}">
+                <a16:creationId xmlns:a16="http://schemas.microsoft.com/office/drawing/2014/main" id="{7FF32091-76AF-4E34-A573-1E86C08D4A8D}"/>
+              </a:ext>
+            </a:extLst>
+          </p:cNvPr>
+          <p:cNvSpPr/>
+          <p:nvPr/>
+        </p:nvSpPr>
+        <p:spPr>
+          <a:xfrm>
+            <a:off x="4272199" y="1843329"/>
+            <a:ext cx="980965" cy="218966"/>
+          </a:xfrm>
+          <a:prstGeom prst="homePlate">
+            <a:avLst/>
+          </a:prstGeom>
+          <a:ln>
+            <a:noFill/>
+          </a:ln>
+        </p:spPr>
+        <p:style>
+          <a:lnRef idx="2">
+            <a:schemeClr val="accent1">
+              <a:shade val="50000"/>
+            </a:schemeClr>
+          </a:lnRef>
+          <a:fillRef idx="1">
+            <a:schemeClr val="accent1"/>
+          </a:fillRef>
+          <a:effectRef idx="0">
+            <a:schemeClr val="accent1"/>
+          </a:effectRef>
+          <a:fontRef idx="minor">
+            <a:schemeClr val="lt1"/>
+          </a:fontRef>
+        </p:style>
+        <p:txBody>
+          <a:bodyPr rtlCol="0" anchor="ctr"/>
+          <a:lstStyle/>
+          <a:p>
+            <a:pPr algn="ctr"/>
+            <a:endParaRPr lang="fr-FR"/>
+          </a:p>
+        </p:txBody>
+      </p:sp>
+      <p:sp>
+        <p:nvSpPr>
+          <p:cNvPr id="13" name="Flèche : pentagone 12">
+            <a:extLst>
+              <a:ext uri="{FF2B5EF4-FFF2-40B4-BE49-F238E27FC236}">
+                <a16:creationId xmlns:a16="http://schemas.microsoft.com/office/drawing/2014/main" id="{4482368A-FF76-4307-A34E-5ECBCBDEF366}"/>
+              </a:ext>
+            </a:extLst>
+          </p:cNvPr>
+          <p:cNvSpPr/>
+          <p:nvPr/>
+        </p:nvSpPr>
+        <p:spPr>
+          <a:xfrm>
+            <a:off x="4272198" y="2587811"/>
+            <a:ext cx="980965" cy="218966"/>
+          </a:xfrm>
+          <a:prstGeom prst="homePlate">
+            <a:avLst/>
+          </a:prstGeom>
+        </p:spPr>
+        <p:style>
+          <a:lnRef idx="2">
+            <a:schemeClr val="accent1">
+              <a:shade val="50000"/>
+            </a:schemeClr>
+          </a:lnRef>
+          <a:fillRef idx="1">
+            <a:schemeClr val="accent1"/>
+          </a:fillRef>
+          <a:effectRef idx="0">
+            <a:schemeClr val="accent1"/>
+          </a:effectRef>
+          <a:fontRef idx="minor">
+            <a:schemeClr val="lt1"/>
+          </a:fontRef>
+        </p:style>
+        <p:txBody>
+          <a:bodyPr rtlCol="0" anchor="ctr"/>
+          <a:lstStyle/>
+          <a:p>
+            <a:pPr algn="ctr"/>
+            <a:endParaRPr lang="fr-FR"/>
+          </a:p>
+        </p:txBody>
+      </p:sp>
+      <p:sp>
+        <p:nvSpPr>
+          <p:cNvPr id="14" name="Flèche : pentagone 13">
+            <a:extLst>
+              <a:ext uri="{FF2B5EF4-FFF2-40B4-BE49-F238E27FC236}">
+                <a16:creationId xmlns:a16="http://schemas.microsoft.com/office/drawing/2014/main" id="{8F845023-C5CF-4B2A-B2C1-9018E7BC275C}"/>
+              </a:ext>
+            </a:extLst>
+          </p:cNvPr>
+          <p:cNvSpPr/>
+          <p:nvPr/>
+        </p:nvSpPr>
+        <p:spPr>
+          <a:xfrm>
+            <a:off x="4272197" y="5084017"/>
+            <a:ext cx="980965" cy="218966"/>
+          </a:xfrm>
+          <a:prstGeom prst="homePlate">
+            <a:avLst/>
+          </a:prstGeom>
+          <a:ln>
+            <a:noFill/>
+          </a:ln>
+        </p:spPr>
+        <p:style>
+          <a:lnRef idx="2">
+            <a:schemeClr val="accent1">
+              <a:shade val="50000"/>
+            </a:schemeClr>
+          </a:lnRef>
+          <a:fillRef idx="1">
+            <a:schemeClr val="accent1"/>
+          </a:fillRef>
+          <a:effectRef idx="0">
+            <a:schemeClr val="accent1"/>
+          </a:effectRef>
+          <a:fontRef idx="minor">
+            <a:schemeClr val="lt1"/>
+          </a:fontRef>
+        </p:style>
+        <p:txBody>
+          <a:bodyPr rtlCol="0" anchor="ctr"/>
+          <a:lstStyle/>
+          <a:p>
+            <a:pPr algn="ctr"/>
+            <a:endParaRPr lang="fr-FR"/>
+          </a:p>
+        </p:txBody>
+      </p:sp>
+      <p:sp>
+        <p:nvSpPr>
+          <p:cNvPr id="15" name="Flèche : pentagone 14">
+            <a:extLst>
+              <a:ext uri="{FF2B5EF4-FFF2-40B4-BE49-F238E27FC236}">
+                <a16:creationId xmlns:a16="http://schemas.microsoft.com/office/drawing/2014/main" id="{8F124F59-B966-440B-B08B-5023086A8E64}"/>
+              </a:ext>
+            </a:extLst>
+          </p:cNvPr>
+          <p:cNvSpPr/>
+          <p:nvPr/>
+        </p:nvSpPr>
+        <p:spPr>
+          <a:xfrm>
+            <a:off x="4272196" y="4357050"/>
+            <a:ext cx="980965" cy="218966"/>
+          </a:xfrm>
+          <a:prstGeom prst="homePlate">
+            <a:avLst/>
+          </a:prstGeom>
+          <a:ln>
+            <a:noFill/>
+          </a:ln>
+        </p:spPr>
+        <p:style>
+          <a:lnRef idx="2">
+            <a:schemeClr val="accent1">
+              <a:shade val="50000"/>
+            </a:schemeClr>
+          </a:lnRef>
+          <a:fillRef idx="1">
+            <a:schemeClr val="accent1"/>
+          </a:fillRef>
+          <a:effectRef idx="0">
+            <a:schemeClr val="accent1"/>
+          </a:effectRef>
+          <a:fontRef idx="minor">
+            <a:schemeClr val="lt1"/>
+          </a:fontRef>
+        </p:style>
+        <p:txBody>
+          <a:bodyPr rtlCol="0" anchor="ctr"/>
+          <a:lstStyle/>
+          <a:p>
+            <a:pPr algn="ctr"/>
+            <a:endParaRPr lang="fr-FR"/>
+          </a:p>
+        </p:txBody>
+      </p:sp>
+      <p:sp>
+        <p:nvSpPr>
+          <p:cNvPr id="16" name="Flèche : pentagone 15">
+            <a:extLst>
+              <a:ext uri="{FF2B5EF4-FFF2-40B4-BE49-F238E27FC236}">
+                <a16:creationId xmlns:a16="http://schemas.microsoft.com/office/drawing/2014/main" id="{D347C20B-52F6-4663-91A6-2A07DD56AA6C}"/>
+              </a:ext>
+            </a:extLst>
+          </p:cNvPr>
+          <p:cNvSpPr/>
+          <p:nvPr/>
+        </p:nvSpPr>
+        <p:spPr>
+          <a:xfrm>
+            <a:off x="4272195" y="5828498"/>
+            <a:ext cx="980965" cy="218966"/>
+          </a:xfrm>
+          <a:prstGeom prst="homePlate">
+            <a:avLst/>
+          </a:prstGeom>
+          <a:ln>
+            <a:noFill/>
+          </a:ln>
+        </p:spPr>
+        <p:style>
+          <a:lnRef idx="2">
+            <a:schemeClr val="accent1">
+              <a:shade val="50000"/>
+            </a:schemeClr>
+          </a:lnRef>
+          <a:fillRef idx="1">
+            <a:schemeClr val="accent1"/>
+          </a:fillRef>
+          <a:effectRef idx="0">
+            <a:schemeClr val="accent1"/>
+          </a:effectRef>
+          <a:fontRef idx="minor">
+            <a:schemeClr val="lt1"/>
+          </a:fontRef>
+        </p:style>
+        <p:txBody>
+          <a:bodyPr rtlCol="0" anchor="ctr"/>
+          <a:lstStyle/>
+          <a:p>
+            <a:pPr algn="ctr"/>
+            <a:endParaRPr lang="fr-FR"/>
+          </a:p>
+        </p:txBody>
+      </p:sp>
+      <p:sp>
+        <p:nvSpPr>
+          <p:cNvPr id="18" name="Rectangle : coins arrondis 17">
+            <a:extLst>
+              <a:ext uri="{FF2B5EF4-FFF2-40B4-BE49-F238E27FC236}">
+                <a16:creationId xmlns:a16="http://schemas.microsoft.com/office/drawing/2014/main" id="{AA076C69-9F42-40BA-A461-32E8329EA528}"/>
+              </a:ext>
+            </a:extLst>
+          </p:cNvPr>
+          <p:cNvSpPr/>
+          <p:nvPr/>
+        </p:nvSpPr>
+        <p:spPr>
+          <a:xfrm>
+            <a:off x="5262177" y="957316"/>
+            <a:ext cx="1331309" cy="437930"/>
+          </a:xfrm>
+          <a:prstGeom prst="roundRect">
+            <a:avLst/>
+          </a:prstGeom>
+        </p:spPr>
+        <p:style>
+          <a:lnRef idx="2">
+            <a:schemeClr val="accent1">
+              <a:shade val="50000"/>
+            </a:schemeClr>
+          </a:lnRef>
+          <a:fillRef idx="1">
+            <a:schemeClr val="accent1"/>
+          </a:fillRef>
+          <a:effectRef idx="0">
+            <a:schemeClr val="accent1"/>
+          </a:effectRef>
+          <a:fontRef idx="minor">
+            <a:schemeClr val="lt1"/>
+          </a:fontRef>
+        </p:style>
+        <p:txBody>
+          <a:bodyPr lIns="91440" tIns="45720" rIns="91440" bIns="45720" rtlCol="0" anchor="ctr"/>
+          <a:lstStyle/>
+          <a:p>
+            <a:pPr algn="ctr"/>
+            <a:r>
+              <a:rPr lang="fr-FR">
+                <a:cs typeface="Calibri"/>
+              </a:rPr>
+              <a:t>./</a:t>
+            </a:r>
+            <a:r>
+              <a:rPr lang="fr-FR" err="1">
+                <a:cs typeface="Calibri"/>
+              </a:rPr>
+              <a:t>brazil_flag</a:t>
+            </a:r>
+          </a:p>
+        </p:txBody>
+      </p:sp>
+      <p:sp>
+        <p:nvSpPr>
+          <p:cNvPr id="20" name="Rectangle : coins arrondis 19">
+            <a:extLst>
+              <a:ext uri="{FF2B5EF4-FFF2-40B4-BE49-F238E27FC236}">
+                <a16:creationId xmlns:a16="http://schemas.microsoft.com/office/drawing/2014/main" id="{53B6A56A-07AB-49BD-8A94-A102FB396BB5}"/>
+              </a:ext>
+            </a:extLst>
+          </p:cNvPr>
+          <p:cNvSpPr/>
+          <p:nvPr/>
+        </p:nvSpPr>
+        <p:spPr>
+          <a:xfrm>
+            <a:off x="5253417" y="1710556"/>
+            <a:ext cx="1427653" cy="446688"/>
+          </a:xfrm>
+          <a:prstGeom prst="roundRect">
+            <a:avLst/>
+          </a:prstGeom>
+        </p:spPr>
+        <p:style>
+          <a:lnRef idx="2">
+            <a:schemeClr val="accent1">
+              <a:shade val="50000"/>
+            </a:schemeClr>
+          </a:lnRef>
+          <a:fillRef idx="1">
+            <a:schemeClr val="accent1"/>
+          </a:fillRef>
+          <a:effectRef idx="0">
+            <a:schemeClr val="accent1"/>
+          </a:effectRef>
+          <a:fontRef idx="minor">
+            <a:schemeClr val="lt1"/>
+          </a:fontRef>
+        </p:style>
+        <p:txBody>
+          <a:bodyPr lIns="91440" tIns="45720" rIns="91440" bIns="45720" rtlCol="0" anchor="ctr"/>
+          <a:lstStyle/>
+          <a:p>
+            <a:pPr algn="ctr"/>
+            <a:r>
+              <a:rPr lang="fr-FR">
+                <a:cs typeface="Calibri"/>
+              </a:rPr>
+              <a:t>./</a:t>
+            </a:r>
+            <a:r>
+              <a:rPr lang="fr-FR" err="1">
+                <a:cs typeface="Calibri"/>
+              </a:rPr>
+              <a:t>french_flag</a:t>
+            </a:r>
+          </a:p>
+        </p:txBody>
+      </p:sp>
+      <p:sp>
+        <p:nvSpPr>
+          <p:cNvPr id="22" name="Rectangle : coins arrondis 21">
+            <a:extLst>
+              <a:ext uri="{FF2B5EF4-FFF2-40B4-BE49-F238E27FC236}">
+                <a16:creationId xmlns:a16="http://schemas.microsoft.com/office/drawing/2014/main" id="{CD6FA1E5-EBCE-41A7-8A3C-D9C8AC9AE8AF}"/>
+              </a:ext>
+            </a:extLst>
+          </p:cNvPr>
+          <p:cNvSpPr/>
+          <p:nvPr/>
+        </p:nvSpPr>
+        <p:spPr>
+          <a:xfrm>
+            <a:off x="5262172" y="2455037"/>
+            <a:ext cx="1480206" cy="437930"/>
+          </a:xfrm>
+          <a:prstGeom prst="roundRect">
+            <a:avLst/>
+          </a:prstGeom>
+        </p:spPr>
+        <p:style>
+          <a:lnRef idx="2">
+            <a:schemeClr val="accent1">
+              <a:shade val="50000"/>
+            </a:schemeClr>
+          </a:lnRef>
+          <a:fillRef idx="1">
+            <a:schemeClr val="accent1"/>
+          </a:fillRef>
+          <a:effectRef idx="0">
+            <a:schemeClr val="accent1"/>
+          </a:effectRef>
+          <a:fontRef idx="minor">
+            <a:schemeClr val="lt1"/>
+          </a:fontRef>
+        </p:style>
+        <p:txBody>
+          <a:bodyPr lIns="91440" tIns="45720" rIns="91440" bIns="45720" rtlCol="0" anchor="ctr"/>
+          <a:lstStyle/>
+          <a:p>
+            <a:pPr algn="ctr"/>
+            <a:r>
+              <a:rPr lang="fr-FR">
+                <a:cs typeface="Calibri"/>
+              </a:rPr>
+              <a:t>./</a:t>
+            </a:r>
+            <a:r>
+              <a:rPr lang="fr-FR" err="1">
+                <a:cs typeface="Calibri"/>
+              </a:rPr>
+              <a:t>ireland_flag</a:t>
+            </a:r>
+          </a:p>
+        </p:txBody>
+      </p:sp>
+      <p:sp>
+        <p:nvSpPr>
+          <p:cNvPr id="25" name="Accolade fermante 24">
+            <a:extLst>
+              <a:ext uri="{FF2B5EF4-FFF2-40B4-BE49-F238E27FC236}">
+                <a16:creationId xmlns:a16="http://schemas.microsoft.com/office/drawing/2014/main" id="{DA7B7F79-0803-42FE-83D9-898DA299EB8B}"/>
+              </a:ext>
+            </a:extLst>
+          </p:cNvPr>
+          <p:cNvSpPr/>
+          <p:nvPr/>
+        </p:nvSpPr>
+        <p:spPr>
+          <a:xfrm>
+            <a:off x="7421844" y="1003300"/>
+            <a:ext cx="464206" cy="1935654"/>
+          </a:xfrm>
+          <a:prstGeom prst="rightBrace">
+            <a:avLst/>
+          </a:prstGeom>
+        </p:spPr>
+        <p:style>
+          <a:lnRef idx="1">
+            <a:schemeClr val="accent1"/>
+          </a:lnRef>
+          <a:fillRef idx="0">
+            <a:schemeClr val="accent1"/>
+          </a:fillRef>
+          <a:effectRef idx="0">
+            <a:schemeClr val="accent1"/>
+          </a:effectRef>
+          <a:fontRef idx="minor">
+            <a:schemeClr val="tx1"/>
+          </a:fontRef>
+        </p:style>
+        <p:txBody>
+          <a:bodyPr rtlCol="0" anchor="ctr"/>
+          <a:lstStyle/>
+          <a:p>
+            <a:pPr algn="ctr"/>
+            <a:endParaRPr lang="fr-FR"/>
+          </a:p>
+        </p:txBody>
+      </p:sp>
+      <p:sp>
+        <p:nvSpPr>
+          <p:cNvPr id="26" name="Accolade fermante 25">
+            <a:extLst>
+              <a:ext uri="{FF2B5EF4-FFF2-40B4-BE49-F238E27FC236}">
+                <a16:creationId xmlns:a16="http://schemas.microsoft.com/office/drawing/2014/main" id="{815244C4-90AC-4E39-8585-DB39D2EA75D0}"/>
+              </a:ext>
+            </a:extLst>
+          </p:cNvPr>
+          <p:cNvSpPr/>
+          <p:nvPr/>
+        </p:nvSpPr>
+        <p:spPr>
+          <a:xfrm>
+            <a:off x="7421843" y="4217713"/>
+            <a:ext cx="464206" cy="1935654"/>
+          </a:xfrm>
+          <a:prstGeom prst="rightBrace">
+            <a:avLst/>
+          </a:prstGeom>
+        </p:spPr>
+        <p:style>
+          <a:lnRef idx="1">
+            <a:schemeClr val="accent1"/>
+          </a:lnRef>
+          <a:fillRef idx="0">
+            <a:schemeClr val="accent1"/>
+          </a:fillRef>
+          <a:effectRef idx="0">
+            <a:schemeClr val="accent1"/>
+          </a:effectRef>
+          <a:fontRef idx="minor">
+            <a:schemeClr val="tx1"/>
+          </a:fontRef>
+        </p:style>
+        <p:txBody>
+          <a:bodyPr rtlCol="0" anchor="ctr"/>
+          <a:lstStyle/>
+          <a:p>
+            <a:pPr algn="ctr"/>
+            <a:endParaRPr lang="fr-FR"/>
+          </a:p>
+        </p:txBody>
+      </p:sp>
+      <p:sp>
+        <p:nvSpPr>
+          <p:cNvPr id="28" name="ZoneTexte 27">
+            <a:extLst>
+              <a:ext uri="{FF2B5EF4-FFF2-40B4-BE49-F238E27FC236}">
+                <a16:creationId xmlns:a16="http://schemas.microsoft.com/office/drawing/2014/main" id="{B01FCBCF-6353-43D2-B76E-9FA943D39D7E}"/>
+              </a:ext>
+            </a:extLst>
+          </p:cNvPr>
+          <p:cNvSpPr txBox="1"/>
+          <p:nvPr/>
+        </p:nvSpPr>
+        <p:spPr>
+          <a:xfrm>
+            <a:off x="8156684" y="1789167"/>
+            <a:ext cx="3119820" cy="369332"/>
+          </a:xfrm>
+          <a:prstGeom prst="rect">
+            <a:avLst/>
+          </a:prstGeom>
+          <a:noFill/>
+        </p:spPr>
+        <p:txBody>
+          <a:bodyPr rot="0" spcFirstLastPara="0" vertOverflow="overflow" horzOverflow="overflow" vert="horz" wrap="square" lIns="91440" tIns="45720" rIns="91440" bIns="45720" numCol="1" spcCol="0" rtlCol="0" fromWordArt="0" anchor="t" anchorCtr="0" forceAA="0" compatLnSpc="1">
+            <a:prstTxWarp prst="textNoShape">
+              <a:avLst/>
+            </a:prstTxWarp>
+            <a:spAutoFit/>
+          </a:bodyPr>
+          <a:lstStyle/>
+          <a:p>
+            <a:r>
+              <a:rPr lang="fr-FR">
+                <a:cs typeface="Calibri"/>
+              </a:rPr>
+              <a:t>150 images (50 images/classe)</a:t>
+            </a:r>
+            <a:endParaRPr lang="fr-FR"/>
+          </a:p>
+        </p:txBody>
+      </p:sp>
+      <p:sp>
+        <p:nvSpPr>
+          <p:cNvPr id="29" name="ZoneTexte 28">
+            <a:extLst>
+              <a:ext uri="{FF2B5EF4-FFF2-40B4-BE49-F238E27FC236}">
+                <a16:creationId xmlns:a16="http://schemas.microsoft.com/office/drawing/2014/main" id="{BCB13B74-A8AC-4653-A4C4-A1BDEBC54836}"/>
+              </a:ext>
+            </a:extLst>
+          </p:cNvPr>
+          <p:cNvSpPr txBox="1"/>
+          <p:nvPr/>
+        </p:nvSpPr>
+        <p:spPr>
+          <a:xfrm>
+            <a:off x="8156683" y="4986062"/>
+            <a:ext cx="3119820" cy="369332"/>
+          </a:xfrm>
+          <a:prstGeom prst="rect">
+            <a:avLst/>
+          </a:prstGeom>
+          <a:noFill/>
+        </p:spPr>
+        <p:txBody>
+          <a:bodyPr rot="0" spcFirstLastPara="0" vertOverflow="overflow" horzOverflow="overflow" vert="horz" wrap="square" lIns="91440" tIns="45720" rIns="91440" bIns="45720" numCol="1" spcCol="0" rtlCol="0" fromWordArt="0" anchor="t" anchorCtr="0" forceAA="0" compatLnSpc="1">
+            <a:prstTxWarp prst="textNoShape">
+              <a:avLst/>
+            </a:prstTxWarp>
+            <a:spAutoFit/>
+          </a:bodyPr>
+          <a:lstStyle/>
+          <a:p>
+            <a:r>
+              <a:rPr lang="fr-FR">
+                <a:cs typeface="Calibri"/>
+              </a:rPr>
+              <a:t>660 images (220 images/classe)</a:t>
+            </a:r>
+          </a:p>
+        </p:txBody>
+      </p:sp>
+      <p:sp>
+        <p:nvSpPr>
+          <p:cNvPr id="30" name="Rectangle : coins arrondis 29">
+            <a:extLst>
+              <a:ext uri="{FF2B5EF4-FFF2-40B4-BE49-F238E27FC236}">
+                <a16:creationId xmlns:a16="http://schemas.microsoft.com/office/drawing/2014/main" id="{C325ADE2-1C19-437C-BF0A-2472626B7BEF}"/>
+              </a:ext>
+            </a:extLst>
+          </p:cNvPr>
+          <p:cNvSpPr/>
+          <p:nvPr/>
+        </p:nvSpPr>
+        <p:spPr>
+          <a:xfrm>
+            <a:off x="5253417" y="4250557"/>
+            <a:ext cx="1331309" cy="437930"/>
+          </a:xfrm>
+          <a:prstGeom prst="roundRect">
+            <a:avLst/>
+          </a:prstGeom>
+        </p:spPr>
+        <p:style>
+          <a:lnRef idx="2">
+            <a:schemeClr val="accent1">
+              <a:shade val="50000"/>
+            </a:schemeClr>
+          </a:lnRef>
+          <a:fillRef idx="1">
+            <a:schemeClr val="accent1"/>
+          </a:fillRef>
+          <a:effectRef idx="0">
+            <a:schemeClr val="accent1"/>
+          </a:effectRef>
+          <a:fontRef idx="minor">
+            <a:schemeClr val="lt1"/>
+          </a:fontRef>
+        </p:style>
+        <p:txBody>
+          <a:bodyPr lIns="91440" tIns="45720" rIns="91440" bIns="45720" rtlCol="0" anchor="ctr"/>
+          <a:lstStyle/>
+          <a:p>
+            <a:pPr algn="ctr"/>
+            <a:r>
+              <a:rPr lang="fr-FR">
+                <a:cs typeface="Calibri"/>
+              </a:rPr>
+              <a:t>./</a:t>
+            </a:r>
+            <a:r>
+              <a:rPr lang="fr-FR" err="1">
+                <a:cs typeface="Calibri"/>
+              </a:rPr>
+              <a:t>brazil_flag</a:t>
+            </a:r>
+          </a:p>
+        </p:txBody>
+      </p:sp>
+      <p:sp>
+        <p:nvSpPr>
+          <p:cNvPr id="31" name="Rectangle : coins arrondis 30">
+            <a:extLst>
+              <a:ext uri="{FF2B5EF4-FFF2-40B4-BE49-F238E27FC236}">
+                <a16:creationId xmlns:a16="http://schemas.microsoft.com/office/drawing/2014/main" id="{ED6B1C49-119C-46E9-ADC0-642CC23EF63A}"/>
+              </a:ext>
+            </a:extLst>
+          </p:cNvPr>
+          <p:cNvSpPr/>
+          <p:nvPr/>
+        </p:nvSpPr>
+        <p:spPr>
+          <a:xfrm>
+            <a:off x="5253416" y="4968762"/>
+            <a:ext cx="1427653" cy="446688"/>
+          </a:xfrm>
+          <a:prstGeom prst="roundRect">
+            <a:avLst/>
+          </a:prstGeom>
+        </p:spPr>
+        <p:style>
+          <a:lnRef idx="2">
+            <a:schemeClr val="accent1">
+              <a:shade val="50000"/>
+            </a:schemeClr>
+          </a:lnRef>
+          <a:fillRef idx="1">
+            <a:schemeClr val="accent1"/>
+          </a:fillRef>
+          <a:effectRef idx="0">
+            <a:schemeClr val="accent1"/>
+          </a:effectRef>
+          <a:fontRef idx="minor">
+            <a:schemeClr val="lt1"/>
+          </a:fontRef>
+        </p:style>
+        <p:txBody>
+          <a:bodyPr lIns="91440" tIns="45720" rIns="91440" bIns="45720" rtlCol="0" anchor="ctr"/>
+          <a:lstStyle/>
+          <a:p>
+            <a:pPr algn="ctr"/>
+            <a:r>
+              <a:rPr lang="fr-FR">
+                <a:cs typeface="Calibri"/>
+              </a:rPr>
+              <a:t>./</a:t>
+            </a:r>
+            <a:r>
+              <a:rPr lang="fr-FR" err="1">
+                <a:cs typeface="Calibri"/>
+              </a:rPr>
+              <a:t>french_flag</a:t>
+            </a:r>
+          </a:p>
+        </p:txBody>
+      </p:sp>
+      <p:sp>
+        <p:nvSpPr>
+          <p:cNvPr id="32" name="Rectangle : coins arrondis 31">
+            <a:extLst>
+              <a:ext uri="{FF2B5EF4-FFF2-40B4-BE49-F238E27FC236}">
+                <a16:creationId xmlns:a16="http://schemas.microsoft.com/office/drawing/2014/main" id="{38719225-47BD-4982-B7E6-4F797AC7109D}"/>
+              </a:ext>
+            </a:extLst>
+          </p:cNvPr>
+          <p:cNvSpPr/>
+          <p:nvPr/>
+        </p:nvSpPr>
+        <p:spPr>
+          <a:xfrm>
+            <a:off x="5253412" y="5722002"/>
+            <a:ext cx="1480206" cy="437930"/>
+          </a:xfrm>
+          <a:prstGeom prst="roundRect">
+            <a:avLst/>
+          </a:prstGeom>
+        </p:spPr>
+        <p:style>
+          <a:lnRef idx="2">
+            <a:schemeClr val="accent1">
+              <a:shade val="50000"/>
+            </a:schemeClr>
+          </a:lnRef>
+          <a:fillRef idx="1">
+            <a:schemeClr val="accent1"/>
+          </a:fillRef>
+          <a:effectRef idx="0">
+            <a:schemeClr val="accent1"/>
+          </a:effectRef>
+          <a:fontRef idx="minor">
+            <a:schemeClr val="lt1"/>
+          </a:fontRef>
+        </p:style>
+        <p:txBody>
+          <a:bodyPr lIns="91440" tIns="45720" rIns="91440" bIns="45720" rtlCol="0" anchor="ctr"/>
+          <a:lstStyle/>
+          <a:p>
+            <a:pPr algn="ctr"/>
+            <a:r>
+              <a:rPr lang="fr-FR">
+                <a:cs typeface="Calibri"/>
+              </a:rPr>
+              <a:t>./</a:t>
+            </a:r>
+            <a:r>
+              <a:rPr lang="fr-FR" err="1">
+                <a:cs typeface="Calibri"/>
+              </a:rPr>
+              <a:t>ireland_flag</a:t>
+            </a:r>
+          </a:p>
+        </p:txBody>
+      </p:sp>
+      <p:pic>
+        <p:nvPicPr>
+          <p:cNvPr id="34" name="Image 5" descr="Une image contenant texte, extérieur, signe&#10;&#10;Description générée automatiquement">
+            <a:extLst>
+              <a:ext uri="{FF2B5EF4-FFF2-40B4-BE49-F238E27FC236}">
+                <a16:creationId xmlns:a16="http://schemas.microsoft.com/office/drawing/2014/main" id="{81D4E82A-F1DB-475F-8148-9FA59CAB7987}"/>
+              </a:ext>
+            </a:extLst>
+          </p:cNvPr>
+          <p:cNvPicPr>
+            <a:picLocks noChangeAspect="1"/>
+          </p:cNvPicPr>
+          <p:nvPr/>
+        </p:nvPicPr>
+        <p:blipFill>
+          <a:blip r:embed="rId2"/>
+          <a:stretch>
+            <a:fillRect/>
+          </a:stretch>
+        </p:blipFill>
+        <p:spPr>
+          <a:xfrm>
+            <a:off x="10839989" y="10064"/>
+            <a:ext cx="1352550" cy="914400"/>
+          </a:xfrm>
+          <a:prstGeom prst="rect">
+            <a:avLst/>
+          </a:prstGeom>
+        </p:spPr>
+      </p:pic>
+    </p:spTree>
+    <p:extLst>
+      <p:ext uri="{BB962C8B-B14F-4D97-AF65-F5344CB8AC3E}">
+        <p14:creationId xmlns:p14="http://schemas.microsoft.com/office/powerpoint/2010/main" val="1239289634"/>
+      </p:ext>
+    </p:extLst>
+  </p:cSld>
+  <p:clrMapOvr>
+    <a:masterClrMapping/>
+  </p:clrMapOvr>
+  <mc:AlternateContent xmlns:mc="http://schemas.openxmlformats.org/markup-compatibility/2006" xmlns:p14="http://schemas.microsoft.com/office/powerpoint/2010/main">
+    <mc:Choice Requires="p14">
+      <p:transition spd="med" p14:dur="700">
+        <p:fade/>
+      </p:transition>
+    </mc:Choice>
+    <mc:Fallback xmlns="">
+      <p:transition spd="med">
+        <p:fade/>
+      </p:transition>
+    </mc:Fallback>
+  </mc:AlternateContent>
+</p:sld>
+</file>
+
+<file path=ppt/slides/slide8.xml><?xml version="1.0" encoding="utf-8"?>
 <p:sld xmlns:a="http://schemas.openxmlformats.org/drawingml/2006/main" xmlns:r="http://schemas.openxmlformats.org/officeDocument/2006/relationships" xmlns:p="http://schemas.openxmlformats.org/presentationml/2006/main">
   <p:cSld>
     <p:bg>
@@ -13868,7 +18893,7 @@
               <a:buNone/>
             </a:pPr>
             <a:r>
-              <a:rPr lang="en-US" sz="2000" kern="1200" dirty="0">
+              <a:rPr lang="en-US" sz="2000" kern="1200">
                 <a:solidFill>
                   <a:schemeClr val="tx1">
                     <a:alpha val="80000"/>
@@ -13881,7 +18906,7 @@
               <a:t>PMC (Perceptron </a:t>
             </a:r>
             <a:r>
-              <a:rPr lang="en-US" sz="2000" kern="1200" dirty="0" err="1">
+              <a:rPr lang="en-US" sz="2000" kern="1200" err="1">
                 <a:solidFill>
                   <a:schemeClr val="tx1">
                     <a:alpha val="80000"/>
@@ -13894,7 +18919,7 @@
               <a:t>Multicouche</a:t>
             </a:r>
             <a:r>
-              <a:rPr lang="en-US" sz="2000" kern="1200" dirty="0">
+              <a:rPr lang="en-US" sz="2000" kern="1200">
                 <a:solidFill>
                   <a:schemeClr val="tx1">
                     <a:alpha val="80000"/>
@@ -13910,34 +18935,34 @@
           <a:p>
             <a:pPr marL="457200" indent="-457200"/>
             <a:r>
-              <a:rPr lang="en-US" sz="2000" dirty="0">
+              <a:rPr lang="en-US" sz="2000">
                 <a:ea typeface="+mn-lt"/>
                 <a:cs typeface="+mn-lt"/>
               </a:rPr>
               <a:t>PMC sans </a:t>
             </a:r>
             <a:r>
-              <a:rPr lang="en-US" sz="2000" dirty="0" err="1">
+              <a:rPr lang="en-US" sz="2000" err="1">
                 <a:ea typeface="+mn-lt"/>
                 <a:cs typeface="+mn-lt"/>
               </a:rPr>
               <a:t>couche</a:t>
             </a:r>
             <a:r>
-              <a:rPr lang="en-US" sz="2000" dirty="0">
+              <a:rPr lang="en-US" sz="2000">
                 <a:ea typeface="+mn-lt"/>
                 <a:cs typeface="+mn-lt"/>
               </a:rPr>
               <a:t> </a:t>
             </a:r>
             <a:r>
-              <a:rPr lang="en-US" sz="2000" dirty="0" err="1">
+              <a:rPr lang="en-US" sz="2000" err="1">
                 <a:ea typeface="+mn-lt"/>
                 <a:cs typeface="+mn-lt"/>
               </a:rPr>
               <a:t>cachée</a:t>
             </a:r>
-            <a:endParaRPr lang="en-US" dirty="0" err="1">
+            <a:endParaRPr lang="en-US" err="1">
               <a:ea typeface="+mn-lt"/>
               <a:cs typeface="+mn-lt"/>
             </a:endParaRPr>
@@ -13945,48 +18970,48 @@
           <a:p>
             <a:pPr marL="457200" indent="-457200"/>
             <a:r>
-              <a:rPr lang="en-US" sz="2000" dirty="0">
+              <a:rPr lang="en-US" sz="2000">
                 <a:ea typeface="+mn-lt"/>
                 <a:cs typeface="+mn-lt"/>
               </a:rPr>
               <a:t>PMC avec 1 </a:t>
             </a:r>
             <a:r>
-              <a:rPr lang="en-US" sz="2000" dirty="0" err="1">
+              <a:rPr lang="en-US" sz="2000" err="1">
                 <a:ea typeface="+mn-lt"/>
                 <a:cs typeface="+mn-lt"/>
               </a:rPr>
               <a:t>couche</a:t>
             </a:r>
             <a:r>
-              <a:rPr lang="en-US" sz="2000" dirty="0">
+              <a:rPr lang="en-US" sz="2000">
                 <a:ea typeface="+mn-lt"/>
                 <a:cs typeface="+mn-lt"/>
               </a:rPr>
               <a:t> </a:t>
             </a:r>
             <a:r>
-              <a:rPr lang="en-US" sz="2000" dirty="0" err="1">
+              <a:rPr lang="en-US" sz="2000" err="1">
                 <a:ea typeface="+mn-lt"/>
                 <a:cs typeface="+mn-lt"/>
               </a:rPr>
               <a:t>cachée</a:t>
             </a:r>
             <a:r>
-              <a:rPr lang="en-US" sz="2000" dirty="0">
+              <a:rPr lang="en-US" sz="2000">
                 <a:ea typeface="+mn-lt"/>
                 <a:cs typeface="+mn-lt"/>
               </a:rPr>
               <a:t> de 8 </a:t>
             </a:r>
             <a:r>
-              <a:rPr lang="en-US" sz="2000" dirty="0" err="1">
+              <a:rPr lang="en-US" sz="2000" err="1">
                 <a:ea typeface="+mn-lt"/>
                 <a:cs typeface="+mn-lt"/>
               </a:rPr>
               <a:t>neurones</a:t>
             </a:r>
-            <a:endParaRPr lang="en-US" dirty="0" err="1">
+            <a:endParaRPr lang="en-US" err="1">
               <a:ea typeface="+mn-lt"/>
               <a:cs typeface="+mn-lt"/>
             </a:endParaRPr>
@@ -13994,48 +19019,48 @@
           <a:p>
             <a:pPr marL="457200" indent="-457200"/>
             <a:r>
-              <a:rPr lang="en-US" sz="2000" dirty="0">
+              <a:rPr lang="en-US" sz="2000">
                 <a:ea typeface="+mn-lt"/>
                 <a:cs typeface="+mn-lt"/>
               </a:rPr>
               <a:t>PMC avec 1 </a:t>
             </a:r>
             <a:r>
-              <a:rPr lang="en-US" sz="2000" dirty="0" err="1">
+              <a:rPr lang="en-US" sz="2000" err="1">
                 <a:ea typeface="+mn-lt"/>
                 <a:cs typeface="+mn-lt"/>
               </a:rPr>
               <a:t>couche</a:t>
             </a:r>
             <a:r>
-              <a:rPr lang="en-US" sz="2000" dirty="0">
+              <a:rPr lang="en-US" sz="2000">
                 <a:ea typeface="+mn-lt"/>
                 <a:cs typeface="+mn-lt"/>
               </a:rPr>
               <a:t> </a:t>
             </a:r>
             <a:r>
-              <a:rPr lang="en-US" sz="2000" dirty="0" err="1">
+              <a:rPr lang="en-US" sz="2000" err="1">
                 <a:ea typeface="+mn-lt"/>
                 <a:cs typeface="+mn-lt"/>
               </a:rPr>
               <a:t>cachée</a:t>
             </a:r>
             <a:r>
-              <a:rPr lang="en-US" sz="2000" dirty="0">
+              <a:rPr lang="en-US" sz="2000">
                 <a:ea typeface="+mn-lt"/>
                 <a:cs typeface="+mn-lt"/>
               </a:rPr>
               <a:t> de 32 </a:t>
             </a:r>
             <a:r>
-              <a:rPr lang="en-US" sz="2000" dirty="0" err="1">
+              <a:rPr lang="en-US" sz="2000" err="1">
                 <a:ea typeface="+mn-lt"/>
                 <a:cs typeface="+mn-lt"/>
               </a:rPr>
               <a:t>neurones</a:t>
             </a:r>
-            <a:endParaRPr lang="en-US" dirty="0" err="1">
+            <a:endParaRPr lang="en-US" err="1">
               <a:ea typeface="+mn-lt"/>
               <a:cs typeface="+mn-lt"/>
             </a:endParaRPr>
@@ -14043,34 +19068,34 @@
           <a:p>
             <a:pPr marL="457200" indent="-457200"/>
             <a:r>
-              <a:rPr lang="en-US" sz="2000" dirty="0">
+              <a:rPr lang="en-US" sz="2000">
                 <a:ea typeface="+mn-lt"/>
                 <a:cs typeface="+mn-lt"/>
               </a:rPr>
               <a:t>PMC avec 2 couches </a:t>
             </a:r>
             <a:r>
-              <a:rPr lang="en-US" sz="2000" dirty="0" err="1">
+              <a:rPr lang="en-US" sz="2000" err="1">
                 <a:ea typeface="+mn-lt"/>
                 <a:cs typeface="+mn-lt"/>
               </a:rPr>
               <a:t>cachées</a:t>
             </a:r>
             <a:r>
-              <a:rPr lang="en-US" sz="2000" dirty="0">
+              <a:rPr lang="en-US" sz="2000">
                 <a:ea typeface="+mn-lt"/>
                 <a:cs typeface="+mn-lt"/>
               </a:rPr>
               <a:t> de 32 </a:t>
             </a:r>
             <a:r>
-              <a:rPr lang="en-US" sz="2000" dirty="0" err="1">
+              <a:rPr lang="en-US" sz="2000" err="1">
                 <a:ea typeface="+mn-lt"/>
                 <a:cs typeface="+mn-lt"/>
               </a:rPr>
               <a:t>neurones</a:t>
             </a:r>
-            <a:endParaRPr lang="en-US" sz="2000" dirty="0" err="1">
+            <a:endParaRPr lang="en-US" sz="2000" err="1">
               <a:cs typeface="Calibri"/>
             </a:endParaRPr>
           </a:p>
@@ -14202,1105 +19227,13 @@
   <p:clrMapOvr>
     <a:masterClrMapping/>
   </p:clrMapOvr>
-  <mc:AlternateContent xmlns:mc="http://schemas.openxmlformats.org/markup-compatibility/2006">
-    <mc:Choice xmlns:p14="http://schemas.microsoft.com/office/powerpoint/2010/main" Requires="p14">
+  <mc:AlternateContent xmlns:mc="http://schemas.openxmlformats.org/markup-compatibility/2006" xmlns:p14="http://schemas.microsoft.com/office/powerpoint/2010/main">
+    <mc:Choice Requires="p14">
       <p:transition spd="med" p14:dur="700">
         <p:fade/>
       </p:transition>
     </mc:Choice>
-    <mc:Fallback>
-      <p:transition spd="med">
-        <p:fade/>
-      </p:transition>
-    </mc:Fallback>
-  </mc:AlternateContent>
-  <p:timing>
-    <p:tnLst>
-      <p:par>
-        <p:cTn id="1" dur="indefinite" restart="never" nodeType="tmRoot">
-          <p:childTnLst>
-            <p:seq concurrent="1" nextAc="seek">
-              <p:cTn id="2" dur="indefinite" nodeType="mainSeq">
-                <p:childTnLst>
-                  <p:par>
-                    <p:cTn id="3" fill="hold">
-                      <p:stCondLst>
-                        <p:cond delay="indefinite"/>
-                        <p:cond evt="onBegin" delay="0">
-                          <p:tn val="2"/>
-                        </p:cond>
-                      </p:stCondLst>
-                      <p:childTnLst>
-                        <p:par>
-                          <p:cTn id="4" fill="hold">
-                            <p:stCondLst>
-                              <p:cond delay="0"/>
-                            </p:stCondLst>
-                            <p:childTnLst>
-                              <p:par>
-                                <p:cTn id="5" presetID="10" presetClass="entr" presetSubtype="0" fill="hold" grpId="0" nodeType="withEffect">
-                                  <p:stCondLst>
-                                    <p:cond delay="500"/>
-                                  </p:stCondLst>
-                                  <p:iterate>
-                                    <p:tmPct val="10000"/>
-                                  </p:iterate>
-                                  <p:childTnLst>
-                                    <p:set>
-                                      <p:cBhvr>
-                                        <p:cTn id="6" dur="1" fill="hold">
-                                          <p:stCondLst>
-                                            <p:cond delay="0"/>
-                                          </p:stCondLst>
-                                        </p:cTn>
-                                        <p:tgtEl>
-                                          <p:spTgt spid="2"/>
-                                        </p:tgtEl>
-                                        <p:attrNameLst>
-                                          <p:attrName>style.visibility</p:attrName>
-                                        </p:attrNameLst>
-                                      </p:cBhvr>
-                                      <p:to>
-                                        <p:strVal val="visible"/>
-                                      </p:to>
-                                    </p:set>
-                                    <p:animEffect transition="in" filter="fade">
-                                      <p:cBhvr>
-                                        <p:cTn id="7" dur="700"/>
-                                        <p:tgtEl>
-                                          <p:spTgt spid="2"/>
-                                        </p:tgtEl>
-                                      </p:cBhvr>
-                                    </p:animEffect>
-                                  </p:childTnLst>
-                                </p:cTn>
-                              </p:par>
-                            </p:childTnLst>
-                          </p:cTn>
-                        </p:par>
-                      </p:childTnLst>
-                    </p:cTn>
-                  </p:par>
-                </p:childTnLst>
-              </p:cTn>
-              <p:prevCondLst>
-                <p:cond evt="onPrev" delay="0">
-                  <p:tgtEl>
-                    <p:sldTgt/>
-                  </p:tgtEl>
-                </p:cond>
-              </p:prevCondLst>
-              <p:nextCondLst>
-                <p:cond evt="onNext" delay="0">
-                  <p:tgtEl>
-                    <p:sldTgt/>
-                  </p:tgtEl>
-                </p:cond>
-              </p:nextCondLst>
-            </p:seq>
-          </p:childTnLst>
-        </p:cTn>
-      </p:par>
-    </p:tnLst>
-    <p:bldLst>
-      <p:bldP spid="2" grpId="0"/>
-    </p:bldLst>
-  </p:timing>
-</p:sld>
-</file>
-
-<file path=ppt/slides/slide8.xml><?xml version="1.0" encoding="utf-8"?>
-<p:sld xmlns:a="http://schemas.openxmlformats.org/drawingml/2006/main" xmlns:r="http://schemas.openxmlformats.org/officeDocument/2006/relationships" xmlns:p="http://schemas.openxmlformats.org/presentationml/2006/main">
-  <p:cSld>
-    <p:bg>
-      <p:bgPr>
-        <a:solidFill>
-          <a:schemeClr val="bg1"/>
-        </a:solidFill>
-        <a:effectLst/>
-      </p:bgPr>
-    </p:bg>
-    <p:spTree>
-      <p:nvGrpSpPr>
-        <p:cNvPr id="1" name=""/>
-        <p:cNvGrpSpPr/>
-        <p:nvPr/>
-      </p:nvGrpSpPr>
-      <p:grpSpPr>
-        <a:xfrm>
-          <a:off x="0" y="0"/>
-          <a:ext cx="0" cy="0"/>
-          <a:chOff x="0" y="0"/>
-          <a:chExt cx="0" cy="0"/>
-        </a:xfrm>
-      </p:grpSpPr>
-      <p:sp useBgFill="1">
-        <p:nvSpPr>
-          <p:cNvPr id="60" name="Rectangle 59">
-            <a:extLst>
-              <a:ext uri="{FF2B5EF4-FFF2-40B4-BE49-F238E27FC236}">
-                <a16:creationId xmlns:a16="http://schemas.microsoft.com/office/drawing/2014/main" id="{464EC53C-35C4-4E84-AFE2-A7D081852617}"/>
-              </a:ext>
-              <a:ext uri="{C183D7F6-B498-43B3-948B-1728B52AA6E4}">
-                <adec:decorative xmlns:adec="http://schemas.microsoft.com/office/drawing/2017/decorative" val="1"/>
-              </a:ext>
-            </a:extLst>
-          </p:cNvPr>
-          <p:cNvSpPr>
-            <a:spLocks noGrp="1" noRot="1" noChangeAspect="1" noMove="1" noResize="1" noEditPoints="1" noAdjustHandles="1" noChangeArrowheads="1" noChangeShapeType="1" noTextEdit="1"/>
-          </p:cNvSpPr>
-          <p:nvPr>
-            <p:extLst>
-              <p:ext uri="{386F3935-93C4-4BCD-93E2-E3B085C9AB24}">
-                <p16:designElem xmlns:p16="http://schemas.microsoft.com/office/powerpoint/2015/main" val="1"/>
-              </p:ext>
-            </p:extLst>
-          </p:nvPr>
-        </p:nvSpPr>
-        <p:spPr>
-          <a:xfrm>
-            <a:off x="0" y="0"/>
-            <a:ext cx="12192000" cy="6858000"/>
-          </a:xfrm>
-          <a:prstGeom prst="rect">
-            <a:avLst/>
-          </a:prstGeom>
-          <a:ln w="12700" cap="flat" cmpd="sng" algn="ctr">
-            <a:noFill/>
-            <a:prstDash val="solid"/>
-            <a:miter lim="800000"/>
-          </a:ln>
-          <a:effectLst/>
-          <a:extLst>
-            <a:ext uri="{91240B29-F687-4F45-9708-019B960494DF}">
-              <a14:hiddenLine xmlns:a14="http://schemas.microsoft.com/office/drawing/2010/main" w="12700" cap="flat" cmpd="sng" algn="ctr">
-                <a:solidFill>
-                  <a:schemeClr val="accent1">
-                    <a:shade val="50000"/>
-                  </a:schemeClr>
-                </a:solidFill>
-                <a:prstDash val="solid"/>
-                <a:miter lim="800000"/>
-              </a14:hiddenLine>
-            </a:ext>
-          </a:extLst>
-        </p:spPr>
-        <p:style>
-          <a:lnRef idx="2">
-            <a:schemeClr val="accent1">
-              <a:shade val="50000"/>
-            </a:schemeClr>
-          </a:lnRef>
-          <a:fillRef idx="1">
-            <a:schemeClr val="accent1"/>
-          </a:fillRef>
-          <a:effectRef idx="0">
-            <a:schemeClr val="accent1"/>
-          </a:effectRef>
-          <a:fontRef idx="minor">
-            <a:schemeClr val="lt1"/>
-          </a:fontRef>
-        </p:style>
-        <p:txBody>
-          <a:bodyPr rtlCol="0" anchor="ctr"/>
-          <a:lstStyle/>
-          <a:p>
-            <a:pPr algn="ctr"/>
-            <a:endParaRPr lang="en-US"/>
-          </a:p>
-        </p:txBody>
-      </p:sp>
-      <p:sp>
-        <p:nvSpPr>
-          <p:cNvPr id="62" name="!!Rectangle">
-            <a:extLst>
-              <a:ext uri="{FF2B5EF4-FFF2-40B4-BE49-F238E27FC236}">
-                <a16:creationId xmlns:a16="http://schemas.microsoft.com/office/drawing/2014/main" id="{9A3F5928-D955-456A-97B5-AA390B8CE9D5}"/>
-              </a:ext>
-              <a:ext uri="{C183D7F6-B498-43B3-948B-1728B52AA6E4}">
-                <adec:decorative xmlns:adec="http://schemas.microsoft.com/office/drawing/2017/decorative" val="1"/>
-              </a:ext>
-            </a:extLst>
-          </p:cNvPr>
-          <p:cNvSpPr>
-            <a:spLocks noGrp="1" noRot="1" noChangeAspect="1" noMove="1" noResize="1" noEditPoints="1" noAdjustHandles="1" noChangeArrowheads="1" noChangeShapeType="1" noTextEdit="1"/>
-          </p:cNvSpPr>
-          <p:nvPr>
-            <p:extLst>
-              <p:ext uri="{386F3935-93C4-4BCD-93E2-E3B085C9AB24}">
-                <p16:designElem xmlns:p16="http://schemas.microsoft.com/office/powerpoint/2015/main" val="1"/>
-              </p:ext>
-            </p:extLst>
-          </p:nvPr>
-        </p:nvSpPr>
-        <p:spPr>
-          <a:xfrm>
-            <a:off x="0" y="0"/>
-            <a:ext cx="12192000" cy="6858000"/>
-          </a:xfrm>
-          <a:prstGeom prst="rect">
-            <a:avLst/>
-          </a:prstGeom>
-          <a:gradFill flip="none" rotWithShape="1">
-            <a:gsLst>
-              <a:gs pos="0">
-                <a:schemeClr val="accent1"/>
-              </a:gs>
-              <a:gs pos="100000">
-                <a:schemeClr val="accent2"/>
-              </a:gs>
-            </a:gsLst>
-            <a:lin ang="18900000" scaled="0"/>
-            <a:tileRect/>
-          </a:gradFill>
-          <a:ln>
-            <a:noFill/>
-          </a:ln>
-        </p:spPr>
-        <p:style>
-          <a:lnRef idx="2">
-            <a:schemeClr val="accent1">
-              <a:shade val="50000"/>
-            </a:schemeClr>
-          </a:lnRef>
-          <a:fillRef idx="1">
-            <a:schemeClr val="accent1"/>
-          </a:fillRef>
-          <a:effectRef idx="0">
-            <a:schemeClr val="accent1"/>
-          </a:effectRef>
-          <a:fontRef idx="minor">
-            <a:schemeClr val="lt1"/>
-          </a:fontRef>
-        </p:style>
-        <p:txBody>
-          <a:bodyPr rtlCol="0" anchor="ctr"/>
-          <a:lstStyle/>
-          <a:p>
-            <a:pPr marL="0" marR="0" lvl="0" indent="0" algn="ctr" defTabSz="914400" rtl="0" eaLnBrk="1" fontAlgn="auto" latinLnBrk="0" hangingPunct="1">
-              <a:lnSpc>
-                <a:spcPct val="100000"/>
-              </a:lnSpc>
-              <a:spcBef>
-                <a:spcPts val="0"/>
-              </a:spcBef>
-              <a:spcAft>
-                <a:spcPts val="0"/>
-              </a:spcAft>
-              <a:buClrTx/>
-              <a:buSzTx/>
-              <a:buFontTx/>
-              <a:buNone/>
-              <a:tabLst/>
-              <a:defRPr/>
-            </a:pPr>
-            <a:endParaRPr kumimoji="0" lang="en-US" sz="1800" b="0" i="0" u="none" strike="noStrike" kern="1200" cap="none" spc="0" normalizeH="0" baseline="0" noProof="0">
-              <a:ln>
-                <a:noFill/>
-              </a:ln>
-              <a:solidFill>
-                <a:srgbClr val="FFFFFF"/>
-              </a:solidFill>
-              <a:effectLst/>
-              <a:uLnTx/>
-              <a:uFillTx/>
-              <a:latin typeface="Calibri" panose="020F0502020204030204"/>
-              <a:ea typeface="+mn-ea"/>
-              <a:cs typeface="+mn-cs"/>
-            </a:endParaRPr>
-          </a:p>
-        </p:txBody>
-      </p:sp>
-      <p:pic>
-        <p:nvPicPr>
-          <p:cNvPr id="47" name="Picture 46" descr="Avion en papier jaune volant dans le sens inverse de celui de beaucoup d'avions en papier gris.">
-            <a:extLst>
-              <a:ext uri="{FF2B5EF4-FFF2-40B4-BE49-F238E27FC236}">
-                <a16:creationId xmlns:a16="http://schemas.microsoft.com/office/drawing/2014/main" id="{D42397BE-D3A8-4022-88AB-0D1FE41F1BC6}"/>
-              </a:ext>
-            </a:extLst>
-          </p:cNvPr>
-          <p:cNvPicPr>
-            <a:picLocks noChangeAspect="1"/>
-          </p:cNvPicPr>
-          <p:nvPr/>
-        </p:nvPicPr>
-        <p:blipFill rotWithShape="1">
-          <a:blip r:embed="rId2">
-            <a:duotone>
-              <a:schemeClr val="accent1">
-                <a:shade val="45000"/>
-                <a:satMod val="135000"/>
-              </a:schemeClr>
-              <a:prstClr val="white"/>
-            </a:duotone>
-            <a:alphaModFix amt="35000"/>
-          </a:blip>
-          <a:srcRect t="8817" b="6914"/>
-          <a:stretch/>
-        </p:blipFill>
-        <p:spPr>
-          <a:xfrm>
-            <a:off x="20" y="10"/>
-            <a:ext cx="12191981" cy="6857989"/>
-          </a:xfrm>
-          <a:prstGeom prst="rect">
-            <a:avLst/>
-          </a:prstGeom>
-        </p:spPr>
-      </p:pic>
-      <p:sp>
-        <p:nvSpPr>
-          <p:cNvPr id="2" name="Titre 1">
-            <a:extLst>
-              <a:ext uri="{FF2B5EF4-FFF2-40B4-BE49-F238E27FC236}">
-                <a16:creationId xmlns:a16="http://schemas.microsoft.com/office/drawing/2014/main" id="{3696F46D-E716-4F2D-A9A6-8B5AB29058BA}"/>
-              </a:ext>
-            </a:extLst>
-          </p:cNvPr>
-          <p:cNvSpPr>
-            <a:spLocks noGrp="1"/>
-          </p:cNvSpPr>
-          <p:nvPr>
-            <p:ph type="title"/>
-          </p:nvPr>
-        </p:nvSpPr>
-        <p:spPr>
-          <a:xfrm>
-            <a:off x="1256275" y="2271449"/>
-            <a:ext cx="9679449" cy="2847058"/>
-          </a:xfrm>
-        </p:spPr>
-        <p:txBody>
-          <a:bodyPr vert="horz" lIns="91440" tIns="45720" rIns="91440" bIns="45720" rtlCol="0" anchor="b">
-            <a:normAutofit/>
-          </a:bodyPr>
-          <a:lstStyle/>
-          <a:p>
-            <a:r>
-              <a:rPr lang="en-US" sz="8000" b="1">
-                <a:solidFill>
-                  <a:srgbClr val="FFFFFF"/>
-                </a:solidFill>
-              </a:rPr>
-              <a:t>Démonstration</a:t>
-            </a:r>
-          </a:p>
-        </p:txBody>
-      </p:sp>
-      <p:cxnSp>
-        <p:nvCxnSpPr>
-          <p:cNvPr id="64" name="Straight Connector 63">
-            <a:extLst>
-              <a:ext uri="{FF2B5EF4-FFF2-40B4-BE49-F238E27FC236}">
-                <a16:creationId xmlns:a16="http://schemas.microsoft.com/office/drawing/2014/main" id="{56020367-4FD5-4596-8E10-C5F095CD8DBF}"/>
-              </a:ext>
-              <a:ext uri="{C183D7F6-B498-43B3-948B-1728B52AA6E4}">
-                <adec:decorative xmlns:adec="http://schemas.microsoft.com/office/drawing/2017/decorative" val="1"/>
-              </a:ext>
-            </a:extLst>
-          </p:cNvPr>
-          <p:cNvCxnSpPr>
-            <a:cxnSpLocks noGrp="1" noRot="1" noChangeAspect="1" noMove="1" noResize="1" noEditPoints="1" noAdjustHandles="1" noChangeArrowheads="1" noChangeShapeType="1"/>
-          </p:cNvCxnSpPr>
-          <p:nvPr>
-            <p:extLst>
-              <p:ext uri="{386F3935-93C4-4BCD-93E2-E3B085C9AB24}">
-                <p16:designElem xmlns:p16="http://schemas.microsoft.com/office/powerpoint/2015/main" val="1"/>
-              </p:ext>
-            </p:extLst>
-          </p:nvPr>
-        </p:nvCxnSpPr>
-        <p:spPr>
-          <a:xfrm>
-            <a:off x="8878" y="806470"/>
-            <a:ext cx="8453437" cy="0"/>
-          </a:xfrm>
-          <a:prstGeom prst="line">
-            <a:avLst/>
-          </a:prstGeom>
-          <a:ln w="25400" cap="sq">
-            <a:solidFill>
-              <a:srgbClr val="FFFFFF"/>
-            </a:solidFill>
-            <a:bevel/>
-          </a:ln>
-        </p:spPr>
-        <p:style>
-          <a:lnRef idx="1">
-            <a:schemeClr val="accent1"/>
-          </a:lnRef>
-          <a:fillRef idx="0">
-            <a:schemeClr val="accent1"/>
-          </a:fillRef>
-          <a:effectRef idx="0">
-            <a:schemeClr val="accent1"/>
-          </a:effectRef>
-          <a:fontRef idx="minor">
-            <a:schemeClr val="tx1"/>
-          </a:fontRef>
-        </p:style>
-      </p:cxnSp>
-      <p:sp>
-        <p:nvSpPr>
-          <p:cNvPr id="66" name="Graphic 13">
-            <a:extLst>
-              <a:ext uri="{FF2B5EF4-FFF2-40B4-BE49-F238E27FC236}">
-                <a16:creationId xmlns:a16="http://schemas.microsoft.com/office/drawing/2014/main" id="{C5CB530E-515E-412C-9DF1-5F8FFBD6F383}"/>
-              </a:ext>
-              <a:ext uri="{C183D7F6-B498-43B3-948B-1728B52AA6E4}">
-                <adec:decorative xmlns:adec="http://schemas.microsoft.com/office/drawing/2017/decorative" val="1"/>
-              </a:ext>
-            </a:extLst>
-          </p:cNvPr>
-          <p:cNvSpPr>
-            <a:spLocks noGrp="1" noRot="1" noChangeAspect="1" noMove="1" noResize="1" noEditPoints="1" noAdjustHandles="1" noChangeArrowheads="1" noChangeShapeType="1" noTextEdit="1"/>
-          </p:cNvSpPr>
-          <p:nvPr>
-            <p:extLst>
-              <p:ext uri="{386F3935-93C4-4BCD-93E2-E3B085C9AB24}">
-                <p16:designElem xmlns:p16="http://schemas.microsoft.com/office/powerpoint/2015/main" val="1"/>
-              </p:ext>
-            </p:extLst>
-          </p:nvPr>
-        </p:nvSpPr>
-        <p:spPr>
-          <a:xfrm>
-            <a:off x="544954" y="2875093"/>
-            <a:ext cx="139039" cy="139039"/>
-          </a:xfrm>
-          <a:custGeom>
-            <a:avLst/>
-            <a:gdLst>
-              <a:gd name="connsiteX0" fmla="*/ 129602 w 139039"/>
-              <a:gd name="connsiteY0" fmla="*/ 60082 h 139039"/>
-              <a:gd name="connsiteX1" fmla="*/ 78957 w 139039"/>
-              <a:gd name="connsiteY1" fmla="*/ 60082 h 139039"/>
-              <a:gd name="connsiteX2" fmla="*/ 78957 w 139039"/>
-              <a:gd name="connsiteY2" fmla="*/ 9437 h 139039"/>
-              <a:gd name="connsiteX3" fmla="*/ 69520 w 139039"/>
-              <a:gd name="connsiteY3" fmla="*/ 0 h 139039"/>
-              <a:gd name="connsiteX4" fmla="*/ 60082 w 139039"/>
-              <a:gd name="connsiteY4" fmla="*/ 9437 h 139039"/>
-              <a:gd name="connsiteX5" fmla="*/ 60082 w 139039"/>
-              <a:gd name="connsiteY5" fmla="*/ 60082 h 139039"/>
-              <a:gd name="connsiteX6" fmla="*/ 9437 w 139039"/>
-              <a:gd name="connsiteY6" fmla="*/ 60082 h 139039"/>
-              <a:gd name="connsiteX7" fmla="*/ 0 w 139039"/>
-              <a:gd name="connsiteY7" fmla="*/ 69520 h 139039"/>
-              <a:gd name="connsiteX8" fmla="*/ 9437 w 139039"/>
-              <a:gd name="connsiteY8" fmla="*/ 78957 h 139039"/>
-              <a:gd name="connsiteX9" fmla="*/ 60082 w 139039"/>
-              <a:gd name="connsiteY9" fmla="*/ 78957 h 139039"/>
-              <a:gd name="connsiteX10" fmla="*/ 60082 w 139039"/>
-              <a:gd name="connsiteY10" fmla="*/ 129602 h 139039"/>
-              <a:gd name="connsiteX11" fmla="*/ 69520 w 139039"/>
-              <a:gd name="connsiteY11" fmla="*/ 139039 h 139039"/>
-              <a:gd name="connsiteX12" fmla="*/ 78957 w 139039"/>
-              <a:gd name="connsiteY12" fmla="*/ 129602 h 139039"/>
-              <a:gd name="connsiteX13" fmla="*/ 78957 w 139039"/>
-              <a:gd name="connsiteY13" fmla="*/ 78957 h 139039"/>
-              <a:gd name="connsiteX14" fmla="*/ 129602 w 139039"/>
-              <a:gd name="connsiteY14" fmla="*/ 78957 h 139039"/>
-              <a:gd name="connsiteX15" fmla="*/ 139039 w 139039"/>
-              <a:gd name="connsiteY15" fmla="*/ 69520 h 139039"/>
-              <a:gd name="connsiteX16" fmla="*/ 129602 w 139039"/>
-              <a:gd name="connsiteY16" fmla="*/ 60082 h 139039"/>
-            </a:gdLst>
-            <a:ahLst/>
-            <a:cxnLst>
-              <a:cxn ang="0">
-                <a:pos x="connsiteX0" y="connsiteY0"/>
-              </a:cxn>
-              <a:cxn ang="0">
-                <a:pos x="connsiteX1" y="connsiteY1"/>
-              </a:cxn>
-              <a:cxn ang="0">
-                <a:pos x="connsiteX2" y="connsiteY2"/>
-              </a:cxn>
-              <a:cxn ang="0">
-                <a:pos x="connsiteX3" y="connsiteY3"/>
-              </a:cxn>
-              <a:cxn ang="0">
-                <a:pos x="connsiteX4" y="connsiteY4"/>
-              </a:cxn>
-              <a:cxn ang="0">
-                <a:pos x="connsiteX5" y="connsiteY5"/>
-              </a:cxn>
-              <a:cxn ang="0">
-                <a:pos x="connsiteX6" y="connsiteY6"/>
-              </a:cxn>
-              <a:cxn ang="0">
-                <a:pos x="connsiteX7" y="connsiteY7"/>
-              </a:cxn>
-              <a:cxn ang="0">
-                <a:pos x="connsiteX8" y="connsiteY8"/>
-              </a:cxn>
-              <a:cxn ang="0">
-                <a:pos x="connsiteX9" y="connsiteY9"/>
-              </a:cxn>
-              <a:cxn ang="0">
-                <a:pos x="connsiteX10" y="connsiteY10"/>
-              </a:cxn>
-              <a:cxn ang="0">
-                <a:pos x="connsiteX11" y="connsiteY11"/>
-              </a:cxn>
-              <a:cxn ang="0">
-                <a:pos x="connsiteX12" y="connsiteY12"/>
-              </a:cxn>
-              <a:cxn ang="0">
-                <a:pos x="connsiteX13" y="connsiteY13"/>
-              </a:cxn>
-              <a:cxn ang="0">
-                <a:pos x="connsiteX14" y="connsiteY14"/>
-              </a:cxn>
-              <a:cxn ang="0">
-                <a:pos x="connsiteX15" y="connsiteY15"/>
-              </a:cxn>
-              <a:cxn ang="0">
-                <a:pos x="connsiteX16" y="connsiteY16"/>
-              </a:cxn>
-            </a:cxnLst>
-            <a:rect l="l" t="t" r="r" b="b"/>
-            <a:pathLst>
-              <a:path w="139039" h="139039">
-                <a:moveTo>
-                  <a:pt x="129602" y="60082"/>
-                </a:moveTo>
-                <a:lnTo>
-                  <a:pt x="78957" y="60082"/>
-                </a:lnTo>
-                <a:lnTo>
-                  <a:pt x="78957" y="9437"/>
-                </a:lnTo>
-                <a:cubicBezTo>
-                  <a:pt x="78957" y="4225"/>
-                  <a:pt x="74731" y="0"/>
-                  <a:pt x="69520" y="0"/>
-                </a:cubicBezTo>
-                <a:cubicBezTo>
-                  <a:pt x="64308" y="0"/>
-                  <a:pt x="60082" y="4225"/>
-                  <a:pt x="60082" y="9437"/>
-                </a:cubicBezTo>
-                <a:lnTo>
-                  <a:pt x="60082" y="60082"/>
-                </a:lnTo>
-                <a:lnTo>
-                  <a:pt x="9437" y="60082"/>
-                </a:lnTo>
-                <a:cubicBezTo>
-                  <a:pt x="4225" y="60082"/>
-                  <a:pt x="0" y="64308"/>
-                  <a:pt x="0" y="69520"/>
-                </a:cubicBezTo>
-                <a:cubicBezTo>
-                  <a:pt x="0" y="74731"/>
-                  <a:pt x="4225" y="78957"/>
-                  <a:pt x="9437" y="78957"/>
-                </a:cubicBezTo>
-                <a:lnTo>
-                  <a:pt x="60082" y="78957"/>
-                </a:lnTo>
-                <a:lnTo>
-                  <a:pt x="60082" y="129602"/>
-                </a:lnTo>
-                <a:cubicBezTo>
-                  <a:pt x="60082" y="134814"/>
-                  <a:pt x="64308" y="139039"/>
-                  <a:pt x="69520" y="139039"/>
-                </a:cubicBezTo>
-                <a:cubicBezTo>
-                  <a:pt x="74731" y="139039"/>
-                  <a:pt x="78957" y="134814"/>
-                  <a:pt x="78957" y="129602"/>
-                </a:cubicBezTo>
-                <a:lnTo>
-                  <a:pt x="78957" y="78957"/>
-                </a:lnTo>
-                <a:lnTo>
-                  <a:pt x="129602" y="78957"/>
-                </a:lnTo>
-                <a:cubicBezTo>
-                  <a:pt x="134814" y="78957"/>
-                  <a:pt x="139039" y="74731"/>
-                  <a:pt x="139039" y="69520"/>
-                </a:cubicBezTo>
-                <a:cubicBezTo>
-                  <a:pt x="139039" y="64308"/>
-                  <a:pt x="134814" y="60082"/>
-                  <a:pt x="129602" y="60082"/>
-                </a:cubicBezTo>
-                <a:close/>
-              </a:path>
-            </a:pathLst>
-          </a:custGeom>
-          <a:solidFill>
-            <a:srgbClr val="FFFFFF"/>
-          </a:solidFill>
-          <a:ln w="603" cap="flat">
-            <a:noFill/>
-            <a:prstDash val="solid"/>
-            <a:miter/>
-          </a:ln>
-        </p:spPr>
-        <p:txBody>
-          <a:bodyPr rtlCol="0" anchor="ctr"/>
-          <a:lstStyle/>
-          <a:p>
-            <a:pPr marL="0" marR="0" lvl="0" indent="0" algn="l" defTabSz="914400" rtl="0" eaLnBrk="1" fontAlgn="auto" latinLnBrk="0" hangingPunct="1">
-              <a:lnSpc>
-                <a:spcPct val="100000"/>
-              </a:lnSpc>
-              <a:spcBef>
-                <a:spcPts val="0"/>
-              </a:spcBef>
-              <a:spcAft>
-                <a:spcPts val="0"/>
-              </a:spcAft>
-              <a:buClrTx/>
-              <a:buSzTx/>
-              <a:buFontTx/>
-              <a:buNone/>
-              <a:tabLst/>
-              <a:defRPr/>
-            </a:pPr>
-            <a:endParaRPr kumimoji="0" lang="en-US" sz="1800" b="0" i="0" u="none" strike="noStrike" kern="1200" cap="none" spc="0" normalizeH="0" baseline="0" noProof="0">
-              <a:ln>
-                <a:noFill/>
-              </a:ln>
-              <a:solidFill>
-                <a:srgbClr val="FFFFFF"/>
-              </a:solidFill>
-              <a:effectLst/>
-              <a:uLnTx/>
-              <a:uFillTx/>
-              <a:latin typeface="Calibri" panose="020F0502020204030204"/>
-              <a:ea typeface="+mn-ea"/>
-              <a:cs typeface="+mn-cs"/>
-            </a:endParaRPr>
-          </a:p>
-        </p:txBody>
-      </p:sp>
-      <p:sp>
-        <p:nvSpPr>
-          <p:cNvPr id="68" name="Graphic 12">
-            <a:extLst>
-              <a:ext uri="{FF2B5EF4-FFF2-40B4-BE49-F238E27FC236}">
-                <a16:creationId xmlns:a16="http://schemas.microsoft.com/office/drawing/2014/main" id="{712D4376-A578-4FF1-94FC-245E7A6A489F}"/>
-              </a:ext>
-              <a:ext uri="{C183D7F6-B498-43B3-948B-1728B52AA6E4}">
-                <adec:decorative xmlns:adec="http://schemas.microsoft.com/office/drawing/2017/decorative" val="1"/>
-              </a:ext>
-            </a:extLst>
-          </p:cNvPr>
-          <p:cNvSpPr>
-            <a:spLocks noGrp="1" noRot="1" noChangeAspect="1" noMove="1" noResize="1" noEditPoints="1" noAdjustHandles="1" noChangeArrowheads="1" noChangeShapeType="1" noTextEdit="1"/>
-          </p:cNvSpPr>
-          <p:nvPr>
-            <p:extLst>
-              <p:ext uri="{386F3935-93C4-4BCD-93E2-E3B085C9AB24}">
-                <p16:designElem xmlns:p16="http://schemas.microsoft.com/office/powerpoint/2015/main" val="1"/>
-              </p:ext>
-            </p:extLst>
-          </p:nvPr>
-        </p:nvSpPr>
-        <p:spPr>
-          <a:xfrm>
-            <a:off x="903734" y="3104388"/>
-            <a:ext cx="91138" cy="91138"/>
-          </a:xfrm>
-          <a:custGeom>
-            <a:avLst/>
-            <a:gdLst>
-              <a:gd name="connsiteX0" fmla="*/ 91138 w 91138"/>
-              <a:gd name="connsiteY0" fmla="*/ 45569 h 91138"/>
-              <a:gd name="connsiteX1" fmla="*/ 45569 w 91138"/>
-              <a:gd name="connsiteY1" fmla="*/ 91138 h 91138"/>
-              <a:gd name="connsiteX2" fmla="*/ 0 w 91138"/>
-              <a:gd name="connsiteY2" fmla="*/ 45569 h 91138"/>
-              <a:gd name="connsiteX3" fmla="*/ 45569 w 91138"/>
-              <a:gd name="connsiteY3" fmla="*/ 0 h 91138"/>
-              <a:gd name="connsiteX4" fmla="*/ 91138 w 91138"/>
-              <a:gd name="connsiteY4" fmla="*/ 45569 h 91138"/>
-            </a:gdLst>
-            <a:ahLst/>
-            <a:cxnLst>
-              <a:cxn ang="0">
-                <a:pos x="connsiteX0" y="connsiteY0"/>
-              </a:cxn>
-              <a:cxn ang="0">
-                <a:pos x="connsiteX1" y="connsiteY1"/>
-              </a:cxn>
-              <a:cxn ang="0">
-                <a:pos x="connsiteX2" y="connsiteY2"/>
-              </a:cxn>
-              <a:cxn ang="0">
-                <a:pos x="connsiteX3" y="connsiteY3"/>
-              </a:cxn>
-              <a:cxn ang="0">
-                <a:pos x="connsiteX4" y="connsiteY4"/>
-              </a:cxn>
-            </a:cxnLst>
-            <a:rect l="l" t="t" r="r" b="b"/>
-            <a:pathLst>
-              <a:path w="91138" h="91138">
-                <a:moveTo>
-                  <a:pt x="91138" y="45569"/>
-                </a:moveTo>
-                <a:cubicBezTo>
-                  <a:pt x="91138" y="70736"/>
-                  <a:pt x="70736" y="91138"/>
-                  <a:pt x="45569" y="91138"/>
-                </a:cubicBezTo>
-                <a:cubicBezTo>
-                  <a:pt x="20402" y="91138"/>
-                  <a:pt x="0" y="70736"/>
-                  <a:pt x="0" y="45569"/>
-                </a:cubicBezTo>
-                <a:cubicBezTo>
-                  <a:pt x="0" y="20402"/>
-                  <a:pt x="20402" y="0"/>
-                  <a:pt x="45569" y="0"/>
-                </a:cubicBezTo>
-                <a:cubicBezTo>
-                  <a:pt x="70736" y="0"/>
-                  <a:pt x="91138" y="20402"/>
-                  <a:pt x="91138" y="45569"/>
-                </a:cubicBezTo>
-                <a:close/>
-              </a:path>
-            </a:pathLst>
-          </a:custGeom>
-          <a:solidFill>
-            <a:srgbClr val="FFFFFF"/>
-          </a:solidFill>
-          <a:ln w="422" cap="flat">
-            <a:noFill/>
-            <a:prstDash val="solid"/>
-            <a:miter/>
-          </a:ln>
-        </p:spPr>
-        <p:txBody>
-          <a:bodyPr rtlCol="0" anchor="ctr"/>
-          <a:lstStyle/>
-          <a:p>
-            <a:pPr marL="0" marR="0" lvl="0" indent="0" algn="l" defTabSz="914400" rtl="0" eaLnBrk="1" fontAlgn="auto" latinLnBrk="0" hangingPunct="1">
-              <a:lnSpc>
-                <a:spcPct val="100000"/>
-              </a:lnSpc>
-              <a:spcBef>
-                <a:spcPts val="0"/>
-              </a:spcBef>
-              <a:spcAft>
-                <a:spcPts val="0"/>
-              </a:spcAft>
-              <a:buClrTx/>
-              <a:buSzTx/>
-              <a:buFontTx/>
-              <a:buNone/>
-              <a:tabLst/>
-              <a:defRPr/>
-            </a:pPr>
-            <a:endParaRPr kumimoji="0" lang="en-US" sz="1800" b="0" i="0" u="none" strike="noStrike" kern="1200" cap="none" spc="0" normalizeH="0" baseline="0" noProof="0">
-              <a:ln>
-                <a:noFill/>
-              </a:ln>
-              <a:solidFill>
-                <a:srgbClr val="FFFFFF"/>
-              </a:solidFill>
-              <a:effectLst/>
-              <a:uLnTx/>
-              <a:uFillTx/>
-              <a:latin typeface="Calibri" panose="020F0502020204030204"/>
-              <a:ea typeface="+mn-ea"/>
-              <a:cs typeface="+mn-cs"/>
-            </a:endParaRPr>
-          </a:p>
-        </p:txBody>
-      </p:sp>
-      <p:sp>
-        <p:nvSpPr>
-          <p:cNvPr id="70" name="Graphic 15">
-            <a:extLst>
-              <a:ext uri="{FF2B5EF4-FFF2-40B4-BE49-F238E27FC236}">
-                <a16:creationId xmlns:a16="http://schemas.microsoft.com/office/drawing/2014/main" id="{AEA7509D-F04F-40CB-A0B3-EEF16499CC9F}"/>
-              </a:ext>
-              <a:ext uri="{C183D7F6-B498-43B3-948B-1728B52AA6E4}">
-                <adec:decorative xmlns:adec="http://schemas.microsoft.com/office/drawing/2017/decorative" val="1"/>
-              </a:ext>
-            </a:extLst>
-          </p:cNvPr>
-          <p:cNvSpPr>
-            <a:spLocks noGrp="1" noRot="1" noChangeAspect="1" noMove="1" noResize="1" noEditPoints="1" noAdjustHandles="1" noChangeArrowheads="1" noChangeShapeType="1" noTextEdit="1"/>
-          </p:cNvSpPr>
-          <p:nvPr>
-            <p:extLst>
-              <p:ext uri="{386F3935-93C4-4BCD-93E2-E3B085C9AB24}">
-                <p16:designElem xmlns:p16="http://schemas.microsoft.com/office/powerpoint/2015/main" val="1"/>
-              </p:ext>
-            </p:extLst>
-          </p:nvPr>
-        </p:nvSpPr>
-        <p:spPr>
-          <a:xfrm>
-            <a:off x="529414" y="3619532"/>
-            <a:ext cx="127714" cy="127714"/>
-          </a:xfrm>
-          <a:custGeom>
-            <a:avLst/>
-            <a:gdLst>
-              <a:gd name="connsiteX0" fmla="*/ 63857 w 127714"/>
-              <a:gd name="connsiteY0" fmla="*/ 18874 h 127714"/>
-              <a:gd name="connsiteX1" fmla="*/ 108840 w 127714"/>
-              <a:gd name="connsiteY1" fmla="*/ 63857 h 127714"/>
-              <a:gd name="connsiteX2" fmla="*/ 63857 w 127714"/>
-              <a:gd name="connsiteY2" fmla="*/ 108840 h 127714"/>
-              <a:gd name="connsiteX3" fmla="*/ 18874 w 127714"/>
-              <a:gd name="connsiteY3" fmla="*/ 63857 h 127714"/>
-              <a:gd name="connsiteX4" fmla="*/ 63857 w 127714"/>
-              <a:gd name="connsiteY4" fmla="*/ 18874 h 127714"/>
-              <a:gd name="connsiteX5" fmla="*/ 63857 w 127714"/>
-              <a:gd name="connsiteY5" fmla="*/ 0 h 127714"/>
-              <a:gd name="connsiteX6" fmla="*/ 0 w 127714"/>
-              <a:gd name="connsiteY6" fmla="*/ 63857 h 127714"/>
-              <a:gd name="connsiteX7" fmla="*/ 63857 w 127714"/>
-              <a:gd name="connsiteY7" fmla="*/ 127714 h 127714"/>
-              <a:gd name="connsiteX8" fmla="*/ 127714 w 127714"/>
-              <a:gd name="connsiteY8" fmla="*/ 63857 h 127714"/>
-              <a:gd name="connsiteX9" fmla="*/ 63857 w 127714"/>
-              <a:gd name="connsiteY9" fmla="*/ 0 h 127714"/>
-            </a:gdLst>
-            <a:ahLst/>
-            <a:cxnLst>
-              <a:cxn ang="0">
-                <a:pos x="connsiteX0" y="connsiteY0"/>
-              </a:cxn>
-              <a:cxn ang="0">
-                <a:pos x="connsiteX1" y="connsiteY1"/>
-              </a:cxn>
-              <a:cxn ang="0">
-                <a:pos x="connsiteX2" y="connsiteY2"/>
-              </a:cxn>
-              <a:cxn ang="0">
-                <a:pos x="connsiteX3" y="connsiteY3"/>
-              </a:cxn>
-              <a:cxn ang="0">
-                <a:pos x="connsiteX4" y="connsiteY4"/>
-              </a:cxn>
-              <a:cxn ang="0">
-                <a:pos x="connsiteX5" y="connsiteY5"/>
-              </a:cxn>
-              <a:cxn ang="0">
-                <a:pos x="connsiteX6" y="connsiteY6"/>
-              </a:cxn>
-              <a:cxn ang="0">
-                <a:pos x="connsiteX7" y="connsiteY7"/>
-              </a:cxn>
-              <a:cxn ang="0">
-                <a:pos x="connsiteX8" y="connsiteY8"/>
-              </a:cxn>
-              <a:cxn ang="0">
-                <a:pos x="connsiteX9" y="connsiteY9"/>
-              </a:cxn>
-            </a:cxnLst>
-            <a:rect l="l" t="t" r="r" b="b"/>
-            <a:pathLst>
-              <a:path w="127714" h="127714">
-                <a:moveTo>
-                  <a:pt x="63857" y="18874"/>
-                </a:moveTo>
-                <a:cubicBezTo>
-                  <a:pt x="88700" y="18874"/>
-                  <a:pt x="108840" y="39014"/>
-                  <a:pt x="108840" y="63857"/>
-                </a:cubicBezTo>
-                <a:cubicBezTo>
-                  <a:pt x="108840" y="88700"/>
-                  <a:pt x="88700" y="108840"/>
-                  <a:pt x="63857" y="108840"/>
-                </a:cubicBezTo>
-                <a:cubicBezTo>
-                  <a:pt x="39014" y="108840"/>
-                  <a:pt x="18874" y="88700"/>
-                  <a:pt x="18874" y="63857"/>
-                </a:cubicBezTo>
-                <a:cubicBezTo>
-                  <a:pt x="18898" y="39024"/>
-                  <a:pt x="39024" y="18898"/>
-                  <a:pt x="63857" y="18874"/>
-                </a:cubicBezTo>
-                <a:moveTo>
-                  <a:pt x="63857" y="0"/>
-                </a:moveTo>
-                <a:cubicBezTo>
-                  <a:pt x="28590" y="0"/>
-                  <a:pt x="0" y="28590"/>
-                  <a:pt x="0" y="63857"/>
-                </a:cubicBezTo>
-                <a:cubicBezTo>
-                  <a:pt x="0" y="99124"/>
-                  <a:pt x="28590" y="127714"/>
-                  <a:pt x="63857" y="127714"/>
-                </a:cubicBezTo>
-                <a:cubicBezTo>
-                  <a:pt x="99124" y="127714"/>
-                  <a:pt x="127714" y="99124"/>
-                  <a:pt x="127714" y="63857"/>
-                </a:cubicBezTo>
-                <a:cubicBezTo>
-                  <a:pt x="127714" y="28590"/>
-                  <a:pt x="99124" y="0"/>
-                  <a:pt x="63857" y="0"/>
-                </a:cubicBezTo>
-                <a:close/>
-              </a:path>
-            </a:pathLst>
-          </a:custGeom>
-          <a:solidFill>
-            <a:srgbClr val="FFFFFF"/>
-          </a:solidFill>
-          <a:ln w="610" cap="flat">
-            <a:noFill/>
-            <a:prstDash val="solid"/>
-            <a:miter/>
-          </a:ln>
-        </p:spPr>
-        <p:txBody>
-          <a:bodyPr rtlCol="0" anchor="ctr"/>
-          <a:lstStyle/>
-          <a:p>
-            <a:pPr marL="0" marR="0" lvl="0" indent="0" algn="l" defTabSz="914400" rtl="0" eaLnBrk="1" fontAlgn="auto" latinLnBrk="0" hangingPunct="1">
-              <a:lnSpc>
-                <a:spcPct val="100000"/>
-              </a:lnSpc>
-              <a:spcBef>
-                <a:spcPts val="0"/>
-              </a:spcBef>
-              <a:spcAft>
-                <a:spcPts val="0"/>
-              </a:spcAft>
-              <a:buClrTx/>
-              <a:buSzTx/>
-              <a:buFontTx/>
-              <a:buNone/>
-              <a:tabLst/>
-              <a:defRPr/>
-            </a:pPr>
-            <a:endParaRPr kumimoji="0" lang="en-US" sz="1800" b="0" i="0" u="none" strike="noStrike" kern="1200" cap="none" spc="0" normalizeH="0" baseline="0" noProof="0">
-              <a:ln>
-                <a:noFill/>
-              </a:ln>
-              <a:solidFill>
-                <a:srgbClr val="FFFFFF"/>
-              </a:solidFill>
-              <a:effectLst/>
-              <a:uLnTx/>
-              <a:uFillTx/>
-              <a:latin typeface="Calibri" panose="020F0502020204030204"/>
-              <a:ea typeface="+mn-ea"/>
-              <a:cs typeface="+mn-cs"/>
-            </a:endParaRPr>
-          </a:p>
-        </p:txBody>
-      </p:sp>
-      <p:pic>
-        <p:nvPicPr>
-          <p:cNvPr id="5" name="Image 5" descr="Une image contenant texte, extérieur, signe&#10;&#10;Description générée automatiquement">
-            <a:extLst>
-              <a:ext uri="{FF2B5EF4-FFF2-40B4-BE49-F238E27FC236}">
-                <a16:creationId xmlns:a16="http://schemas.microsoft.com/office/drawing/2014/main" id="{413F04FD-06CB-41B9-AD10-BDD3D12A1279}"/>
-              </a:ext>
-            </a:extLst>
-          </p:cNvPr>
-          <p:cNvPicPr>
-            <a:picLocks noChangeAspect="1"/>
-          </p:cNvPicPr>
-          <p:nvPr/>
-        </p:nvPicPr>
-        <p:blipFill>
-          <a:blip r:embed="rId3"/>
-          <a:stretch>
-            <a:fillRect/>
-          </a:stretch>
-        </p:blipFill>
-        <p:spPr>
-          <a:xfrm>
-            <a:off x="10839989" y="-4313"/>
-            <a:ext cx="1352550" cy="914400"/>
-          </a:xfrm>
-          <a:prstGeom prst="rect">
-            <a:avLst/>
-          </a:prstGeom>
-        </p:spPr>
-      </p:pic>
-      <p:sp>
-        <p:nvSpPr>
-          <p:cNvPr id="6" name="Espace réservé du pied de page 3">
-            <a:extLst>
-              <a:ext uri="{FF2B5EF4-FFF2-40B4-BE49-F238E27FC236}">
-                <a16:creationId xmlns:a16="http://schemas.microsoft.com/office/drawing/2014/main" id="{056BDBD3-76C3-4E08-BDD7-81EE18C1DBF8}"/>
-              </a:ext>
-            </a:extLst>
-          </p:cNvPr>
-          <p:cNvSpPr>
-            <a:spLocks noGrp="1"/>
-          </p:cNvSpPr>
-          <p:nvPr>
-            <p:ph type="ftr" sz="quarter" idx="11"/>
-          </p:nvPr>
-        </p:nvSpPr>
-        <p:spPr>
-          <a:xfrm>
-            <a:off x="4697524" y="6477830"/>
-            <a:ext cx="2789529" cy="365125"/>
-          </a:xfrm>
-        </p:spPr>
-        <p:txBody>
-          <a:bodyPr>
-            <a:normAutofit/>
-          </a:bodyPr>
-          <a:lstStyle/>
-          <a:p>
-            <a:pPr>
-              <a:spcAft>
-                <a:spcPts val="600"/>
-              </a:spcAft>
-            </a:pPr>
-            <a:r>
-              <a:rPr lang="en-US">
-                <a:solidFill>
-                  <a:srgbClr val="FFFFFF"/>
-                </a:solidFill>
-              </a:rPr>
-              <a:t>Maathess Kothandapani</a:t>
-            </a:r>
-            <a:endParaRPr lang="en-US">
-              <a:solidFill>
-                <a:srgbClr val="FFFFFF"/>
-              </a:solidFill>
-              <a:cs typeface="Calibri"/>
-            </a:endParaRPr>
-          </a:p>
-        </p:txBody>
-      </p:sp>
-    </p:spTree>
-    <p:extLst>
-      <p:ext uri="{BB962C8B-B14F-4D97-AF65-F5344CB8AC3E}">
-        <p14:creationId xmlns:p14="http://schemas.microsoft.com/office/powerpoint/2010/main" val="1746112874"/>
-      </p:ext>
-    </p:extLst>
-  </p:cSld>
-  <p:clrMapOvr>
-    <a:masterClrMapping/>
-  </p:clrMapOvr>
-  <mc:AlternateContent xmlns:mc="http://schemas.openxmlformats.org/markup-compatibility/2006">
-    <mc:Choice xmlns:p14="http://schemas.microsoft.com/office/powerpoint/2010/main" Requires="p14">
-      <p:transition spd="med" p14:dur="700">
-        <p:fade/>
-      </p:transition>
-    </mc:Choice>
-    <mc:Fallback>
+    <mc:Fallback xmlns="">
       <p:transition spd="med">
         <p:fade/>
       </p:transition>
@@ -15434,14 +19367,389 @@
             <p:ph type="ftr" sz="quarter" idx="11"/>
           </p:nvPr>
         </p:nvSpPr>
-        <p:spPr/>
+        <p:spPr>
+          <a:xfrm>
+            <a:off x="4038600" y="6601591"/>
+            <a:ext cx="4114800" cy="365125"/>
+          </a:xfrm>
+        </p:spPr>
         <p:txBody>
           <a:bodyPr/>
           <a:lstStyle/>
           <a:p>
             <a:r>
+              <a:rPr lang="en-US" err="1"/>
+              <a:t>Maathess</a:t>
+            </a:r>
+            <a:r>
               <a:rPr lang="en-US"/>
-              <a:t>Ephraïm Amezian, Maathess Kothandapani, Gauttier Leffebvre</a:t>
+              <a:t> Kothandapani</a:t>
+            </a:r>
+            <a:endParaRPr lang="en-US">
+              <a:cs typeface="Calibri"/>
+            </a:endParaRPr>
+          </a:p>
+        </p:txBody>
+      </p:sp>
+      <p:pic>
+        <p:nvPicPr>
+          <p:cNvPr id="2" name="Image 5" descr="Une image contenant texte, extérieur, signe&#10;&#10;Description générée automatiquement">
+            <a:extLst>
+              <a:ext uri="{FF2B5EF4-FFF2-40B4-BE49-F238E27FC236}">
+                <a16:creationId xmlns:a16="http://schemas.microsoft.com/office/drawing/2014/main" id="{A75D09CD-3A7F-43A3-8A32-663DF74C425C}"/>
+              </a:ext>
+            </a:extLst>
+          </p:cNvPr>
+          <p:cNvPicPr>
+            <a:picLocks noChangeAspect="1"/>
+          </p:cNvPicPr>
+          <p:nvPr/>
+        </p:nvPicPr>
+        <p:blipFill>
+          <a:blip r:embed="rId2"/>
+          <a:stretch>
+            <a:fillRect/>
+          </a:stretch>
+        </p:blipFill>
+        <p:spPr>
+          <a:xfrm>
+            <a:off x="10839989" y="10064"/>
+            <a:ext cx="1352550" cy="914400"/>
+          </a:xfrm>
+          <a:prstGeom prst="rect">
+            <a:avLst/>
+          </a:prstGeom>
+        </p:spPr>
+      </p:pic>
+      <p:sp>
+        <p:nvSpPr>
+          <p:cNvPr id="3" name="ZoneTexte 2">
+            <a:extLst>
+              <a:ext uri="{FF2B5EF4-FFF2-40B4-BE49-F238E27FC236}">
+                <a16:creationId xmlns:a16="http://schemas.microsoft.com/office/drawing/2014/main" id="{8626095D-1496-497C-88ED-BC4643B0C598}"/>
+              </a:ext>
+            </a:extLst>
+          </p:cNvPr>
+          <p:cNvSpPr txBox="1"/>
+          <p:nvPr/>
+        </p:nvSpPr>
+        <p:spPr>
+          <a:xfrm>
+            <a:off x="3504" y="64813"/>
+            <a:ext cx="12176234" cy="461665"/>
+          </a:xfrm>
+          <a:prstGeom prst="rect">
+            <a:avLst/>
+          </a:prstGeom>
+          <a:noFill/>
+        </p:spPr>
+        <p:txBody>
+          <a:bodyPr rot="0" spcFirstLastPara="0" vertOverflow="overflow" horzOverflow="overflow" vert="horz" wrap="square" lIns="91440" tIns="45720" rIns="91440" bIns="45720" numCol="1" spcCol="0" rtlCol="0" fromWordArt="0" anchor="t" anchorCtr="0" forceAA="0" compatLnSpc="1">
+            <a:prstTxWarp prst="textNoShape">
+              <a:avLst/>
+            </a:prstTxWarp>
+            <a:spAutoFit/>
+          </a:bodyPr>
+          <a:lstStyle/>
+          <a:p>
+            <a:pPr algn="ctr"/>
+            <a:r>
+              <a:rPr lang="en-US" sz="2400"/>
+              <a:t>PMC sans </a:t>
+            </a:r>
+            <a:r>
+              <a:rPr lang="en-US" sz="2400" err="1"/>
+              <a:t>couche</a:t>
+            </a:r>
+            <a:r>
+              <a:rPr lang="en-US" sz="2400"/>
+              <a:t> </a:t>
+            </a:r>
+            <a:r>
+              <a:rPr lang="en-US" sz="2400" err="1"/>
+              <a:t>cachée</a:t>
+            </a:r>
+            <a:endParaRPr lang="fr-FR" sz="2400">
+              <a:cs typeface="Calibri" panose="020F0502020204030204"/>
+            </a:endParaRPr>
+          </a:p>
+        </p:txBody>
+      </p:sp>
+      <p:pic>
+        <p:nvPicPr>
+          <p:cNvPr id="11" name="Image 11">
+            <a:extLst>
+              <a:ext uri="{FF2B5EF4-FFF2-40B4-BE49-F238E27FC236}">
+                <a16:creationId xmlns:a16="http://schemas.microsoft.com/office/drawing/2014/main" id="{3AA89E51-9CE8-4D82-B91F-D01180D2283A}"/>
+              </a:ext>
+            </a:extLst>
+          </p:cNvPr>
+          <p:cNvPicPr>
+            <a:picLocks noChangeAspect="1"/>
+          </p:cNvPicPr>
+          <p:nvPr/>
+        </p:nvPicPr>
+        <p:blipFill>
+          <a:blip r:embed="rId3"/>
+          <a:stretch>
+            <a:fillRect/>
+          </a:stretch>
+        </p:blipFill>
+        <p:spPr>
+          <a:xfrm>
+            <a:off x="8586952" y="4064479"/>
+            <a:ext cx="3619062" cy="2722973"/>
+          </a:xfrm>
+          <a:prstGeom prst="rect">
+            <a:avLst/>
+          </a:prstGeom>
+        </p:spPr>
+      </p:pic>
+      <p:pic>
+        <p:nvPicPr>
+          <p:cNvPr id="12" name="Image 12" descr="Une image contenant texte&#10;&#10;Description générée automatiquement">
+            <a:extLst>
+              <a:ext uri="{FF2B5EF4-FFF2-40B4-BE49-F238E27FC236}">
+                <a16:creationId xmlns:a16="http://schemas.microsoft.com/office/drawing/2014/main" id="{2E8D2CF3-F9BB-4BF1-8282-3EEA9969DC1A}"/>
+              </a:ext>
+            </a:extLst>
+          </p:cNvPr>
+          <p:cNvPicPr>
+            <a:picLocks noChangeAspect="1"/>
+          </p:cNvPicPr>
+          <p:nvPr/>
+        </p:nvPicPr>
+        <p:blipFill>
+          <a:blip r:embed="rId4"/>
+          <a:stretch>
+            <a:fillRect/>
+          </a:stretch>
+        </p:blipFill>
+        <p:spPr>
+          <a:xfrm>
+            <a:off x="5066370" y="1458366"/>
+            <a:ext cx="1884089" cy="516649"/>
+          </a:xfrm>
+          <a:prstGeom prst="rect">
+            <a:avLst/>
+          </a:prstGeom>
+        </p:spPr>
+      </p:pic>
+      <p:pic>
+        <p:nvPicPr>
+          <p:cNvPr id="13" name="Image 13">
+            <a:extLst>
+              <a:ext uri="{FF2B5EF4-FFF2-40B4-BE49-F238E27FC236}">
+                <a16:creationId xmlns:a16="http://schemas.microsoft.com/office/drawing/2014/main" id="{007B8151-1B5C-4EB8-ABAF-550F9A2EE472}"/>
+              </a:ext>
+            </a:extLst>
+          </p:cNvPr>
+          <p:cNvPicPr>
+            <a:picLocks noChangeAspect="1"/>
+          </p:cNvPicPr>
+          <p:nvPr/>
+        </p:nvPicPr>
+        <p:blipFill>
+          <a:blip r:embed="rId5"/>
+          <a:stretch>
+            <a:fillRect/>
+          </a:stretch>
+        </p:blipFill>
+        <p:spPr>
+          <a:xfrm>
+            <a:off x="7176814" y="1479364"/>
+            <a:ext cx="3303751" cy="2611752"/>
+          </a:xfrm>
+          <a:prstGeom prst="rect">
+            <a:avLst/>
+          </a:prstGeom>
+        </p:spPr>
+      </p:pic>
+      <p:pic>
+        <p:nvPicPr>
+          <p:cNvPr id="14" name="Image 14">
+            <a:extLst>
+              <a:ext uri="{FF2B5EF4-FFF2-40B4-BE49-F238E27FC236}">
+                <a16:creationId xmlns:a16="http://schemas.microsoft.com/office/drawing/2014/main" id="{B23B3745-81A3-4D21-8CF2-D73D111FE621}"/>
+              </a:ext>
+            </a:extLst>
+          </p:cNvPr>
+          <p:cNvPicPr>
+            <a:picLocks noChangeAspect="1"/>
+          </p:cNvPicPr>
+          <p:nvPr/>
+        </p:nvPicPr>
+        <p:blipFill>
+          <a:blip r:embed="rId6"/>
+          <a:stretch>
+            <a:fillRect/>
+          </a:stretch>
+        </p:blipFill>
+        <p:spPr>
+          <a:xfrm>
+            <a:off x="38538" y="4145323"/>
+            <a:ext cx="3303751" cy="2675147"/>
+          </a:xfrm>
+          <a:prstGeom prst="rect">
+            <a:avLst/>
+          </a:prstGeom>
+        </p:spPr>
+      </p:pic>
+      <p:pic>
+        <p:nvPicPr>
+          <p:cNvPr id="15" name="Image 15">
+            <a:extLst>
+              <a:ext uri="{FF2B5EF4-FFF2-40B4-BE49-F238E27FC236}">
+                <a16:creationId xmlns:a16="http://schemas.microsoft.com/office/drawing/2014/main" id="{3116E5C7-04B8-4CF8-8F77-C6B8A16D8A7F}"/>
+              </a:ext>
+            </a:extLst>
+          </p:cNvPr>
+          <p:cNvPicPr>
+            <a:picLocks noChangeAspect="1"/>
+          </p:cNvPicPr>
+          <p:nvPr/>
+        </p:nvPicPr>
+        <p:blipFill>
+          <a:blip r:embed="rId7"/>
+          <a:stretch>
+            <a:fillRect/>
+          </a:stretch>
+        </p:blipFill>
+        <p:spPr>
+          <a:xfrm>
+            <a:off x="1685159" y="1505181"/>
+            <a:ext cx="3146096" cy="2586394"/>
+          </a:xfrm>
+          <a:prstGeom prst="rect">
+            <a:avLst/>
+          </a:prstGeom>
+        </p:spPr>
+      </p:pic>
+      <p:cxnSp>
+        <p:nvCxnSpPr>
+          <p:cNvPr id="16" name="Connecteur droit avec flèche 15">
+            <a:extLst>
+              <a:ext uri="{FF2B5EF4-FFF2-40B4-BE49-F238E27FC236}">
+                <a16:creationId xmlns:a16="http://schemas.microsoft.com/office/drawing/2014/main" id="{6A128BD0-9F83-4354-BA5F-BDAA22F7749C}"/>
+              </a:ext>
+            </a:extLst>
+          </p:cNvPr>
+          <p:cNvCxnSpPr/>
+          <p:nvPr/>
+        </p:nvCxnSpPr>
+        <p:spPr>
+          <a:xfrm>
+            <a:off x="6050454" y="2113456"/>
+            <a:ext cx="1" cy="4563239"/>
+          </a:xfrm>
+          <a:prstGeom prst="straightConnector1">
+            <a:avLst/>
+          </a:prstGeom>
+        </p:spPr>
+        <p:style>
+          <a:lnRef idx="1">
+            <a:schemeClr val="accent1"/>
+          </a:lnRef>
+          <a:fillRef idx="0">
+            <a:schemeClr val="accent1"/>
+          </a:fillRef>
+          <a:effectRef idx="0">
+            <a:schemeClr val="accent1"/>
+          </a:effectRef>
+          <a:fontRef idx="minor">
+            <a:schemeClr val="tx1"/>
+          </a:fontRef>
+        </p:style>
+      </p:cxnSp>
+      <p:sp>
+        <p:nvSpPr>
+          <p:cNvPr id="17" name="ZoneTexte 16">
+            <a:extLst>
+              <a:ext uri="{FF2B5EF4-FFF2-40B4-BE49-F238E27FC236}">
+                <a16:creationId xmlns:a16="http://schemas.microsoft.com/office/drawing/2014/main" id="{9ECE6250-7274-4A26-AD59-FEF171D3498D}"/>
+              </a:ext>
+            </a:extLst>
+          </p:cNvPr>
+          <p:cNvSpPr txBox="1"/>
+          <p:nvPr/>
+        </p:nvSpPr>
+        <p:spPr>
+          <a:xfrm>
+            <a:off x="1740447" y="706930"/>
+            <a:ext cx="2743200" cy="369332"/>
+          </a:xfrm>
+          <a:prstGeom prst="rect">
+            <a:avLst/>
+          </a:prstGeom>
+          <a:noFill/>
+        </p:spPr>
+        <p:txBody>
+          <a:bodyPr rot="0" spcFirstLastPara="0" vertOverflow="overflow" horzOverflow="overflow" vert="horz" wrap="square" lIns="91440" tIns="45720" rIns="91440" bIns="45720" numCol="1" spcCol="0" rtlCol="0" fromWordArt="0" anchor="t" anchorCtr="0" forceAA="0" compatLnSpc="1">
+            <a:prstTxWarp prst="textNoShape">
+              <a:avLst/>
+            </a:prstTxWarp>
+            <a:spAutoFit/>
+          </a:bodyPr>
+          <a:lstStyle/>
+          <a:p>
+            <a:pPr algn="ctr"/>
+            <a:r>
+              <a:rPr lang="fr-FR" b="1" dirty="0">
+                <a:solidFill>
+                  <a:srgbClr val="FF0000"/>
+                </a:solidFill>
+              </a:rPr>
+              <a:t>1 entraînement</a:t>
+            </a:r>
+            <a:endParaRPr lang="fr-FR" b="1">
+              <a:solidFill>
+                <a:srgbClr val="FF0000"/>
+              </a:solidFill>
+              <a:cs typeface="Calibri"/>
+            </a:endParaRPr>
+          </a:p>
+        </p:txBody>
+      </p:sp>
+      <p:sp>
+        <p:nvSpPr>
+          <p:cNvPr id="18" name="ZoneTexte 17">
+            <a:extLst>
+              <a:ext uri="{FF2B5EF4-FFF2-40B4-BE49-F238E27FC236}">
+                <a16:creationId xmlns:a16="http://schemas.microsoft.com/office/drawing/2014/main" id="{045FB367-A27C-4F8F-944F-1C63C56EF4BA}"/>
+              </a:ext>
+            </a:extLst>
+          </p:cNvPr>
+          <p:cNvSpPr txBox="1"/>
+          <p:nvPr/>
+        </p:nvSpPr>
+        <p:spPr>
+          <a:xfrm>
+            <a:off x="7459825" y="689412"/>
+            <a:ext cx="2743200" cy="369332"/>
+          </a:xfrm>
+          <a:prstGeom prst="rect">
+            <a:avLst/>
+          </a:prstGeom>
+          <a:noFill/>
+        </p:spPr>
+        <p:txBody>
+          <a:bodyPr rot="0" spcFirstLastPara="0" vertOverflow="overflow" horzOverflow="overflow" vert="horz" wrap="square" lIns="91440" tIns="45720" rIns="91440" bIns="45720" numCol="1" spcCol="0" rtlCol="0" fromWordArt="0" anchor="t" anchorCtr="0" forceAA="0" compatLnSpc="1">
+            <a:prstTxWarp prst="textNoShape">
+              <a:avLst/>
+            </a:prstTxWarp>
+            <a:spAutoFit/>
+          </a:bodyPr>
+          <a:lstStyle/>
+          <a:p>
+            <a:pPr algn="ctr"/>
+            <a:r>
+              <a:rPr lang="fr-FR" b="1" dirty="0">
+                <a:solidFill>
+                  <a:srgbClr val="FF0000"/>
+                </a:solidFill>
+                <a:cs typeface="Calibri"/>
+              </a:rPr>
+              <a:t>Plus de 3 entraînement</a:t>
             </a:r>
           </a:p>
         </p:txBody>

--- a/Présentation rattrapage PA.pptx
+++ b/Présentation rattrapage PA.pptx
@@ -138,6 +138,8 @@
     <p1510:client id="{32A2FD5A-37E6-2924-4DD9-8B26E6F4809D}" v="333" dt="2021-07-27T12:30:37.823"/>
     <p1510:client id="{3FE01F80-4AAA-F007-FE75-E3784CB60BE1}" v="1" dt="2021-09-07T00:59:02.455"/>
     <p1510:client id="{8336E6B7-F7E5-70FD-3427-AC5951063867}" v="19" dt="2021-07-26T18:40:34.188"/>
+    <p1510:client id="{83390983-3B28-A65F-EA8D-AAF0004EBA12}" v="3" dt="2021-09-07T10:24:41.112"/>
+    <p1510:client id="{85F5912F-CEB9-C74A-E256-296F14B5C1C7}" v="4" dt="2021-09-07T08:43:00.206"/>
     <p1510:client id="{8CB952CA-9FA6-921A-5FAB-95F7A5C57170}" v="131" dt="2021-09-07T00:54:31.104"/>
     <p1510:client id="{9979B327-6A27-22F7-5845-5C8DEA72C172}" v="894" dt="2021-09-06T19:22:15.903"/>
     <p1510:client id="{9F214FC6-9F8E-A70C-38A9-8D95F3E113F0}" v="646" dt="2021-09-05T10:21:29.398"/>
@@ -231,7 +233,7 @@
           <a:p>
             <a:fld id="{60DA1757-DF83-4484-9F54-C7B035228300}" type="datetimeFigureOut">
               <a:rPr lang="en-US" smtClean="0"/>
-              <a:t>9/6/2021</a:t>
+              <a:t>9/7/2021</a:t>
             </a:fld>
             <a:endParaRPr lang="en-US"/>
           </a:p>
@@ -648,7 +650,7 @@
           <a:p>
             <a:fld id="{F8CAF083-96CE-4F4E-9985-DB4FD6CD4407}" type="datetime1">
               <a:rPr lang="en-US" smtClean="0"/>
-              <a:t>9/6/2021</a:t>
+              <a:t>9/7/2021</a:t>
             </a:fld>
             <a:endParaRPr lang="en-US"/>
           </a:p>
@@ -863,7 +865,7 @@
           <a:p>
             <a:fld id="{5A0D43E4-C176-4CD4-BFED-2EF6197B74C6}" type="datetime1">
               <a:rPr lang="en-US" smtClean="0"/>
-              <a:t>9/6/2021</a:t>
+              <a:t>9/7/2021</a:t>
             </a:fld>
             <a:endParaRPr lang="en-US"/>
           </a:p>
@@ -1088,7 +1090,7 @@
           <a:p>
             <a:fld id="{0A6CD3BF-595B-49A4-8F8F-A149C20B96E6}" type="datetime1">
               <a:rPr lang="en-US" smtClean="0"/>
-              <a:t>9/6/2021</a:t>
+              <a:t>9/7/2021</a:t>
             </a:fld>
             <a:endParaRPr lang="en-US"/>
           </a:p>
@@ -1303,7 +1305,7 @@
           <a:p>
             <a:fld id="{0940D937-824F-42D7-B5C3-9F7910AB63C2}" type="datetime1">
               <a:rPr lang="en-US" smtClean="0"/>
-              <a:t>9/6/2021</a:t>
+              <a:t>9/7/2021</a:t>
             </a:fld>
             <a:endParaRPr lang="en-US"/>
           </a:p>
@@ -1594,7 +1596,7 @@
           <a:p>
             <a:fld id="{DE653A0E-E504-40B8-9248-AD70C9628B1F}" type="datetime1">
               <a:rPr lang="en-US" smtClean="0"/>
-              <a:t>9/6/2021</a:t>
+              <a:t>9/7/2021</a:t>
             </a:fld>
             <a:endParaRPr lang="en-US"/>
           </a:p>
@@ -1877,7 +1879,7 @@
           <a:p>
             <a:fld id="{12D5D704-7A36-4D64-90D8-840F00DFC00E}" type="datetime1">
               <a:rPr lang="en-US" smtClean="0"/>
-              <a:t>9/6/2021</a:t>
+              <a:t>9/7/2021</a:t>
             </a:fld>
             <a:endParaRPr lang="en-US"/>
           </a:p>
@@ -2307,7 +2309,7 @@
           <a:p>
             <a:fld id="{7484C941-209C-4080-A895-04B3BFC6FDC0}" type="datetime1">
               <a:rPr lang="en-US" smtClean="0"/>
-              <a:t>9/6/2021</a:t>
+              <a:t>9/7/2021</a:t>
             </a:fld>
             <a:endParaRPr lang="en-US"/>
           </a:p>
@@ -2464,7 +2466,7 @@
           <a:p>
             <a:fld id="{ABBE320F-34AF-4141-80AB-1F9D858250BC}" type="datetime1">
               <a:rPr lang="en-US" smtClean="0"/>
-              <a:t>9/6/2021</a:t>
+              <a:t>9/7/2021</a:t>
             </a:fld>
             <a:endParaRPr lang="en-US"/>
           </a:p>
@@ -2592,7 +2594,7 @@
           <a:p>
             <a:fld id="{BE482D41-8FA0-4777-9B44-1E9E073C7A0B}" type="datetime1">
               <a:rPr lang="en-US" smtClean="0"/>
-              <a:t>9/6/2021</a:t>
+              <a:t>9/7/2021</a:t>
             </a:fld>
             <a:endParaRPr lang="en-US"/>
           </a:p>
@@ -2920,7 +2922,7 @@
           <a:p>
             <a:fld id="{16C68D7A-E645-4DE0-8A50-F5EDAFFDBF45}" type="datetime1">
               <a:rPr lang="en-US" smtClean="0"/>
-              <a:t>9/6/2021</a:t>
+              <a:t>9/7/2021</a:t>
             </a:fld>
             <a:endParaRPr lang="en-US"/>
           </a:p>
@@ -3224,7 +3226,7 @@
           <a:p>
             <a:fld id="{85944ED5-3130-461F-8D92-018BB7D37932}" type="datetime1">
               <a:rPr lang="en-US" smtClean="0"/>
-              <a:t>9/6/2021</a:t>
+              <a:t>9/7/2021</a:t>
             </a:fld>
             <a:endParaRPr lang="en-US"/>
           </a:p>
@@ -3482,7 +3484,7 @@
           <a:p>
             <a:fld id="{36A674EA-1DF5-4ECD-A72B-90A36DCB5DAF}" type="datetime1">
               <a:rPr lang="en-US" smtClean="0"/>
-              <a:t>9/6/2021</a:t>
+              <a:t>9/7/2021</a:t>
             </a:fld>
             <a:endParaRPr lang="en-US"/>
           </a:p>
@@ -7728,13 +7730,19 @@
           <a:p>
             <a:pPr algn="ctr"/>
             <a:r>
-              <a:rPr lang="fr-FR" sz="5200" b="1">
+              <a:rPr lang="fr-FR" sz="5200" b="1" dirty="0">
+                <a:solidFill>
+                  <a:schemeClr val="bg1"/>
+                </a:solidFill>
                 <a:ea typeface="+mj-lt"/>
                 <a:cs typeface="+mj-lt"/>
               </a:rPr>
               <a:t>Conclusion</a:t>
             </a:r>
-            <a:endParaRPr lang="fr-FR" sz="5200">
+            <a:endParaRPr lang="fr-FR" sz="5200" dirty="0">
+              <a:solidFill>
+                <a:schemeClr val="bg1"/>
+              </a:solidFill>
               <a:ea typeface="+mj-lt"/>
               <a:cs typeface="+mj-lt"/>
             </a:endParaRPr>
@@ -12264,7 +12272,7 @@
               <a:buAutoNum type="romanUcPeriod"/>
             </a:pPr>
             <a:r>
-              <a:rPr lang="fr-FR" sz="2000">
+              <a:rPr lang="fr-FR" sz="2000" dirty="0">
                 <a:solidFill>
                   <a:schemeClr val="tx1">
                     <a:alpha val="80000"/>
@@ -12281,7 +12289,7 @@
               <a:buAutoNum type="romanUcPeriod"/>
             </a:pPr>
             <a:r>
-              <a:rPr lang="fr-FR" sz="2000">
+              <a:rPr lang="fr-FR" sz="2000" dirty="0">
                 <a:solidFill>
                   <a:schemeClr val="tx1">
                     <a:alpha val="80000"/>
@@ -12292,7 +12300,7 @@
               <a:t>Objectifs</a:t>
             </a:r>
             <a:r>
-              <a:rPr lang="fr-FR" sz="2000">
+              <a:rPr lang="fr-FR" sz="2000" dirty="0">
                 <a:solidFill>
                   <a:schemeClr val="tx1">
                     <a:alpha val="80000"/>
@@ -12303,7 +12311,7 @@
               </a:rPr>
               <a:t> de l'application</a:t>
             </a:r>
-            <a:endParaRPr lang="fr-FR" sz="2000">
+            <a:endParaRPr lang="fr-FR" sz="2000" dirty="0">
               <a:solidFill>
                 <a:schemeClr val="tx1">
                   <a:alpha val="80000"/>
@@ -12318,7 +12326,7 @@
               <a:buAutoNum type="romanUcPeriod"/>
             </a:pPr>
             <a:r>
-              <a:rPr lang="fr-FR" sz="2000" err="1">
+              <a:rPr lang="fr-FR" sz="2000" dirty="0" err="1">
                 <a:solidFill>
                   <a:schemeClr val="tx1">
                     <a:alpha val="80000"/>
@@ -12330,7 +12338,7 @@
               <a:t>Technology</a:t>
             </a:r>
             <a:r>
-              <a:rPr lang="fr-FR" sz="2000">
+              <a:rPr lang="fr-FR" sz="2000" dirty="0">
                 <a:solidFill>
                   <a:schemeClr val="tx1">
                     <a:alpha val="80000"/>
@@ -12347,7 +12355,7 @@
               <a:buAutoNum type="romanUcPeriod"/>
             </a:pPr>
             <a:r>
-              <a:rPr lang="fr-FR" sz="2000">
+              <a:rPr lang="fr-FR" sz="2000" dirty="0">
                 <a:solidFill>
                   <a:schemeClr val="tx1">
                     <a:alpha val="80000"/>
@@ -12360,7 +12368,7 @@
               <a:t>Constitution du </a:t>
             </a:r>
             <a:r>
-              <a:rPr lang="fr-FR" sz="2000" err="1">
+              <a:rPr lang="fr-FR" sz="2000" dirty="0" err="1">
                 <a:solidFill>
                   <a:schemeClr val="tx1">
                     <a:alpha val="80000"/>
@@ -12372,13 +12380,23 @@
               </a:rPr>
               <a:t>dataset</a:t>
             </a:r>
+            <a:endParaRPr lang="fr-FR" sz="2000" dirty="0">
+              <a:solidFill>
+                <a:schemeClr val="tx1">
+                  <a:alpha val="80000"/>
+                </a:schemeClr>
+              </a:solidFill>
+              <a:latin typeface="Calibri Light" panose="020F0302020204030204"/>
+              <a:ea typeface="+mn-lt"/>
+              <a:cs typeface="+mn-lt"/>
+            </a:endParaRPr>
           </a:p>
           <a:p>
             <a:pPr marL="457200" indent="-457200">
               <a:buAutoNum type="romanUcPeriod"/>
             </a:pPr>
             <a:r>
-              <a:rPr lang="fr-FR" sz="2000">
+              <a:rPr lang="fr-FR" sz="2000" dirty="0">
                 <a:solidFill>
                   <a:schemeClr val="tx1">
                     <a:alpha val="80000"/>
@@ -12391,7 +12409,7 @@
               <a:t>Étude</a:t>
             </a:r>
             <a:r>
-              <a:rPr lang="fr-FR" sz="2000">
+              <a:rPr lang="fr-FR" sz="2000" dirty="0">
                 <a:solidFill>
                   <a:schemeClr val="tx1">
                     <a:alpha val="80000"/>
@@ -12402,7 +12420,7 @@
               </a:rPr>
               <a:t> des modèles</a:t>
             </a:r>
-            <a:endParaRPr lang="fr-FR" sz="2000">
+            <a:endParaRPr lang="fr-FR" sz="2000" dirty="0">
               <a:solidFill>
                 <a:schemeClr val="tx1">
                   <a:alpha val="80000"/>
@@ -12417,43 +12435,7 @@
               <a:buAutoNum type="romanUcPeriod"/>
             </a:pPr>
             <a:r>
-              <a:rPr lang="fr-FR" sz="2000">
-                <a:solidFill>
-                  <a:schemeClr val="tx1">
-                    <a:alpha val="80000"/>
-                  </a:schemeClr>
-                </a:solidFill>
-                <a:latin typeface="+mj-lt"/>
-              </a:rPr>
-              <a:t>Comparaison avec </a:t>
-            </a:r>
-            <a:r>
-              <a:rPr lang="fr-FR" sz="2000" err="1">
-                <a:solidFill>
-                  <a:schemeClr val="tx1">
-                    <a:alpha val="80000"/>
-                  </a:schemeClr>
-                </a:solidFill>
-                <a:latin typeface="+mj-lt"/>
-              </a:rPr>
-              <a:t>Keras</a:t>
-            </a:r>
-            <a:endParaRPr lang="fr-FR" sz="2000" err="1">
-              <a:solidFill>
-                <a:schemeClr val="tx1">
-                  <a:alpha val="80000"/>
-                </a:schemeClr>
-              </a:solidFill>
-              <a:latin typeface="+mj-lt"/>
-              <a:cs typeface="Calibri" panose="020F0502020204030204"/>
-            </a:endParaRPr>
-          </a:p>
-          <a:p>
-            <a:pPr marL="457200" indent="-457200">
-              <a:buAutoNum type="romanUcPeriod"/>
-            </a:pPr>
-            <a:r>
-              <a:rPr lang="fr-FR" sz="2000">
+              <a:rPr lang="fr-FR" sz="2000" dirty="0">
                 <a:solidFill>
                   <a:schemeClr val="tx1">
                     <a:alpha val="80000"/>
@@ -12464,7 +12446,7 @@
               </a:rPr>
               <a:t>Démonstration</a:t>
             </a:r>
-            <a:endParaRPr lang="fr-FR" sz="2000">
+            <a:endParaRPr lang="fr-FR" sz="2000" dirty="0">
               <a:solidFill>
                 <a:schemeClr val="tx1">
                   <a:alpha val="80000"/>
@@ -12478,7 +12460,7 @@
               <a:buAutoNum type="romanUcPeriod"/>
             </a:pPr>
             <a:r>
-              <a:rPr lang="fr-FR" sz="2000">
+              <a:rPr lang="fr-FR" sz="2000" dirty="0">
                 <a:solidFill>
                   <a:schemeClr val="tx1">
                     <a:alpha val="80000"/>
@@ -12488,7 +12470,7 @@
               </a:rPr>
               <a:t>Conclusion</a:t>
             </a:r>
-            <a:endParaRPr lang="fr-FR" sz="2000">
+            <a:endParaRPr lang="fr-FR" sz="2000" dirty="0">
               <a:solidFill>
                 <a:schemeClr val="tx1">
                   <a:alpha val="80000"/>
@@ -12503,7 +12485,7 @@
               <a:buAutoNum type="romanUcPeriod"/>
             </a:pPr>
             <a:r>
-              <a:rPr lang="fr-FR" sz="2000">
+              <a:rPr lang="fr-FR" sz="2000" dirty="0">
                 <a:solidFill>
                   <a:schemeClr val="tx1">
                     <a:alpha val="80000"/>
@@ -12513,7 +12495,7 @@
               </a:rPr>
               <a:t>Ouverture</a:t>
             </a:r>
-            <a:endParaRPr lang="fr-FR" sz="2000">
+            <a:endParaRPr lang="fr-FR" sz="2000" dirty="0">
               <a:solidFill>
                 <a:schemeClr val="tx1">
                   <a:alpha val="80000"/>
